--- a/Storytelling.pptx
+++ b/Storytelling.pptx
@@ -113,7 +113,53 @@
       </a:defRPr>
     </a:lvl9pPr>
   </p:defaultTextStyle>
+  <p:extLst>
+    <p:ext uri="{EFAFB233-063F-42B5-8137-9DF3F51BA10A}">
+      <p15:sldGuideLst xmlns:p15="http://schemas.microsoft.com/office/powerpoint/2012/main"/>
+    </p:ext>
+  </p:extLst>
 </p:presentation>
+</file>
+
+<file path=ppt/commentAuthors.xml><?xml version="1.0" encoding="utf-8"?>
+<p:cmAuthorLst xmlns:a="http://schemas.openxmlformats.org/drawingml/2006/main" xmlns:r="http://schemas.openxmlformats.org/officeDocument/2006/relationships" xmlns:p="http://schemas.openxmlformats.org/presentationml/2006/main">
+  <p:cmAuthor id="1" name="Roberto Miranda" initials="RM" lastIdx="1" clrIdx="0">
+    <p:extLst>
+      <p:ext uri="{19B8F6BF-5375-455C-9EA6-DF929625EA0E}">
+        <p15:presenceInfo xmlns:p15="http://schemas.microsoft.com/office/powerpoint/2012/main" userId="7d03d1e06eb3eae6" providerId="Windows Live"/>
+      </p:ext>
+    </p:extLst>
+  </p:cmAuthor>
+</p:cmAuthorLst>
+</file>
+
+<file path=ppt/changesInfos/changesInfo1.xml><?xml version="1.0" encoding="utf-8"?>
+<pc:chgInfo xmlns:a="http://schemas.openxmlformats.org/drawingml/2006/main" xmlns:r="http://schemas.openxmlformats.org/officeDocument/2006/relationships" xmlns:ac="http://schemas.microsoft.com/office/drawing/2013/main/command" xmlns:pc="http://schemas.microsoft.com/office/powerpoint/2013/main/command">
+  <pc:docChgLst>
+    <pc:chgData name="Roberto Miranda" userId="7d03d1e06eb3eae6" providerId="LiveId" clId="{3E6B5412-6117-4E96-A2D1-F71750F9DF6C}"/>
+    <pc:docChg chg="undo custSel modSld">
+      <pc:chgData name="Roberto Miranda" userId="7d03d1e06eb3eae6" providerId="LiveId" clId="{3E6B5412-6117-4E96-A2D1-F71750F9DF6C}" dt="2021-08-26T01:43:12.254" v="9" actId="21"/>
+      <pc:docMkLst>
+        <pc:docMk/>
+      </pc:docMkLst>
+      <pc:sldChg chg="modSp mod addCm delCm">
+        <pc:chgData name="Roberto Miranda" userId="7d03d1e06eb3eae6" providerId="LiveId" clId="{3E6B5412-6117-4E96-A2D1-F71750F9DF6C}" dt="2021-08-26T01:43:12.254" v="9" actId="21"/>
+        <pc:sldMkLst>
+          <pc:docMk/>
+          <pc:sldMk cId="1205222153" sldId="261"/>
+        </pc:sldMkLst>
+        <pc:spChg chg="mod">
+          <ac:chgData name="Roberto Miranda" userId="7d03d1e06eb3eae6" providerId="LiveId" clId="{3E6B5412-6117-4E96-A2D1-F71750F9DF6C}" dt="2021-08-26T01:43:12.254" v="9" actId="21"/>
+          <ac:spMkLst>
+            <pc:docMk/>
+            <pc:sldMk cId="1205222153" sldId="261"/>
+            <ac:spMk id="3" creationId="{C17F06ED-FFD6-4C02-9564-B222B142E09C}"/>
+          </ac:spMkLst>
+        </pc:spChg>
+      </pc:sldChg>
+    </pc:docChg>
+  </pc:docChgLst>
+</pc:chgInfo>
 </file>
 
 <file path=ppt/ink/ink1.xml><?xml version="1.0" encoding="utf-8"?>
@@ -11395,8 +11441,8 @@
           <a:chExt cx="0" cy="0"/>
         </a:xfrm>
       </p:grpSpPr>
-      <mc:AlternateContent xmlns:mc="http://schemas.openxmlformats.org/markup-compatibility/2006">
-        <mc:Choice xmlns:p14="http://schemas.microsoft.com/office/powerpoint/2010/main" Requires="p14">
+      <mc:AlternateContent xmlns:mc="http://schemas.openxmlformats.org/markup-compatibility/2006" xmlns:p14="http://schemas.microsoft.com/office/powerpoint/2010/main">
+        <mc:Choice Requires="p14">
           <p:contentPart p14:bwMode="auto" r:id="rId2">
             <p14:nvContentPartPr>
               <p14:cNvPr id="4" name="Entrada de lápiz 3">
@@ -11415,7 +11461,7 @@
             </p14:xfrm>
           </p:contentPart>
         </mc:Choice>
-        <mc:Fallback>
+        <mc:Fallback xmlns="">
           <p:pic>
             <p:nvPicPr>
               <p:cNvPr id="4" name="Entrada de lápiz 3">
@@ -11446,8 +11492,8 @@
           </p:pic>
         </mc:Fallback>
       </mc:AlternateContent>
-      <mc:AlternateContent xmlns:mc="http://schemas.openxmlformats.org/markup-compatibility/2006">
-        <mc:Choice xmlns:p14="http://schemas.microsoft.com/office/powerpoint/2010/main" Requires="p14">
+      <mc:AlternateContent xmlns:mc="http://schemas.openxmlformats.org/markup-compatibility/2006" xmlns:p14="http://schemas.microsoft.com/office/powerpoint/2010/main">
+        <mc:Choice Requires="p14">
           <p:contentPart p14:bwMode="auto" r:id="rId4">
             <p14:nvContentPartPr>
               <p14:cNvPr id="5" name="Entrada de lápiz 4">
@@ -11466,7 +11512,7 @@
             </p14:xfrm>
           </p:contentPart>
         </mc:Choice>
-        <mc:Fallback>
+        <mc:Fallback xmlns="">
           <p:pic>
             <p:nvPicPr>
               <p:cNvPr id="5" name="Entrada de lápiz 4">
@@ -11497,8 +11543,8 @@
           </p:pic>
         </mc:Fallback>
       </mc:AlternateContent>
-      <mc:AlternateContent xmlns:mc="http://schemas.openxmlformats.org/markup-compatibility/2006">
-        <mc:Choice xmlns:p14="http://schemas.microsoft.com/office/powerpoint/2010/main" Requires="p14">
+      <mc:AlternateContent xmlns:mc="http://schemas.openxmlformats.org/markup-compatibility/2006" xmlns:p14="http://schemas.microsoft.com/office/powerpoint/2010/main">
+        <mc:Choice Requires="p14">
           <p:contentPart p14:bwMode="auto" r:id="rId6">
             <p14:nvContentPartPr>
               <p14:cNvPr id="7" name="Entrada de lápiz 6">
@@ -11517,7 +11563,7 @@
             </p14:xfrm>
           </p:contentPart>
         </mc:Choice>
-        <mc:Fallback>
+        <mc:Fallback xmlns="">
           <p:pic>
             <p:nvPicPr>
               <p:cNvPr id="7" name="Entrada de lápiz 6">
@@ -11548,8 +11594,8 @@
           </p:pic>
         </mc:Fallback>
       </mc:AlternateContent>
-      <mc:AlternateContent xmlns:mc="http://schemas.openxmlformats.org/markup-compatibility/2006">
-        <mc:Choice xmlns:p14="http://schemas.microsoft.com/office/powerpoint/2010/main" Requires="p14">
+      <mc:AlternateContent xmlns:mc="http://schemas.openxmlformats.org/markup-compatibility/2006" xmlns:p14="http://schemas.microsoft.com/office/powerpoint/2010/main">
+        <mc:Choice Requires="p14">
           <p:contentPart p14:bwMode="auto" r:id="rId8">
             <p14:nvContentPartPr>
               <p14:cNvPr id="8" name="Entrada de lápiz 7">
@@ -11568,7 +11614,7 @@
             </p14:xfrm>
           </p:contentPart>
         </mc:Choice>
-        <mc:Fallback>
+        <mc:Fallback xmlns="">
           <p:pic>
             <p:nvPicPr>
               <p:cNvPr id="8" name="Entrada de lápiz 7">
@@ -11599,8 +11645,8 @@
           </p:pic>
         </mc:Fallback>
       </mc:AlternateContent>
-      <mc:AlternateContent xmlns:mc="http://schemas.openxmlformats.org/markup-compatibility/2006">
-        <mc:Choice xmlns:p14="http://schemas.microsoft.com/office/powerpoint/2010/main" Requires="p14">
+      <mc:AlternateContent xmlns:mc="http://schemas.openxmlformats.org/markup-compatibility/2006" xmlns:p14="http://schemas.microsoft.com/office/powerpoint/2010/main">
+        <mc:Choice Requires="p14">
           <p:contentPart p14:bwMode="auto" r:id="rId10">
             <p14:nvContentPartPr>
               <p14:cNvPr id="9" name="Entrada de lápiz 8">
@@ -11619,7 +11665,7 @@
             </p14:xfrm>
           </p:contentPart>
         </mc:Choice>
-        <mc:Fallback>
+        <mc:Fallback xmlns="">
           <p:pic>
             <p:nvPicPr>
               <p:cNvPr id="9" name="Entrada de lápiz 8">
@@ -11650,8 +11696,8 @@
           </p:pic>
         </mc:Fallback>
       </mc:AlternateContent>
-      <mc:AlternateContent xmlns:mc="http://schemas.openxmlformats.org/markup-compatibility/2006">
-        <mc:Choice xmlns:p14="http://schemas.microsoft.com/office/powerpoint/2010/main" Requires="p14">
+      <mc:AlternateContent xmlns:mc="http://schemas.openxmlformats.org/markup-compatibility/2006" xmlns:p14="http://schemas.microsoft.com/office/powerpoint/2010/main">
+        <mc:Choice Requires="p14">
           <p:contentPart p14:bwMode="auto" r:id="rId12">
             <p14:nvContentPartPr>
               <p14:cNvPr id="10" name="Entrada de lápiz 9">
@@ -11670,7 +11716,7 @@
             </p14:xfrm>
           </p:contentPart>
         </mc:Choice>
-        <mc:Fallback>
+        <mc:Fallback xmlns="">
           <p:pic>
             <p:nvPicPr>
               <p:cNvPr id="10" name="Entrada de lápiz 9">
@@ -11701,8 +11747,8 @@
           </p:pic>
         </mc:Fallback>
       </mc:AlternateContent>
-      <mc:AlternateContent xmlns:mc="http://schemas.openxmlformats.org/markup-compatibility/2006">
-        <mc:Choice xmlns:p14="http://schemas.microsoft.com/office/powerpoint/2010/main" Requires="p14">
+      <mc:AlternateContent xmlns:mc="http://schemas.openxmlformats.org/markup-compatibility/2006" xmlns:p14="http://schemas.microsoft.com/office/powerpoint/2010/main">
+        <mc:Choice Requires="p14">
           <p:contentPart p14:bwMode="auto" r:id="rId14">
             <p14:nvContentPartPr>
               <p14:cNvPr id="12" name="Entrada de lápiz 11">
@@ -11721,7 +11767,7 @@
             </p14:xfrm>
           </p:contentPart>
         </mc:Choice>
-        <mc:Fallback>
+        <mc:Fallback xmlns="">
           <p:pic>
             <p:nvPicPr>
               <p:cNvPr id="12" name="Entrada de lápiz 11">
@@ -11752,8 +11798,8 @@
           </p:pic>
         </mc:Fallback>
       </mc:AlternateContent>
-      <mc:AlternateContent xmlns:mc="http://schemas.openxmlformats.org/markup-compatibility/2006">
-        <mc:Choice xmlns:p14="http://schemas.microsoft.com/office/powerpoint/2010/main" Requires="p14">
+      <mc:AlternateContent xmlns:mc="http://schemas.openxmlformats.org/markup-compatibility/2006" xmlns:p14="http://schemas.microsoft.com/office/powerpoint/2010/main">
+        <mc:Choice Requires="p14">
           <p:contentPart p14:bwMode="auto" r:id="rId16">
             <p14:nvContentPartPr>
               <p14:cNvPr id="13" name="Entrada de lápiz 12">
@@ -11772,7 +11818,7 @@
             </p14:xfrm>
           </p:contentPart>
         </mc:Choice>
-        <mc:Fallback>
+        <mc:Fallback xmlns="">
           <p:pic>
             <p:nvPicPr>
               <p:cNvPr id="13" name="Entrada de lápiz 12">
@@ -11803,8 +11849,8 @@
           </p:pic>
         </mc:Fallback>
       </mc:AlternateContent>
-      <mc:AlternateContent xmlns:mc="http://schemas.openxmlformats.org/markup-compatibility/2006">
-        <mc:Choice xmlns:p14="http://schemas.microsoft.com/office/powerpoint/2010/main" Requires="p14">
+      <mc:AlternateContent xmlns:mc="http://schemas.openxmlformats.org/markup-compatibility/2006" xmlns:p14="http://schemas.microsoft.com/office/powerpoint/2010/main">
+        <mc:Choice Requires="p14">
           <p:contentPart p14:bwMode="auto" r:id="rId18">
             <p14:nvContentPartPr>
               <p14:cNvPr id="15" name="Entrada de lápiz 14">
@@ -11823,7 +11869,7 @@
             </p14:xfrm>
           </p:contentPart>
         </mc:Choice>
-        <mc:Fallback>
+        <mc:Fallback xmlns="">
           <p:pic>
             <p:nvPicPr>
               <p:cNvPr id="15" name="Entrada de lápiz 14">
@@ -11854,8 +11900,8 @@
           </p:pic>
         </mc:Fallback>
       </mc:AlternateContent>
-      <mc:AlternateContent xmlns:mc="http://schemas.openxmlformats.org/markup-compatibility/2006">
-        <mc:Choice xmlns:p14="http://schemas.microsoft.com/office/powerpoint/2010/main" Requires="p14">
+      <mc:AlternateContent xmlns:mc="http://schemas.openxmlformats.org/markup-compatibility/2006" xmlns:p14="http://schemas.microsoft.com/office/powerpoint/2010/main">
+        <mc:Choice Requires="p14">
           <p:contentPart p14:bwMode="auto" r:id="rId20">
             <p14:nvContentPartPr>
               <p14:cNvPr id="16" name="Entrada de lápiz 15">
@@ -11874,7 +11920,7 @@
             </p14:xfrm>
           </p:contentPart>
         </mc:Choice>
-        <mc:Fallback>
+        <mc:Fallback xmlns="">
           <p:pic>
             <p:nvPicPr>
               <p:cNvPr id="16" name="Entrada de lápiz 15">
@@ -11905,8 +11951,8 @@
           </p:pic>
         </mc:Fallback>
       </mc:AlternateContent>
-      <mc:AlternateContent xmlns:mc="http://schemas.openxmlformats.org/markup-compatibility/2006">
-        <mc:Choice xmlns:p14="http://schemas.microsoft.com/office/powerpoint/2010/main" Requires="p14">
+      <mc:AlternateContent xmlns:mc="http://schemas.openxmlformats.org/markup-compatibility/2006" xmlns:p14="http://schemas.microsoft.com/office/powerpoint/2010/main">
+        <mc:Choice Requires="p14">
           <p:contentPart p14:bwMode="auto" r:id="rId22">
             <p14:nvContentPartPr>
               <p14:cNvPr id="17" name="Entrada de lápiz 16">
@@ -11925,7 +11971,7 @@
             </p14:xfrm>
           </p:contentPart>
         </mc:Choice>
-        <mc:Fallback>
+        <mc:Fallback xmlns="">
           <p:pic>
             <p:nvPicPr>
               <p:cNvPr id="17" name="Entrada de lápiz 16">
@@ -11956,8 +12002,8 @@
           </p:pic>
         </mc:Fallback>
       </mc:AlternateContent>
-      <mc:AlternateContent xmlns:mc="http://schemas.openxmlformats.org/markup-compatibility/2006">
-        <mc:Choice xmlns:p14="http://schemas.microsoft.com/office/powerpoint/2010/main" Requires="p14">
+      <mc:AlternateContent xmlns:mc="http://schemas.openxmlformats.org/markup-compatibility/2006" xmlns:p14="http://schemas.microsoft.com/office/powerpoint/2010/main">
+        <mc:Choice Requires="p14">
           <p:contentPart p14:bwMode="auto" r:id="rId24">
             <p14:nvContentPartPr>
               <p14:cNvPr id="18" name="Entrada de lápiz 17">
@@ -11976,7 +12022,7 @@
             </p14:xfrm>
           </p:contentPart>
         </mc:Choice>
-        <mc:Fallback>
+        <mc:Fallback xmlns="">
           <p:pic>
             <p:nvPicPr>
               <p:cNvPr id="18" name="Entrada de lápiz 17">
@@ -12007,8 +12053,8 @@
           </p:pic>
         </mc:Fallback>
       </mc:AlternateContent>
-      <mc:AlternateContent xmlns:mc="http://schemas.openxmlformats.org/markup-compatibility/2006">
-        <mc:Choice xmlns:p14="http://schemas.microsoft.com/office/powerpoint/2010/main" Requires="p14">
+      <mc:AlternateContent xmlns:mc="http://schemas.openxmlformats.org/markup-compatibility/2006" xmlns:p14="http://schemas.microsoft.com/office/powerpoint/2010/main">
+        <mc:Choice Requires="p14">
           <p:contentPart p14:bwMode="auto" r:id="rId26">
             <p14:nvContentPartPr>
               <p14:cNvPr id="19" name="Entrada de lápiz 18">
@@ -12027,7 +12073,7 @@
             </p14:xfrm>
           </p:contentPart>
         </mc:Choice>
-        <mc:Fallback>
+        <mc:Fallback xmlns="">
           <p:pic>
             <p:nvPicPr>
               <p:cNvPr id="19" name="Entrada de lápiz 18">
@@ -12058,8 +12104,8 @@
           </p:pic>
         </mc:Fallback>
       </mc:AlternateContent>
-      <mc:AlternateContent xmlns:mc="http://schemas.openxmlformats.org/markup-compatibility/2006">
-        <mc:Choice xmlns:p14="http://schemas.microsoft.com/office/powerpoint/2010/main" Requires="p14">
+      <mc:AlternateContent xmlns:mc="http://schemas.openxmlformats.org/markup-compatibility/2006" xmlns:p14="http://schemas.microsoft.com/office/powerpoint/2010/main">
+        <mc:Choice Requires="p14">
           <p:contentPart p14:bwMode="auto" r:id="rId28">
             <p14:nvContentPartPr>
               <p14:cNvPr id="20" name="Entrada de lápiz 19">
@@ -12078,7 +12124,7 @@
             </p14:xfrm>
           </p:contentPart>
         </mc:Choice>
-        <mc:Fallback>
+        <mc:Fallback xmlns="">
           <p:pic>
             <p:nvPicPr>
               <p:cNvPr id="20" name="Entrada de lápiz 19">
@@ -12109,8 +12155,8 @@
           </p:pic>
         </mc:Fallback>
       </mc:AlternateContent>
-      <mc:AlternateContent xmlns:mc="http://schemas.openxmlformats.org/markup-compatibility/2006">
-        <mc:Choice xmlns:p14="http://schemas.microsoft.com/office/powerpoint/2010/main" Requires="p14">
+      <mc:AlternateContent xmlns:mc="http://schemas.openxmlformats.org/markup-compatibility/2006" xmlns:p14="http://schemas.microsoft.com/office/powerpoint/2010/main">
+        <mc:Choice Requires="p14">
           <p:contentPart p14:bwMode="auto" r:id="rId30">
             <p14:nvContentPartPr>
               <p14:cNvPr id="23" name="Entrada de lápiz 22">
@@ -12129,7 +12175,7 @@
             </p14:xfrm>
           </p:contentPart>
         </mc:Choice>
-        <mc:Fallback>
+        <mc:Fallback xmlns="">
           <p:pic>
             <p:nvPicPr>
               <p:cNvPr id="23" name="Entrada de lápiz 22">
@@ -12160,8 +12206,8 @@
           </p:pic>
         </mc:Fallback>
       </mc:AlternateContent>
-      <mc:AlternateContent xmlns:mc="http://schemas.openxmlformats.org/markup-compatibility/2006">
-        <mc:Choice xmlns:p14="http://schemas.microsoft.com/office/powerpoint/2010/main" Requires="p14">
+      <mc:AlternateContent xmlns:mc="http://schemas.openxmlformats.org/markup-compatibility/2006" xmlns:p14="http://schemas.microsoft.com/office/powerpoint/2010/main">
+        <mc:Choice Requires="p14">
           <p:contentPart p14:bwMode="auto" r:id="rId32">
             <p14:nvContentPartPr>
               <p14:cNvPr id="25" name="Entrada de lápiz 24">
@@ -12180,7 +12226,7 @@
             </p14:xfrm>
           </p:contentPart>
         </mc:Choice>
-        <mc:Fallback>
+        <mc:Fallback xmlns="">
           <p:pic>
             <p:nvPicPr>
               <p:cNvPr id="25" name="Entrada de lápiz 24">
@@ -12211,8 +12257,8 @@
           </p:pic>
         </mc:Fallback>
       </mc:AlternateContent>
-      <mc:AlternateContent xmlns:mc="http://schemas.openxmlformats.org/markup-compatibility/2006">
-        <mc:Choice xmlns:p14="http://schemas.microsoft.com/office/powerpoint/2010/main" Requires="p14">
+      <mc:AlternateContent xmlns:mc="http://schemas.openxmlformats.org/markup-compatibility/2006" xmlns:p14="http://schemas.microsoft.com/office/powerpoint/2010/main">
+        <mc:Choice Requires="p14">
           <p:contentPart p14:bwMode="auto" r:id="rId34">
             <p14:nvContentPartPr>
               <p14:cNvPr id="26" name="Entrada de lápiz 25">
@@ -12231,7 +12277,7 @@
             </p14:xfrm>
           </p:contentPart>
         </mc:Choice>
-        <mc:Fallback>
+        <mc:Fallback xmlns="">
           <p:pic>
             <p:nvPicPr>
               <p:cNvPr id="26" name="Entrada de lápiz 25">
@@ -12262,8 +12308,8 @@
           </p:pic>
         </mc:Fallback>
       </mc:AlternateContent>
-      <mc:AlternateContent xmlns:mc="http://schemas.openxmlformats.org/markup-compatibility/2006">
-        <mc:Choice xmlns:p14="http://schemas.microsoft.com/office/powerpoint/2010/main" Requires="p14">
+      <mc:AlternateContent xmlns:mc="http://schemas.openxmlformats.org/markup-compatibility/2006" xmlns:p14="http://schemas.microsoft.com/office/powerpoint/2010/main">
+        <mc:Choice Requires="p14">
           <p:contentPart p14:bwMode="auto" r:id="rId36">
             <p14:nvContentPartPr>
               <p14:cNvPr id="27" name="Entrada de lápiz 26">
@@ -12282,7 +12328,7 @@
             </p14:xfrm>
           </p:contentPart>
         </mc:Choice>
-        <mc:Fallback>
+        <mc:Fallback xmlns="">
           <p:pic>
             <p:nvPicPr>
               <p:cNvPr id="27" name="Entrada de lápiz 26">
@@ -12313,8 +12359,8 @@
           </p:pic>
         </mc:Fallback>
       </mc:AlternateContent>
-      <mc:AlternateContent xmlns:mc="http://schemas.openxmlformats.org/markup-compatibility/2006">
-        <mc:Choice xmlns:p14="http://schemas.microsoft.com/office/powerpoint/2010/main" Requires="p14">
+      <mc:AlternateContent xmlns:mc="http://schemas.openxmlformats.org/markup-compatibility/2006" xmlns:p14="http://schemas.microsoft.com/office/powerpoint/2010/main">
+        <mc:Choice Requires="p14">
           <p:contentPart p14:bwMode="auto" r:id="rId38">
             <p14:nvContentPartPr>
               <p14:cNvPr id="31" name="Entrada de lápiz 30">
@@ -12333,7 +12379,7 @@
             </p14:xfrm>
           </p:contentPart>
         </mc:Choice>
-        <mc:Fallback>
+        <mc:Fallback xmlns="">
           <p:pic>
             <p:nvPicPr>
               <p:cNvPr id="31" name="Entrada de lápiz 30">
@@ -12364,8 +12410,8 @@
           </p:pic>
         </mc:Fallback>
       </mc:AlternateContent>
-      <mc:AlternateContent xmlns:mc="http://schemas.openxmlformats.org/markup-compatibility/2006">
-        <mc:Choice xmlns:p14="http://schemas.microsoft.com/office/powerpoint/2010/main" Requires="p14">
+      <mc:AlternateContent xmlns:mc="http://schemas.openxmlformats.org/markup-compatibility/2006" xmlns:p14="http://schemas.microsoft.com/office/powerpoint/2010/main">
+        <mc:Choice Requires="p14">
           <p:contentPart p14:bwMode="auto" r:id="rId40">
             <p14:nvContentPartPr>
               <p14:cNvPr id="32" name="Entrada de lápiz 31">
@@ -12384,7 +12430,7 @@
             </p14:xfrm>
           </p:contentPart>
         </mc:Choice>
-        <mc:Fallback>
+        <mc:Fallback xmlns="">
           <p:pic>
             <p:nvPicPr>
               <p:cNvPr id="32" name="Entrada de lápiz 31">
@@ -12415,8 +12461,8 @@
           </p:pic>
         </mc:Fallback>
       </mc:AlternateContent>
-      <mc:AlternateContent xmlns:mc="http://schemas.openxmlformats.org/markup-compatibility/2006">
-        <mc:Choice xmlns:p14="http://schemas.microsoft.com/office/powerpoint/2010/main" Requires="p14">
+      <mc:AlternateContent xmlns:mc="http://schemas.openxmlformats.org/markup-compatibility/2006" xmlns:p14="http://schemas.microsoft.com/office/powerpoint/2010/main">
+        <mc:Choice Requires="p14">
           <p:contentPart p14:bwMode="auto" r:id="rId42">
             <p14:nvContentPartPr>
               <p14:cNvPr id="33" name="Entrada de lápiz 32">
@@ -12435,7 +12481,7 @@
             </p14:xfrm>
           </p:contentPart>
         </mc:Choice>
-        <mc:Fallback>
+        <mc:Fallback xmlns="">
           <p:pic>
             <p:nvPicPr>
               <p:cNvPr id="33" name="Entrada de lápiz 32">
@@ -12466,8 +12512,8 @@
           </p:pic>
         </mc:Fallback>
       </mc:AlternateContent>
-      <mc:AlternateContent xmlns:mc="http://schemas.openxmlformats.org/markup-compatibility/2006">
-        <mc:Choice xmlns:p14="http://schemas.microsoft.com/office/powerpoint/2010/main" Requires="p14">
+      <mc:AlternateContent xmlns:mc="http://schemas.openxmlformats.org/markup-compatibility/2006" xmlns:p14="http://schemas.microsoft.com/office/powerpoint/2010/main">
+        <mc:Choice Requires="p14">
           <p:contentPart p14:bwMode="auto" r:id="rId44">
             <p14:nvContentPartPr>
               <p14:cNvPr id="34" name="Entrada de lápiz 33">
@@ -12486,7 +12532,7 @@
             </p14:xfrm>
           </p:contentPart>
         </mc:Choice>
-        <mc:Fallback>
+        <mc:Fallback xmlns="">
           <p:pic>
             <p:nvPicPr>
               <p:cNvPr id="34" name="Entrada de lápiz 33">
@@ -12517,8 +12563,8 @@
           </p:pic>
         </mc:Fallback>
       </mc:AlternateContent>
-      <mc:AlternateContent xmlns:mc="http://schemas.openxmlformats.org/markup-compatibility/2006">
-        <mc:Choice xmlns:p14="http://schemas.microsoft.com/office/powerpoint/2010/main" Requires="p14">
+      <mc:AlternateContent xmlns:mc="http://schemas.openxmlformats.org/markup-compatibility/2006" xmlns:p14="http://schemas.microsoft.com/office/powerpoint/2010/main">
+        <mc:Choice Requires="p14">
           <p:contentPart p14:bwMode="auto" r:id="rId46">
             <p14:nvContentPartPr>
               <p14:cNvPr id="35" name="Entrada de lápiz 34">
@@ -12537,7 +12583,7 @@
             </p14:xfrm>
           </p:contentPart>
         </mc:Choice>
-        <mc:Fallback>
+        <mc:Fallback xmlns="">
           <p:pic>
             <p:nvPicPr>
               <p:cNvPr id="35" name="Entrada de lápiz 34">
@@ -12568,8 +12614,8 @@
           </p:pic>
         </mc:Fallback>
       </mc:AlternateContent>
-      <mc:AlternateContent xmlns:mc="http://schemas.openxmlformats.org/markup-compatibility/2006">
-        <mc:Choice xmlns:p14="http://schemas.microsoft.com/office/powerpoint/2010/main" Requires="p14">
+      <mc:AlternateContent xmlns:mc="http://schemas.openxmlformats.org/markup-compatibility/2006" xmlns:p14="http://schemas.microsoft.com/office/powerpoint/2010/main">
+        <mc:Choice Requires="p14">
           <p:contentPart p14:bwMode="auto" r:id="rId48">
             <p14:nvContentPartPr>
               <p14:cNvPr id="36" name="Entrada de lápiz 35">
@@ -12588,7 +12634,7 @@
             </p14:xfrm>
           </p:contentPart>
         </mc:Choice>
-        <mc:Fallback>
+        <mc:Fallback xmlns="">
           <p:pic>
             <p:nvPicPr>
               <p:cNvPr id="36" name="Entrada de lápiz 35">
@@ -12619,8 +12665,8 @@
           </p:pic>
         </mc:Fallback>
       </mc:AlternateContent>
-      <mc:AlternateContent xmlns:mc="http://schemas.openxmlformats.org/markup-compatibility/2006">
-        <mc:Choice xmlns:p14="http://schemas.microsoft.com/office/powerpoint/2010/main" Requires="p14">
+      <mc:AlternateContent xmlns:mc="http://schemas.openxmlformats.org/markup-compatibility/2006" xmlns:p14="http://schemas.microsoft.com/office/powerpoint/2010/main">
+        <mc:Choice Requires="p14">
           <p:contentPart p14:bwMode="auto" r:id="rId49">
             <p14:nvContentPartPr>
               <p14:cNvPr id="37" name="Entrada de lápiz 36">
@@ -12639,7 +12685,7 @@
             </p14:xfrm>
           </p:contentPart>
         </mc:Choice>
-        <mc:Fallback>
+        <mc:Fallback xmlns="">
           <p:pic>
             <p:nvPicPr>
               <p:cNvPr id="37" name="Entrada de lápiz 36">
@@ -12670,8 +12716,8 @@
           </p:pic>
         </mc:Fallback>
       </mc:AlternateContent>
-      <mc:AlternateContent xmlns:mc="http://schemas.openxmlformats.org/markup-compatibility/2006">
-        <mc:Choice xmlns:p14="http://schemas.microsoft.com/office/powerpoint/2010/main" Requires="p14">
+      <mc:AlternateContent xmlns:mc="http://schemas.openxmlformats.org/markup-compatibility/2006" xmlns:p14="http://schemas.microsoft.com/office/powerpoint/2010/main">
+        <mc:Choice Requires="p14">
           <p:contentPart p14:bwMode="auto" r:id="rId51">
             <p14:nvContentPartPr>
               <p14:cNvPr id="51" name="Entrada de lápiz 50">
@@ -12690,7 +12736,7 @@
             </p14:xfrm>
           </p:contentPart>
         </mc:Choice>
-        <mc:Fallback>
+        <mc:Fallback xmlns="">
           <p:pic>
             <p:nvPicPr>
               <p:cNvPr id="51" name="Entrada de lápiz 50">
@@ -12721,8 +12767,8 @@
           </p:pic>
         </mc:Fallback>
       </mc:AlternateContent>
-      <mc:AlternateContent xmlns:mc="http://schemas.openxmlformats.org/markup-compatibility/2006">
-        <mc:Choice xmlns:p14="http://schemas.microsoft.com/office/powerpoint/2010/main" Requires="p14">
+      <mc:AlternateContent xmlns:mc="http://schemas.openxmlformats.org/markup-compatibility/2006" xmlns:p14="http://schemas.microsoft.com/office/powerpoint/2010/main">
+        <mc:Choice Requires="p14">
           <p:contentPart p14:bwMode="auto" r:id="rId53">
             <p14:nvContentPartPr>
               <p14:cNvPr id="57" name="Entrada de lápiz 56">
@@ -12741,7 +12787,7 @@
             </p14:xfrm>
           </p:contentPart>
         </mc:Choice>
-        <mc:Fallback>
+        <mc:Fallback xmlns="">
           <p:pic>
             <p:nvPicPr>
               <p:cNvPr id="57" name="Entrada de lápiz 56">
@@ -12772,8 +12818,8 @@
           </p:pic>
         </mc:Fallback>
       </mc:AlternateContent>
-      <mc:AlternateContent xmlns:mc="http://schemas.openxmlformats.org/markup-compatibility/2006">
-        <mc:Choice xmlns:p14="http://schemas.microsoft.com/office/powerpoint/2010/main" Requires="p14">
+      <mc:AlternateContent xmlns:mc="http://schemas.openxmlformats.org/markup-compatibility/2006" xmlns:p14="http://schemas.microsoft.com/office/powerpoint/2010/main">
+        <mc:Choice Requires="p14">
           <p:contentPart p14:bwMode="auto" r:id="rId55">
             <p14:nvContentPartPr>
               <p14:cNvPr id="58" name="Entrada de lápiz 57">
@@ -12792,7 +12838,7 @@
             </p14:xfrm>
           </p:contentPart>
         </mc:Choice>
-        <mc:Fallback>
+        <mc:Fallback xmlns="">
           <p:pic>
             <p:nvPicPr>
               <p:cNvPr id="58" name="Entrada de lápiz 57">
@@ -12823,8 +12869,8 @@
           </p:pic>
         </mc:Fallback>
       </mc:AlternateContent>
-      <mc:AlternateContent xmlns:mc="http://schemas.openxmlformats.org/markup-compatibility/2006">
-        <mc:Choice xmlns:p14="http://schemas.microsoft.com/office/powerpoint/2010/main" Requires="p14">
+      <mc:AlternateContent xmlns:mc="http://schemas.openxmlformats.org/markup-compatibility/2006" xmlns:p14="http://schemas.microsoft.com/office/powerpoint/2010/main">
+        <mc:Choice Requires="p14">
           <p:contentPart p14:bwMode="auto" r:id="rId57">
             <p14:nvContentPartPr>
               <p14:cNvPr id="59" name="Entrada de lápiz 58">
@@ -12843,7 +12889,7 @@
             </p14:xfrm>
           </p:contentPart>
         </mc:Choice>
-        <mc:Fallback>
+        <mc:Fallback xmlns="">
           <p:pic>
             <p:nvPicPr>
               <p:cNvPr id="59" name="Entrada de lápiz 58">
@@ -12874,8 +12920,8 @@
           </p:pic>
         </mc:Fallback>
       </mc:AlternateContent>
-      <mc:AlternateContent xmlns:mc="http://schemas.openxmlformats.org/markup-compatibility/2006">
-        <mc:Choice xmlns:p14="http://schemas.microsoft.com/office/powerpoint/2010/main" Requires="p14">
+      <mc:AlternateContent xmlns:mc="http://schemas.openxmlformats.org/markup-compatibility/2006" xmlns:p14="http://schemas.microsoft.com/office/powerpoint/2010/main">
+        <mc:Choice Requires="p14">
           <p:contentPart p14:bwMode="auto" r:id="rId59">
             <p14:nvContentPartPr>
               <p14:cNvPr id="60" name="Entrada de lápiz 59">
@@ -12894,7 +12940,7 @@
             </p14:xfrm>
           </p:contentPart>
         </mc:Choice>
-        <mc:Fallback>
+        <mc:Fallback xmlns="">
           <p:pic>
             <p:nvPicPr>
               <p:cNvPr id="60" name="Entrada de lápiz 59">
@@ -12925,8 +12971,8 @@
           </p:pic>
         </mc:Fallback>
       </mc:AlternateContent>
-      <mc:AlternateContent xmlns:mc="http://schemas.openxmlformats.org/markup-compatibility/2006">
-        <mc:Choice xmlns:p14="http://schemas.microsoft.com/office/powerpoint/2010/main" Requires="p14">
+      <mc:AlternateContent xmlns:mc="http://schemas.openxmlformats.org/markup-compatibility/2006" xmlns:p14="http://schemas.microsoft.com/office/powerpoint/2010/main">
+        <mc:Choice Requires="p14">
           <p:contentPart p14:bwMode="auto" r:id="rId61">
             <p14:nvContentPartPr>
               <p14:cNvPr id="67" name="Entrada de lápiz 66">
@@ -12945,7 +12991,7 @@
             </p14:xfrm>
           </p:contentPart>
         </mc:Choice>
-        <mc:Fallback>
+        <mc:Fallback xmlns="">
           <p:pic>
             <p:nvPicPr>
               <p:cNvPr id="67" name="Entrada de lápiz 66">
@@ -12976,8 +13022,8 @@
           </p:pic>
         </mc:Fallback>
       </mc:AlternateContent>
-      <mc:AlternateContent xmlns:mc="http://schemas.openxmlformats.org/markup-compatibility/2006">
-        <mc:Choice xmlns:p14="http://schemas.microsoft.com/office/powerpoint/2010/main" Requires="p14">
+      <mc:AlternateContent xmlns:mc="http://schemas.openxmlformats.org/markup-compatibility/2006" xmlns:p14="http://schemas.microsoft.com/office/powerpoint/2010/main">
+        <mc:Choice Requires="p14">
           <p:contentPart p14:bwMode="auto" r:id="rId63">
             <p14:nvContentPartPr>
               <p14:cNvPr id="68" name="Entrada de lápiz 67">
@@ -12996,7 +13042,7 @@
             </p14:xfrm>
           </p:contentPart>
         </mc:Choice>
-        <mc:Fallback>
+        <mc:Fallback xmlns="">
           <p:pic>
             <p:nvPicPr>
               <p:cNvPr id="68" name="Entrada de lápiz 67">
@@ -13027,8 +13073,8 @@
           </p:pic>
         </mc:Fallback>
       </mc:AlternateContent>
-      <mc:AlternateContent xmlns:mc="http://schemas.openxmlformats.org/markup-compatibility/2006">
-        <mc:Choice xmlns:p14="http://schemas.microsoft.com/office/powerpoint/2010/main" Requires="p14">
+      <mc:AlternateContent xmlns:mc="http://schemas.openxmlformats.org/markup-compatibility/2006" xmlns:p14="http://schemas.microsoft.com/office/powerpoint/2010/main">
+        <mc:Choice Requires="p14">
           <p:contentPart p14:bwMode="auto" r:id="rId65">
             <p14:nvContentPartPr>
               <p14:cNvPr id="69" name="Entrada de lápiz 68">
@@ -13047,7 +13093,7 @@
             </p14:xfrm>
           </p:contentPart>
         </mc:Choice>
-        <mc:Fallback>
+        <mc:Fallback xmlns="">
           <p:pic>
             <p:nvPicPr>
               <p:cNvPr id="69" name="Entrada de lápiz 68">
@@ -13078,8 +13124,8 @@
           </p:pic>
         </mc:Fallback>
       </mc:AlternateContent>
-      <mc:AlternateContent xmlns:mc="http://schemas.openxmlformats.org/markup-compatibility/2006">
-        <mc:Choice xmlns:p14="http://schemas.microsoft.com/office/powerpoint/2010/main" Requires="p14">
+      <mc:AlternateContent xmlns:mc="http://schemas.openxmlformats.org/markup-compatibility/2006" xmlns:p14="http://schemas.microsoft.com/office/powerpoint/2010/main">
+        <mc:Choice Requires="p14">
           <p:contentPart p14:bwMode="auto" r:id="rId67">
             <p14:nvContentPartPr>
               <p14:cNvPr id="70" name="Entrada de lápiz 69">
@@ -13098,7 +13144,7 @@
             </p14:xfrm>
           </p:contentPart>
         </mc:Choice>
-        <mc:Fallback>
+        <mc:Fallback xmlns="">
           <p:pic>
             <p:nvPicPr>
               <p:cNvPr id="70" name="Entrada de lápiz 69">
@@ -13129,8 +13175,8 @@
           </p:pic>
         </mc:Fallback>
       </mc:AlternateContent>
-      <mc:AlternateContent xmlns:mc="http://schemas.openxmlformats.org/markup-compatibility/2006">
-        <mc:Choice xmlns:p14="http://schemas.microsoft.com/office/powerpoint/2010/main" Requires="p14">
+      <mc:AlternateContent xmlns:mc="http://schemas.openxmlformats.org/markup-compatibility/2006" xmlns:p14="http://schemas.microsoft.com/office/powerpoint/2010/main">
+        <mc:Choice Requires="p14">
           <p:contentPart p14:bwMode="auto" r:id="rId69">
             <p14:nvContentPartPr>
               <p14:cNvPr id="72" name="Entrada de lápiz 71">
@@ -13149,7 +13195,7 @@
             </p14:xfrm>
           </p:contentPart>
         </mc:Choice>
-        <mc:Fallback>
+        <mc:Fallback xmlns="">
           <p:pic>
             <p:nvPicPr>
               <p:cNvPr id="72" name="Entrada de lápiz 71">
@@ -13180,8 +13226,8 @@
           </p:pic>
         </mc:Fallback>
       </mc:AlternateContent>
-      <mc:AlternateContent xmlns:mc="http://schemas.openxmlformats.org/markup-compatibility/2006">
-        <mc:Choice xmlns:p14="http://schemas.microsoft.com/office/powerpoint/2010/main" Requires="p14">
+      <mc:AlternateContent xmlns:mc="http://schemas.openxmlformats.org/markup-compatibility/2006" xmlns:p14="http://schemas.microsoft.com/office/powerpoint/2010/main">
+        <mc:Choice Requires="p14">
           <p:contentPart p14:bwMode="auto" r:id="rId71">
             <p14:nvContentPartPr>
               <p14:cNvPr id="73" name="Entrada de lápiz 72">
@@ -13200,7 +13246,7 @@
             </p14:xfrm>
           </p:contentPart>
         </mc:Choice>
-        <mc:Fallback>
+        <mc:Fallback xmlns="">
           <p:pic>
             <p:nvPicPr>
               <p:cNvPr id="73" name="Entrada de lápiz 72">
@@ -13231,8 +13277,8 @@
           </p:pic>
         </mc:Fallback>
       </mc:AlternateContent>
-      <mc:AlternateContent xmlns:mc="http://schemas.openxmlformats.org/markup-compatibility/2006">
-        <mc:Choice xmlns:p14="http://schemas.microsoft.com/office/powerpoint/2010/main" Requires="p14">
+      <mc:AlternateContent xmlns:mc="http://schemas.openxmlformats.org/markup-compatibility/2006" xmlns:p14="http://schemas.microsoft.com/office/powerpoint/2010/main">
+        <mc:Choice Requires="p14">
           <p:contentPart p14:bwMode="auto" r:id="rId73">
             <p14:nvContentPartPr>
               <p14:cNvPr id="74" name="Entrada de lápiz 73">
@@ -13251,7 +13297,7 @@
             </p14:xfrm>
           </p:contentPart>
         </mc:Choice>
-        <mc:Fallback>
+        <mc:Fallback xmlns="">
           <p:pic>
             <p:nvPicPr>
               <p:cNvPr id="74" name="Entrada de lápiz 73">
@@ -13282,8 +13328,8 @@
           </p:pic>
         </mc:Fallback>
       </mc:AlternateContent>
-      <mc:AlternateContent xmlns:mc="http://schemas.openxmlformats.org/markup-compatibility/2006">
-        <mc:Choice xmlns:p14="http://schemas.microsoft.com/office/powerpoint/2010/main" Requires="p14">
+      <mc:AlternateContent xmlns:mc="http://schemas.openxmlformats.org/markup-compatibility/2006" xmlns:p14="http://schemas.microsoft.com/office/powerpoint/2010/main">
+        <mc:Choice Requires="p14">
           <p:contentPart p14:bwMode="auto" r:id="rId75">
             <p14:nvContentPartPr>
               <p14:cNvPr id="75" name="Entrada de lápiz 74">
@@ -13302,7 +13348,7 @@
             </p14:xfrm>
           </p:contentPart>
         </mc:Choice>
-        <mc:Fallback>
+        <mc:Fallback xmlns="">
           <p:pic>
             <p:nvPicPr>
               <p:cNvPr id="75" name="Entrada de lápiz 74">
@@ -13333,8 +13379,8 @@
           </p:pic>
         </mc:Fallback>
       </mc:AlternateContent>
-      <mc:AlternateContent xmlns:mc="http://schemas.openxmlformats.org/markup-compatibility/2006">
-        <mc:Choice xmlns:p14="http://schemas.microsoft.com/office/powerpoint/2010/main" Requires="p14">
+      <mc:AlternateContent xmlns:mc="http://schemas.openxmlformats.org/markup-compatibility/2006" xmlns:p14="http://schemas.microsoft.com/office/powerpoint/2010/main">
+        <mc:Choice Requires="p14">
           <p:contentPart p14:bwMode="auto" r:id="rId77">
             <p14:nvContentPartPr>
               <p14:cNvPr id="77" name="Entrada de lápiz 76">
@@ -13353,7 +13399,7 @@
             </p14:xfrm>
           </p:contentPart>
         </mc:Choice>
-        <mc:Fallback>
+        <mc:Fallback xmlns="">
           <p:pic>
             <p:nvPicPr>
               <p:cNvPr id="77" name="Entrada de lápiz 76">
@@ -13384,8 +13430,8 @@
           </p:pic>
         </mc:Fallback>
       </mc:AlternateContent>
-      <mc:AlternateContent xmlns:mc="http://schemas.openxmlformats.org/markup-compatibility/2006">
-        <mc:Choice xmlns:p14="http://schemas.microsoft.com/office/powerpoint/2010/main" Requires="p14">
+      <mc:AlternateContent xmlns:mc="http://schemas.openxmlformats.org/markup-compatibility/2006" xmlns:p14="http://schemas.microsoft.com/office/powerpoint/2010/main">
+        <mc:Choice Requires="p14">
           <p:contentPart p14:bwMode="auto" r:id="rId79">
             <p14:nvContentPartPr>
               <p14:cNvPr id="78" name="Entrada de lápiz 77">
@@ -13404,7 +13450,7 @@
             </p14:xfrm>
           </p:contentPart>
         </mc:Choice>
-        <mc:Fallback>
+        <mc:Fallback xmlns="">
           <p:pic>
             <p:nvPicPr>
               <p:cNvPr id="78" name="Entrada de lápiz 77">
@@ -13435,8 +13481,8 @@
           </p:pic>
         </mc:Fallback>
       </mc:AlternateContent>
-      <mc:AlternateContent xmlns:mc="http://schemas.openxmlformats.org/markup-compatibility/2006">
-        <mc:Choice xmlns:p14="http://schemas.microsoft.com/office/powerpoint/2010/main" Requires="p14">
+      <mc:AlternateContent xmlns:mc="http://schemas.openxmlformats.org/markup-compatibility/2006" xmlns:p14="http://schemas.microsoft.com/office/powerpoint/2010/main">
+        <mc:Choice Requires="p14">
           <p:contentPart p14:bwMode="auto" r:id="rId81">
             <p14:nvContentPartPr>
               <p14:cNvPr id="79" name="Entrada de lápiz 78">
@@ -13455,7 +13501,7 @@
             </p14:xfrm>
           </p:contentPart>
         </mc:Choice>
-        <mc:Fallback>
+        <mc:Fallback xmlns="">
           <p:pic>
             <p:nvPicPr>
               <p:cNvPr id="79" name="Entrada de lápiz 78">
@@ -13486,8 +13532,8 @@
           </p:pic>
         </mc:Fallback>
       </mc:AlternateContent>
-      <mc:AlternateContent xmlns:mc="http://schemas.openxmlformats.org/markup-compatibility/2006">
-        <mc:Choice xmlns:p14="http://schemas.microsoft.com/office/powerpoint/2010/main" Requires="p14">
+      <mc:AlternateContent xmlns:mc="http://schemas.openxmlformats.org/markup-compatibility/2006" xmlns:p14="http://schemas.microsoft.com/office/powerpoint/2010/main">
+        <mc:Choice Requires="p14">
           <p:contentPart p14:bwMode="auto" r:id="rId83">
             <p14:nvContentPartPr>
               <p14:cNvPr id="80" name="Entrada de lápiz 79">
@@ -13506,7 +13552,7 @@
             </p14:xfrm>
           </p:contentPart>
         </mc:Choice>
-        <mc:Fallback>
+        <mc:Fallback xmlns="">
           <p:pic>
             <p:nvPicPr>
               <p:cNvPr id="80" name="Entrada de lápiz 79">
@@ -13537,8 +13583,8 @@
           </p:pic>
         </mc:Fallback>
       </mc:AlternateContent>
-      <mc:AlternateContent xmlns:mc="http://schemas.openxmlformats.org/markup-compatibility/2006">
-        <mc:Choice xmlns:p14="http://schemas.microsoft.com/office/powerpoint/2010/main" Requires="p14">
+      <mc:AlternateContent xmlns:mc="http://schemas.openxmlformats.org/markup-compatibility/2006" xmlns:p14="http://schemas.microsoft.com/office/powerpoint/2010/main">
+        <mc:Choice Requires="p14">
           <p:contentPart p14:bwMode="auto" r:id="rId85">
             <p14:nvContentPartPr>
               <p14:cNvPr id="81" name="Entrada de lápiz 80">
@@ -13557,7 +13603,7 @@
             </p14:xfrm>
           </p:contentPart>
         </mc:Choice>
-        <mc:Fallback>
+        <mc:Fallback xmlns="">
           <p:pic>
             <p:nvPicPr>
               <p:cNvPr id="81" name="Entrada de lápiz 80">
@@ -13588,8 +13634,8 @@
           </p:pic>
         </mc:Fallback>
       </mc:AlternateContent>
-      <mc:AlternateContent xmlns:mc="http://schemas.openxmlformats.org/markup-compatibility/2006">
-        <mc:Choice xmlns:p14="http://schemas.microsoft.com/office/powerpoint/2010/main" Requires="p14">
+      <mc:AlternateContent xmlns:mc="http://schemas.openxmlformats.org/markup-compatibility/2006" xmlns:p14="http://schemas.microsoft.com/office/powerpoint/2010/main">
+        <mc:Choice Requires="p14">
           <p:contentPart p14:bwMode="auto" r:id="rId87">
             <p14:nvContentPartPr>
               <p14:cNvPr id="82" name="Entrada de lápiz 81">
@@ -13608,7 +13654,7 @@
             </p14:xfrm>
           </p:contentPart>
         </mc:Choice>
-        <mc:Fallback>
+        <mc:Fallback xmlns="">
           <p:pic>
             <p:nvPicPr>
               <p:cNvPr id="82" name="Entrada de lápiz 81">
@@ -13639,8 +13685,8 @@
           </p:pic>
         </mc:Fallback>
       </mc:AlternateContent>
-      <mc:AlternateContent xmlns:mc="http://schemas.openxmlformats.org/markup-compatibility/2006">
-        <mc:Choice xmlns:p14="http://schemas.microsoft.com/office/powerpoint/2010/main" Requires="p14">
+      <mc:AlternateContent xmlns:mc="http://schemas.openxmlformats.org/markup-compatibility/2006" xmlns:p14="http://schemas.microsoft.com/office/powerpoint/2010/main">
+        <mc:Choice Requires="p14">
           <p:contentPart p14:bwMode="auto" r:id="rId89">
             <p14:nvContentPartPr>
               <p14:cNvPr id="83" name="Entrada de lápiz 82">
@@ -13659,7 +13705,7 @@
             </p14:xfrm>
           </p:contentPart>
         </mc:Choice>
-        <mc:Fallback>
+        <mc:Fallback xmlns="">
           <p:pic>
             <p:nvPicPr>
               <p:cNvPr id="83" name="Entrada de lápiz 82">
@@ -13690,8 +13736,8 @@
           </p:pic>
         </mc:Fallback>
       </mc:AlternateContent>
-      <mc:AlternateContent xmlns:mc="http://schemas.openxmlformats.org/markup-compatibility/2006">
-        <mc:Choice xmlns:p14="http://schemas.microsoft.com/office/powerpoint/2010/main" Requires="p14">
+      <mc:AlternateContent xmlns:mc="http://schemas.openxmlformats.org/markup-compatibility/2006" xmlns:p14="http://schemas.microsoft.com/office/powerpoint/2010/main">
+        <mc:Choice Requires="p14">
           <p:contentPart p14:bwMode="auto" r:id="rId91">
             <p14:nvContentPartPr>
               <p14:cNvPr id="84" name="Entrada de lápiz 83">
@@ -13710,7 +13756,7 @@
             </p14:xfrm>
           </p:contentPart>
         </mc:Choice>
-        <mc:Fallback>
+        <mc:Fallback xmlns="">
           <p:pic>
             <p:nvPicPr>
               <p:cNvPr id="84" name="Entrada de lápiz 83">
@@ -13741,8 +13787,8 @@
           </p:pic>
         </mc:Fallback>
       </mc:AlternateContent>
-      <mc:AlternateContent xmlns:mc="http://schemas.openxmlformats.org/markup-compatibility/2006">
-        <mc:Choice xmlns:p14="http://schemas.microsoft.com/office/powerpoint/2010/main" Requires="p14">
+      <mc:AlternateContent xmlns:mc="http://schemas.openxmlformats.org/markup-compatibility/2006" xmlns:p14="http://schemas.microsoft.com/office/powerpoint/2010/main">
+        <mc:Choice Requires="p14">
           <p:contentPart p14:bwMode="auto" r:id="rId93">
             <p14:nvContentPartPr>
               <p14:cNvPr id="86" name="Entrada de lápiz 85">
@@ -13761,7 +13807,7 @@
             </p14:xfrm>
           </p:contentPart>
         </mc:Choice>
-        <mc:Fallback>
+        <mc:Fallback xmlns="">
           <p:pic>
             <p:nvPicPr>
               <p:cNvPr id="86" name="Entrada de lápiz 85">
@@ -13792,8 +13838,8 @@
           </p:pic>
         </mc:Fallback>
       </mc:AlternateContent>
-      <mc:AlternateContent xmlns:mc="http://schemas.openxmlformats.org/markup-compatibility/2006">
-        <mc:Choice xmlns:p14="http://schemas.microsoft.com/office/powerpoint/2010/main" Requires="p14">
+      <mc:AlternateContent xmlns:mc="http://schemas.openxmlformats.org/markup-compatibility/2006" xmlns:p14="http://schemas.microsoft.com/office/powerpoint/2010/main">
+        <mc:Choice Requires="p14">
           <p:contentPart p14:bwMode="auto" r:id="rId95">
             <p14:nvContentPartPr>
               <p14:cNvPr id="87" name="Entrada de lápiz 86">
@@ -13812,7 +13858,7 @@
             </p14:xfrm>
           </p:contentPart>
         </mc:Choice>
-        <mc:Fallback>
+        <mc:Fallback xmlns="">
           <p:pic>
             <p:nvPicPr>
               <p:cNvPr id="87" name="Entrada de lápiz 86">
@@ -13843,8 +13889,8 @@
           </p:pic>
         </mc:Fallback>
       </mc:AlternateContent>
-      <mc:AlternateContent xmlns:mc="http://schemas.openxmlformats.org/markup-compatibility/2006">
-        <mc:Choice xmlns:p14="http://schemas.microsoft.com/office/powerpoint/2010/main" Requires="p14">
+      <mc:AlternateContent xmlns:mc="http://schemas.openxmlformats.org/markup-compatibility/2006" xmlns:p14="http://schemas.microsoft.com/office/powerpoint/2010/main">
+        <mc:Choice Requires="p14">
           <p:contentPart p14:bwMode="auto" r:id="rId97">
             <p14:nvContentPartPr>
               <p14:cNvPr id="88" name="Entrada de lápiz 87">
@@ -13863,7 +13909,7 @@
             </p14:xfrm>
           </p:contentPart>
         </mc:Choice>
-        <mc:Fallback>
+        <mc:Fallback xmlns="">
           <p:pic>
             <p:nvPicPr>
               <p:cNvPr id="88" name="Entrada de lápiz 87">
@@ -13894,8 +13940,8 @@
           </p:pic>
         </mc:Fallback>
       </mc:AlternateContent>
-      <mc:AlternateContent xmlns:mc="http://schemas.openxmlformats.org/markup-compatibility/2006">
-        <mc:Choice xmlns:p14="http://schemas.microsoft.com/office/powerpoint/2010/main" Requires="p14">
+      <mc:AlternateContent xmlns:mc="http://schemas.openxmlformats.org/markup-compatibility/2006" xmlns:p14="http://schemas.microsoft.com/office/powerpoint/2010/main">
+        <mc:Choice Requires="p14">
           <p:contentPart p14:bwMode="auto" r:id="rId99">
             <p14:nvContentPartPr>
               <p14:cNvPr id="89" name="Entrada de lápiz 88">
@@ -13914,7 +13960,7 @@
             </p14:xfrm>
           </p:contentPart>
         </mc:Choice>
-        <mc:Fallback>
+        <mc:Fallback xmlns="">
           <p:pic>
             <p:nvPicPr>
               <p:cNvPr id="89" name="Entrada de lápiz 88">
@@ -13945,8 +13991,8 @@
           </p:pic>
         </mc:Fallback>
       </mc:AlternateContent>
-      <mc:AlternateContent xmlns:mc="http://schemas.openxmlformats.org/markup-compatibility/2006">
-        <mc:Choice xmlns:p14="http://schemas.microsoft.com/office/powerpoint/2010/main" Requires="p14">
+      <mc:AlternateContent xmlns:mc="http://schemas.openxmlformats.org/markup-compatibility/2006" xmlns:p14="http://schemas.microsoft.com/office/powerpoint/2010/main">
+        <mc:Choice Requires="p14">
           <p:contentPart p14:bwMode="auto" r:id="rId101">
             <p14:nvContentPartPr>
               <p14:cNvPr id="90" name="Entrada de lápiz 89">
@@ -13965,7 +14011,7 @@
             </p14:xfrm>
           </p:contentPart>
         </mc:Choice>
-        <mc:Fallback>
+        <mc:Fallback xmlns="">
           <p:pic>
             <p:nvPicPr>
               <p:cNvPr id="90" name="Entrada de lápiz 89">
@@ -13996,8 +14042,8 @@
           </p:pic>
         </mc:Fallback>
       </mc:AlternateContent>
-      <mc:AlternateContent xmlns:mc="http://schemas.openxmlformats.org/markup-compatibility/2006">
-        <mc:Choice xmlns:p14="http://schemas.microsoft.com/office/powerpoint/2010/main" Requires="p14">
+      <mc:AlternateContent xmlns:mc="http://schemas.openxmlformats.org/markup-compatibility/2006" xmlns:p14="http://schemas.microsoft.com/office/powerpoint/2010/main">
+        <mc:Choice Requires="p14">
           <p:contentPart p14:bwMode="auto" r:id="rId103">
             <p14:nvContentPartPr>
               <p14:cNvPr id="92" name="Entrada de lápiz 91">
@@ -14016,7 +14062,7 @@
             </p14:xfrm>
           </p:contentPart>
         </mc:Choice>
-        <mc:Fallback>
+        <mc:Fallback xmlns="">
           <p:pic>
             <p:nvPicPr>
               <p:cNvPr id="92" name="Entrada de lápiz 91">
@@ -14047,8 +14093,8 @@
           </p:pic>
         </mc:Fallback>
       </mc:AlternateContent>
-      <mc:AlternateContent xmlns:mc="http://schemas.openxmlformats.org/markup-compatibility/2006">
-        <mc:Choice xmlns:p14="http://schemas.microsoft.com/office/powerpoint/2010/main" Requires="p14">
+      <mc:AlternateContent xmlns:mc="http://schemas.openxmlformats.org/markup-compatibility/2006" xmlns:p14="http://schemas.microsoft.com/office/powerpoint/2010/main">
+        <mc:Choice Requires="p14">
           <p:contentPart p14:bwMode="auto" r:id="rId105">
             <p14:nvContentPartPr>
               <p14:cNvPr id="93" name="Entrada de lápiz 92">
@@ -14067,7 +14113,7 @@
             </p14:xfrm>
           </p:contentPart>
         </mc:Choice>
-        <mc:Fallback>
+        <mc:Fallback xmlns="">
           <p:pic>
             <p:nvPicPr>
               <p:cNvPr id="93" name="Entrada de lápiz 92">
@@ -14098,8 +14144,8 @@
           </p:pic>
         </mc:Fallback>
       </mc:AlternateContent>
-      <mc:AlternateContent xmlns:mc="http://schemas.openxmlformats.org/markup-compatibility/2006">
-        <mc:Choice xmlns:p14="http://schemas.microsoft.com/office/powerpoint/2010/main" Requires="p14">
+      <mc:AlternateContent xmlns:mc="http://schemas.openxmlformats.org/markup-compatibility/2006" xmlns:p14="http://schemas.microsoft.com/office/powerpoint/2010/main">
+        <mc:Choice Requires="p14">
           <p:contentPart p14:bwMode="auto" r:id="rId107">
             <p14:nvContentPartPr>
               <p14:cNvPr id="95" name="Entrada de lápiz 94">
@@ -14118,7 +14164,7 @@
             </p14:xfrm>
           </p:contentPart>
         </mc:Choice>
-        <mc:Fallback>
+        <mc:Fallback xmlns="">
           <p:pic>
             <p:nvPicPr>
               <p:cNvPr id="95" name="Entrada de lápiz 94">
@@ -14149,8 +14195,8 @@
           </p:pic>
         </mc:Fallback>
       </mc:AlternateContent>
-      <mc:AlternateContent xmlns:mc="http://schemas.openxmlformats.org/markup-compatibility/2006">
-        <mc:Choice xmlns:p14="http://schemas.microsoft.com/office/powerpoint/2010/main" Requires="p14">
+      <mc:AlternateContent xmlns:mc="http://schemas.openxmlformats.org/markup-compatibility/2006" xmlns:p14="http://schemas.microsoft.com/office/powerpoint/2010/main">
+        <mc:Choice Requires="p14">
           <p:contentPart p14:bwMode="auto" r:id="rId109">
             <p14:nvContentPartPr>
               <p14:cNvPr id="96" name="Entrada de lápiz 95">
@@ -14169,7 +14215,7 @@
             </p14:xfrm>
           </p:contentPart>
         </mc:Choice>
-        <mc:Fallback>
+        <mc:Fallback xmlns="">
           <p:pic>
             <p:nvPicPr>
               <p:cNvPr id="96" name="Entrada de lápiz 95">
@@ -14200,8 +14246,8 @@
           </p:pic>
         </mc:Fallback>
       </mc:AlternateContent>
-      <mc:AlternateContent xmlns:mc="http://schemas.openxmlformats.org/markup-compatibility/2006">
-        <mc:Choice xmlns:p14="http://schemas.microsoft.com/office/powerpoint/2010/main" Requires="p14">
+      <mc:AlternateContent xmlns:mc="http://schemas.openxmlformats.org/markup-compatibility/2006" xmlns:p14="http://schemas.microsoft.com/office/powerpoint/2010/main">
+        <mc:Choice Requires="p14">
           <p:contentPart p14:bwMode="auto" r:id="rId111">
             <p14:nvContentPartPr>
               <p14:cNvPr id="97" name="Entrada de lápiz 96">
@@ -14220,7 +14266,7 @@
             </p14:xfrm>
           </p:contentPart>
         </mc:Choice>
-        <mc:Fallback>
+        <mc:Fallback xmlns="">
           <p:pic>
             <p:nvPicPr>
               <p:cNvPr id="97" name="Entrada de lápiz 96">
@@ -14251,8 +14297,8 @@
           </p:pic>
         </mc:Fallback>
       </mc:AlternateContent>
-      <mc:AlternateContent xmlns:mc="http://schemas.openxmlformats.org/markup-compatibility/2006">
-        <mc:Choice xmlns:p14="http://schemas.microsoft.com/office/powerpoint/2010/main" Requires="p14">
+      <mc:AlternateContent xmlns:mc="http://schemas.openxmlformats.org/markup-compatibility/2006" xmlns:p14="http://schemas.microsoft.com/office/powerpoint/2010/main">
+        <mc:Choice Requires="p14">
           <p:contentPart p14:bwMode="auto" r:id="rId113">
             <p14:nvContentPartPr>
               <p14:cNvPr id="98" name="Entrada de lápiz 97">
@@ -14271,7 +14317,7 @@
             </p14:xfrm>
           </p:contentPart>
         </mc:Choice>
-        <mc:Fallback>
+        <mc:Fallback xmlns="">
           <p:pic>
             <p:nvPicPr>
               <p:cNvPr id="98" name="Entrada de lápiz 97">
@@ -14302,8 +14348,8 @@
           </p:pic>
         </mc:Fallback>
       </mc:AlternateContent>
-      <mc:AlternateContent xmlns:mc="http://schemas.openxmlformats.org/markup-compatibility/2006">
-        <mc:Choice xmlns:p14="http://schemas.microsoft.com/office/powerpoint/2010/main" Requires="p14">
+      <mc:AlternateContent xmlns:mc="http://schemas.openxmlformats.org/markup-compatibility/2006" xmlns:p14="http://schemas.microsoft.com/office/powerpoint/2010/main">
+        <mc:Choice Requires="p14">
           <p:contentPart p14:bwMode="auto" r:id="rId115">
             <p14:nvContentPartPr>
               <p14:cNvPr id="100" name="Entrada de lápiz 99">
@@ -14322,7 +14368,7 @@
             </p14:xfrm>
           </p:contentPart>
         </mc:Choice>
-        <mc:Fallback>
+        <mc:Fallback xmlns="">
           <p:pic>
             <p:nvPicPr>
               <p:cNvPr id="100" name="Entrada de lápiz 99">
@@ -14353,8 +14399,8 @@
           </p:pic>
         </mc:Fallback>
       </mc:AlternateContent>
-      <mc:AlternateContent xmlns:mc="http://schemas.openxmlformats.org/markup-compatibility/2006">
-        <mc:Choice xmlns:p14="http://schemas.microsoft.com/office/powerpoint/2010/main" Requires="p14">
+      <mc:AlternateContent xmlns:mc="http://schemas.openxmlformats.org/markup-compatibility/2006" xmlns:p14="http://schemas.microsoft.com/office/powerpoint/2010/main">
+        <mc:Choice Requires="p14">
           <p:contentPart p14:bwMode="auto" r:id="rId117">
             <p14:nvContentPartPr>
               <p14:cNvPr id="101" name="Entrada de lápiz 100">
@@ -14373,7 +14419,7 @@
             </p14:xfrm>
           </p:contentPart>
         </mc:Choice>
-        <mc:Fallback>
+        <mc:Fallback xmlns="">
           <p:pic>
             <p:nvPicPr>
               <p:cNvPr id="101" name="Entrada de lápiz 100">
@@ -14404,8 +14450,8 @@
           </p:pic>
         </mc:Fallback>
       </mc:AlternateContent>
-      <mc:AlternateContent xmlns:mc="http://schemas.openxmlformats.org/markup-compatibility/2006">
-        <mc:Choice xmlns:p14="http://schemas.microsoft.com/office/powerpoint/2010/main" Requires="p14">
+      <mc:AlternateContent xmlns:mc="http://schemas.openxmlformats.org/markup-compatibility/2006" xmlns:p14="http://schemas.microsoft.com/office/powerpoint/2010/main">
+        <mc:Choice Requires="p14">
           <p:contentPart p14:bwMode="auto" r:id="rId119">
             <p14:nvContentPartPr>
               <p14:cNvPr id="102" name="Entrada de lápiz 101">
@@ -14424,7 +14470,7 @@
             </p14:xfrm>
           </p:contentPart>
         </mc:Choice>
-        <mc:Fallback>
+        <mc:Fallback xmlns="">
           <p:pic>
             <p:nvPicPr>
               <p:cNvPr id="102" name="Entrada de lápiz 101">
@@ -14455,8 +14501,8 @@
           </p:pic>
         </mc:Fallback>
       </mc:AlternateContent>
-      <mc:AlternateContent xmlns:mc="http://schemas.openxmlformats.org/markup-compatibility/2006">
-        <mc:Choice xmlns:p14="http://schemas.microsoft.com/office/powerpoint/2010/main" Requires="p14">
+      <mc:AlternateContent xmlns:mc="http://schemas.openxmlformats.org/markup-compatibility/2006" xmlns:p14="http://schemas.microsoft.com/office/powerpoint/2010/main">
+        <mc:Choice Requires="p14">
           <p:contentPart p14:bwMode="auto" r:id="rId121">
             <p14:nvContentPartPr>
               <p14:cNvPr id="103" name="Entrada de lápiz 102">
@@ -14475,7 +14521,7 @@
             </p14:xfrm>
           </p:contentPart>
         </mc:Choice>
-        <mc:Fallback>
+        <mc:Fallback xmlns="">
           <p:pic>
             <p:nvPicPr>
               <p:cNvPr id="103" name="Entrada de lápiz 102">
@@ -14506,8 +14552,8 @@
           </p:pic>
         </mc:Fallback>
       </mc:AlternateContent>
-      <mc:AlternateContent xmlns:mc="http://schemas.openxmlformats.org/markup-compatibility/2006">
-        <mc:Choice xmlns:p14="http://schemas.microsoft.com/office/powerpoint/2010/main" Requires="p14">
+      <mc:AlternateContent xmlns:mc="http://schemas.openxmlformats.org/markup-compatibility/2006" xmlns:p14="http://schemas.microsoft.com/office/powerpoint/2010/main">
+        <mc:Choice Requires="p14">
           <p:contentPart p14:bwMode="auto" r:id="rId123">
             <p14:nvContentPartPr>
               <p14:cNvPr id="104" name="Entrada de lápiz 103">
@@ -14526,7 +14572,7 @@
             </p14:xfrm>
           </p:contentPart>
         </mc:Choice>
-        <mc:Fallback>
+        <mc:Fallback xmlns="">
           <p:pic>
             <p:nvPicPr>
               <p:cNvPr id="104" name="Entrada de lápiz 103">
@@ -14577,8 +14623,8 @@
             <a:chExt cx="1483200" cy="533880"/>
           </a:xfrm>
         </p:grpSpPr>
-        <mc:AlternateContent xmlns:mc="http://schemas.openxmlformats.org/markup-compatibility/2006">
-          <mc:Choice xmlns:p14="http://schemas.microsoft.com/office/powerpoint/2010/main" Requires="p14">
+        <mc:AlternateContent xmlns:mc="http://schemas.openxmlformats.org/markup-compatibility/2006" xmlns:p14="http://schemas.microsoft.com/office/powerpoint/2010/main">
+          <mc:Choice Requires="p14">
             <p:contentPart p14:bwMode="auto" r:id="rId125">
               <p14:nvContentPartPr>
                 <p14:cNvPr id="113" name="Entrada de lápiz 112">
@@ -14597,7 +14643,7 @@
               </p14:xfrm>
             </p:contentPart>
           </mc:Choice>
-          <mc:Fallback>
+          <mc:Fallback xmlns="">
             <p:pic>
               <p:nvPicPr>
                 <p:cNvPr id="113" name="Entrada de lápiz 112">
@@ -14628,8 +14674,8 @@
             </p:pic>
           </mc:Fallback>
         </mc:AlternateContent>
-        <mc:AlternateContent xmlns:mc="http://schemas.openxmlformats.org/markup-compatibility/2006">
-          <mc:Choice xmlns:p14="http://schemas.microsoft.com/office/powerpoint/2010/main" Requires="p14">
+        <mc:AlternateContent xmlns:mc="http://schemas.openxmlformats.org/markup-compatibility/2006" xmlns:p14="http://schemas.microsoft.com/office/powerpoint/2010/main">
+          <mc:Choice Requires="p14">
             <p:contentPart p14:bwMode="auto" r:id="rId127">
               <p14:nvContentPartPr>
                 <p14:cNvPr id="114" name="Entrada de lápiz 113">
@@ -14648,7 +14694,7 @@
               </p14:xfrm>
             </p:contentPart>
           </mc:Choice>
-          <mc:Fallback>
+          <mc:Fallback xmlns="">
             <p:pic>
               <p:nvPicPr>
                 <p:cNvPr id="114" name="Entrada de lápiz 113">
@@ -14679,8 +14725,8 @@
             </p:pic>
           </mc:Fallback>
         </mc:AlternateContent>
-        <mc:AlternateContent xmlns:mc="http://schemas.openxmlformats.org/markup-compatibility/2006">
-          <mc:Choice xmlns:p14="http://schemas.microsoft.com/office/powerpoint/2010/main" Requires="p14">
+        <mc:AlternateContent xmlns:mc="http://schemas.openxmlformats.org/markup-compatibility/2006" xmlns:p14="http://schemas.microsoft.com/office/powerpoint/2010/main">
+          <mc:Choice Requires="p14">
             <p:contentPart p14:bwMode="auto" r:id="rId129">
               <p14:nvContentPartPr>
                 <p14:cNvPr id="115" name="Entrada de lápiz 114">
@@ -14699,7 +14745,7 @@
               </p14:xfrm>
             </p:contentPart>
           </mc:Choice>
-          <mc:Fallback>
+          <mc:Fallback xmlns="">
             <p:pic>
               <p:nvPicPr>
                 <p:cNvPr id="115" name="Entrada de lápiz 114">
@@ -14730,8 +14776,8 @@
             </p:pic>
           </mc:Fallback>
         </mc:AlternateContent>
-        <mc:AlternateContent xmlns:mc="http://schemas.openxmlformats.org/markup-compatibility/2006">
-          <mc:Choice xmlns:p14="http://schemas.microsoft.com/office/powerpoint/2010/main" Requires="p14">
+        <mc:AlternateContent xmlns:mc="http://schemas.openxmlformats.org/markup-compatibility/2006" xmlns:p14="http://schemas.microsoft.com/office/powerpoint/2010/main">
+          <mc:Choice Requires="p14">
             <p:contentPart p14:bwMode="auto" r:id="rId131">
               <p14:nvContentPartPr>
                 <p14:cNvPr id="116" name="Entrada de lápiz 115">
@@ -14750,7 +14796,7 @@
               </p14:xfrm>
             </p:contentPart>
           </mc:Choice>
-          <mc:Fallback>
+          <mc:Fallback xmlns="">
             <p:pic>
               <p:nvPicPr>
                 <p:cNvPr id="116" name="Entrada de lápiz 115">
@@ -14781,8 +14827,8 @@
             </p:pic>
           </mc:Fallback>
         </mc:AlternateContent>
-        <mc:AlternateContent xmlns:mc="http://schemas.openxmlformats.org/markup-compatibility/2006">
-          <mc:Choice xmlns:p14="http://schemas.microsoft.com/office/powerpoint/2010/main" Requires="p14">
+        <mc:AlternateContent xmlns:mc="http://schemas.openxmlformats.org/markup-compatibility/2006" xmlns:p14="http://schemas.microsoft.com/office/powerpoint/2010/main">
+          <mc:Choice Requires="p14">
             <p:contentPart p14:bwMode="auto" r:id="rId133">
               <p14:nvContentPartPr>
                 <p14:cNvPr id="117" name="Entrada de lápiz 116">
@@ -14801,7 +14847,7 @@
               </p14:xfrm>
             </p:contentPart>
           </mc:Choice>
-          <mc:Fallback>
+          <mc:Fallback xmlns="">
             <p:pic>
               <p:nvPicPr>
                 <p:cNvPr id="117" name="Entrada de lápiz 116">
@@ -14832,8 +14878,8 @@
             </p:pic>
           </mc:Fallback>
         </mc:AlternateContent>
-        <mc:AlternateContent xmlns:mc="http://schemas.openxmlformats.org/markup-compatibility/2006">
-          <mc:Choice xmlns:p14="http://schemas.microsoft.com/office/powerpoint/2010/main" Requires="p14">
+        <mc:AlternateContent xmlns:mc="http://schemas.openxmlformats.org/markup-compatibility/2006" xmlns:p14="http://schemas.microsoft.com/office/powerpoint/2010/main">
+          <mc:Choice Requires="p14">
             <p:contentPart p14:bwMode="auto" r:id="rId135">
               <p14:nvContentPartPr>
                 <p14:cNvPr id="118" name="Entrada de lápiz 117">
@@ -14852,7 +14898,7 @@
               </p14:xfrm>
             </p:contentPart>
           </mc:Choice>
-          <mc:Fallback>
+          <mc:Fallback xmlns="">
             <p:pic>
               <p:nvPicPr>
                 <p:cNvPr id="118" name="Entrada de lápiz 117">
@@ -14883,8 +14929,8 @@
             </p:pic>
           </mc:Fallback>
         </mc:AlternateContent>
-        <mc:AlternateContent xmlns:mc="http://schemas.openxmlformats.org/markup-compatibility/2006">
-          <mc:Choice xmlns:p14="http://schemas.microsoft.com/office/powerpoint/2010/main" Requires="p14">
+        <mc:AlternateContent xmlns:mc="http://schemas.openxmlformats.org/markup-compatibility/2006" xmlns:p14="http://schemas.microsoft.com/office/powerpoint/2010/main">
+          <mc:Choice Requires="p14">
             <p:contentPart p14:bwMode="auto" r:id="rId137">
               <p14:nvContentPartPr>
                 <p14:cNvPr id="119" name="Entrada de lápiz 118">
@@ -14903,7 +14949,7 @@
               </p14:xfrm>
             </p:contentPart>
           </mc:Choice>
-          <mc:Fallback>
+          <mc:Fallback xmlns="">
             <p:pic>
               <p:nvPicPr>
                 <p:cNvPr id="119" name="Entrada de lápiz 118">
@@ -14934,8 +14980,8 @@
             </p:pic>
           </mc:Fallback>
         </mc:AlternateContent>
-        <mc:AlternateContent xmlns:mc="http://schemas.openxmlformats.org/markup-compatibility/2006">
-          <mc:Choice xmlns:p14="http://schemas.microsoft.com/office/powerpoint/2010/main" Requires="p14">
+        <mc:AlternateContent xmlns:mc="http://schemas.openxmlformats.org/markup-compatibility/2006" xmlns:p14="http://schemas.microsoft.com/office/powerpoint/2010/main">
+          <mc:Choice Requires="p14">
             <p:contentPart p14:bwMode="auto" r:id="rId139">
               <p14:nvContentPartPr>
                 <p14:cNvPr id="120" name="Entrada de lápiz 119">
@@ -14954,7 +15000,7 @@
               </p14:xfrm>
             </p:contentPart>
           </mc:Choice>
-          <mc:Fallback>
+          <mc:Fallback xmlns="">
             <p:pic>
               <p:nvPicPr>
                 <p:cNvPr id="120" name="Entrada de lápiz 119">
@@ -15006,8 +15052,8 @@
             <a:chExt cx="11544120" cy="2662200"/>
           </a:xfrm>
         </p:grpSpPr>
-        <mc:AlternateContent xmlns:mc="http://schemas.openxmlformats.org/markup-compatibility/2006">
-          <mc:Choice xmlns:p14="http://schemas.microsoft.com/office/powerpoint/2010/main" Requires="p14">
+        <mc:AlternateContent xmlns:mc="http://schemas.openxmlformats.org/markup-compatibility/2006" xmlns:p14="http://schemas.microsoft.com/office/powerpoint/2010/main">
+          <mc:Choice Requires="p14">
             <p:contentPart p14:bwMode="auto" r:id="rId141">
               <p14:nvContentPartPr>
                 <p14:cNvPr id="122" name="Entrada de lápiz 121">
@@ -15026,7 +15072,7 @@
               </p14:xfrm>
             </p:contentPart>
           </mc:Choice>
-          <mc:Fallback>
+          <mc:Fallback xmlns="">
             <p:pic>
               <p:nvPicPr>
                 <p:cNvPr id="122" name="Entrada de lápiz 121">
@@ -15057,8 +15103,8 @@
             </p:pic>
           </mc:Fallback>
         </mc:AlternateContent>
-        <mc:AlternateContent xmlns:mc="http://schemas.openxmlformats.org/markup-compatibility/2006">
-          <mc:Choice xmlns:p14="http://schemas.microsoft.com/office/powerpoint/2010/main" Requires="p14">
+        <mc:AlternateContent xmlns:mc="http://schemas.openxmlformats.org/markup-compatibility/2006" xmlns:p14="http://schemas.microsoft.com/office/powerpoint/2010/main">
+          <mc:Choice Requires="p14">
             <p:contentPart p14:bwMode="auto" r:id="rId143">
               <p14:nvContentPartPr>
                 <p14:cNvPr id="123" name="Entrada de lápiz 122">
@@ -15077,7 +15123,7 @@
               </p14:xfrm>
             </p:contentPart>
           </mc:Choice>
-          <mc:Fallback>
+          <mc:Fallback xmlns="">
             <p:pic>
               <p:nvPicPr>
                 <p:cNvPr id="123" name="Entrada de lápiz 122">
@@ -15108,8 +15154,8 @@
             </p:pic>
           </mc:Fallback>
         </mc:AlternateContent>
-        <mc:AlternateContent xmlns:mc="http://schemas.openxmlformats.org/markup-compatibility/2006">
-          <mc:Choice xmlns:p14="http://schemas.microsoft.com/office/powerpoint/2010/main" Requires="p14">
+        <mc:AlternateContent xmlns:mc="http://schemas.openxmlformats.org/markup-compatibility/2006" xmlns:p14="http://schemas.microsoft.com/office/powerpoint/2010/main">
+          <mc:Choice Requires="p14">
             <p:contentPart p14:bwMode="auto" r:id="rId145">
               <p14:nvContentPartPr>
                 <p14:cNvPr id="124" name="Entrada de lápiz 123">
@@ -15128,7 +15174,7 @@
               </p14:xfrm>
             </p:contentPart>
           </mc:Choice>
-          <mc:Fallback>
+          <mc:Fallback xmlns="">
             <p:pic>
               <p:nvPicPr>
                 <p:cNvPr id="124" name="Entrada de lápiz 123">
@@ -15159,8 +15205,8 @@
             </p:pic>
           </mc:Fallback>
         </mc:AlternateContent>
-        <mc:AlternateContent xmlns:mc="http://schemas.openxmlformats.org/markup-compatibility/2006">
-          <mc:Choice xmlns:p14="http://schemas.microsoft.com/office/powerpoint/2010/main" Requires="p14">
+        <mc:AlternateContent xmlns:mc="http://schemas.openxmlformats.org/markup-compatibility/2006" xmlns:p14="http://schemas.microsoft.com/office/powerpoint/2010/main">
+          <mc:Choice Requires="p14">
             <p:contentPart p14:bwMode="auto" r:id="rId147">
               <p14:nvContentPartPr>
                 <p14:cNvPr id="125" name="Entrada de lápiz 124">
@@ -15179,7 +15225,7 @@
               </p14:xfrm>
             </p:contentPart>
           </mc:Choice>
-          <mc:Fallback>
+          <mc:Fallback xmlns="">
             <p:pic>
               <p:nvPicPr>
                 <p:cNvPr id="125" name="Entrada de lápiz 124">
@@ -15210,8 +15256,8 @@
             </p:pic>
           </mc:Fallback>
         </mc:AlternateContent>
-        <mc:AlternateContent xmlns:mc="http://schemas.openxmlformats.org/markup-compatibility/2006">
-          <mc:Choice xmlns:p14="http://schemas.microsoft.com/office/powerpoint/2010/main" Requires="p14">
+        <mc:AlternateContent xmlns:mc="http://schemas.openxmlformats.org/markup-compatibility/2006" xmlns:p14="http://schemas.microsoft.com/office/powerpoint/2010/main">
+          <mc:Choice Requires="p14">
             <p:contentPart p14:bwMode="auto" r:id="rId149">
               <p14:nvContentPartPr>
                 <p14:cNvPr id="126" name="Entrada de lápiz 125">
@@ -15230,7 +15276,7 @@
               </p14:xfrm>
             </p:contentPart>
           </mc:Choice>
-          <mc:Fallback>
+          <mc:Fallback xmlns="">
             <p:pic>
               <p:nvPicPr>
                 <p:cNvPr id="126" name="Entrada de lápiz 125">
@@ -15261,8 +15307,8 @@
             </p:pic>
           </mc:Fallback>
         </mc:AlternateContent>
-        <mc:AlternateContent xmlns:mc="http://schemas.openxmlformats.org/markup-compatibility/2006">
-          <mc:Choice xmlns:p14="http://schemas.microsoft.com/office/powerpoint/2010/main" Requires="p14">
+        <mc:AlternateContent xmlns:mc="http://schemas.openxmlformats.org/markup-compatibility/2006" xmlns:p14="http://schemas.microsoft.com/office/powerpoint/2010/main">
+          <mc:Choice Requires="p14">
             <p:contentPart p14:bwMode="auto" r:id="rId151">
               <p14:nvContentPartPr>
                 <p14:cNvPr id="127" name="Entrada de lápiz 126">
@@ -15281,7 +15327,7 @@
               </p14:xfrm>
             </p:contentPart>
           </mc:Choice>
-          <mc:Fallback>
+          <mc:Fallback xmlns="">
             <p:pic>
               <p:nvPicPr>
                 <p:cNvPr id="127" name="Entrada de lápiz 126">
@@ -15312,8 +15358,8 @@
             </p:pic>
           </mc:Fallback>
         </mc:AlternateContent>
-        <mc:AlternateContent xmlns:mc="http://schemas.openxmlformats.org/markup-compatibility/2006">
-          <mc:Choice xmlns:p14="http://schemas.microsoft.com/office/powerpoint/2010/main" Requires="p14">
+        <mc:AlternateContent xmlns:mc="http://schemas.openxmlformats.org/markup-compatibility/2006" xmlns:p14="http://schemas.microsoft.com/office/powerpoint/2010/main">
+          <mc:Choice Requires="p14">
             <p:contentPart p14:bwMode="auto" r:id="rId153">
               <p14:nvContentPartPr>
                 <p14:cNvPr id="128" name="Entrada de lápiz 127">
@@ -15332,7 +15378,7 @@
               </p14:xfrm>
             </p:contentPart>
           </mc:Choice>
-          <mc:Fallback>
+          <mc:Fallback xmlns="">
             <p:pic>
               <p:nvPicPr>
                 <p:cNvPr id="128" name="Entrada de lápiz 127">
@@ -15363,8 +15409,8 @@
             </p:pic>
           </mc:Fallback>
         </mc:AlternateContent>
-        <mc:AlternateContent xmlns:mc="http://schemas.openxmlformats.org/markup-compatibility/2006">
-          <mc:Choice xmlns:p14="http://schemas.microsoft.com/office/powerpoint/2010/main" Requires="p14">
+        <mc:AlternateContent xmlns:mc="http://schemas.openxmlformats.org/markup-compatibility/2006" xmlns:p14="http://schemas.microsoft.com/office/powerpoint/2010/main">
+          <mc:Choice Requires="p14">
             <p:contentPart p14:bwMode="auto" r:id="rId155">
               <p14:nvContentPartPr>
                 <p14:cNvPr id="129" name="Entrada de lápiz 128">
@@ -15383,7 +15429,7 @@
               </p14:xfrm>
             </p:contentPart>
           </mc:Choice>
-          <mc:Fallback>
+          <mc:Fallback xmlns="">
             <p:pic>
               <p:nvPicPr>
                 <p:cNvPr id="129" name="Entrada de lápiz 128">
@@ -15414,8 +15460,8 @@
             </p:pic>
           </mc:Fallback>
         </mc:AlternateContent>
-        <mc:AlternateContent xmlns:mc="http://schemas.openxmlformats.org/markup-compatibility/2006">
-          <mc:Choice xmlns:p14="http://schemas.microsoft.com/office/powerpoint/2010/main" Requires="p14">
+        <mc:AlternateContent xmlns:mc="http://schemas.openxmlformats.org/markup-compatibility/2006" xmlns:p14="http://schemas.microsoft.com/office/powerpoint/2010/main">
+          <mc:Choice Requires="p14">
             <p:contentPart p14:bwMode="auto" r:id="rId157">
               <p14:nvContentPartPr>
                 <p14:cNvPr id="130" name="Entrada de lápiz 129">
@@ -15434,7 +15480,7 @@
               </p14:xfrm>
             </p:contentPart>
           </mc:Choice>
-          <mc:Fallback>
+          <mc:Fallback xmlns="">
             <p:pic>
               <p:nvPicPr>
                 <p:cNvPr id="130" name="Entrada de lápiz 129">
@@ -15465,8 +15511,8 @@
             </p:pic>
           </mc:Fallback>
         </mc:AlternateContent>
-        <mc:AlternateContent xmlns:mc="http://schemas.openxmlformats.org/markup-compatibility/2006">
-          <mc:Choice xmlns:p14="http://schemas.microsoft.com/office/powerpoint/2010/main" Requires="p14">
+        <mc:AlternateContent xmlns:mc="http://schemas.openxmlformats.org/markup-compatibility/2006" xmlns:p14="http://schemas.microsoft.com/office/powerpoint/2010/main">
+          <mc:Choice Requires="p14">
             <p:contentPart p14:bwMode="auto" r:id="rId159">
               <p14:nvContentPartPr>
                 <p14:cNvPr id="131" name="Entrada de lápiz 130">
@@ -15485,7 +15531,7 @@
               </p14:xfrm>
             </p:contentPart>
           </mc:Choice>
-          <mc:Fallback>
+          <mc:Fallback xmlns="">
             <p:pic>
               <p:nvPicPr>
                 <p:cNvPr id="131" name="Entrada de lápiz 130">
@@ -15537,8 +15583,8 @@
             <a:chExt cx="10438560" cy="3604680"/>
           </a:xfrm>
         </p:grpSpPr>
-        <mc:AlternateContent xmlns:mc="http://schemas.openxmlformats.org/markup-compatibility/2006">
-          <mc:Choice xmlns:p14="http://schemas.microsoft.com/office/powerpoint/2010/main" xmlns:aink="http://schemas.microsoft.com/office/drawing/2016/ink" Requires="p14 aink">
+        <mc:AlternateContent xmlns:mc="http://schemas.openxmlformats.org/markup-compatibility/2006" xmlns:p14="http://schemas.microsoft.com/office/powerpoint/2010/main" xmlns:aink="http://schemas.microsoft.com/office/drawing/2016/ink">
+          <mc:Choice Requires="p14 aink">
             <p:contentPart p14:bwMode="auto" r:id="rId161">
               <p14:nvContentPartPr>
                 <p14:cNvPr id="133" name="Entrada de lápiz 132">
@@ -15557,7 +15603,7 @@
               </p14:xfrm>
             </p:contentPart>
           </mc:Choice>
-          <mc:Fallback>
+          <mc:Fallback xmlns="">
             <p:pic>
               <p:nvPicPr>
                 <p:cNvPr id="133" name="Entrada de lápiz 132">
@@ -15588,8 +15634,8 @@
             </p:pic>
           </mc:Fallback>
         </mc:AlternateContent>
-        <mc:AlternateContent xmlns:mc="http://schemas.openxmlformats.org/markup-compatibility/2006">
-          <mc:Choice xmlns:p14="http://schemas.microsoft.com/office/powerpoint/2010/main" xmlns:aink="http://schemas.microsoft.com/office/drawing/2016/ink" Requires="p14 aink">
+        <mc:AlternateContent xmlns:mc="http://schemas.openxmlformats.org/markup-compatibility/2006" xmlns:p14="http://schemas.microsoft.com/office/powerpoint/2010/main" xmlns:aink="http://schemas.microsoft.com/office/drawing/2016/ink">
+          <mc:Choice Requires="p14 aink">
             <p:contentPart p14:bwMode="auto" r:id="rId163">
               <p14:nvContentPartPr>
                 <p14:cNvPr id="134" name="Entrada de lápiz 133">
@@ -15608,7 +15654,7 @@
               </p14:xfrm>
             </p:contentPart>
           </mc:Choice>
-          <mc:Fallback>
+          <mc:Fallback xmlns="">
             <p:pic>
               <p:nvPicPr>
                 <p:cNvPr id="134" name="Entrada de lápiz 133">
@@ -15639,8 +15685,8 @@
             </p:pic>
           </mc:Fallback>
         </mc:AlternateContent>
-        <mc:AlternateContent xmlns:mc="http://schemas.openxmlformats.org/markup-compatibility/2006">
-          <mc:Choice xmlns:p14="http://schemas.microsoft.com/office/powerpoint/2010/main" xmlns:aink="http://schemas.microsoft.com/office/drawing/2016/ink" Requires="p14 aink">
+        <mc:AlternateContent xmlns:mc="http://schemas.openxmlformats.org/markup-compatibility/2006" xmlns:p14="http://schemas.microsoft.com/office/powerpoint/2010/main" xmlns:aink="http://schemas.microsoft.com/office/drawing/2016/ink">
+          <mc:Choice Requires="p14 aink">
             <p:contentPart p14:bwMode="auto" r:id="rId165">
               <p14:nvContentPartPr>
                 <p14:cNvPr id="135" name="Entrada de lápiz 134">
@@ -15659,7 +15705,7 @@
               </p14:xfrm>
             </p:contentPart>
           </mc:Choice>
-          <mc:Fallback>
+          <mc:Fallback xmlns="">
             <p:pic>
               <p:nvPicPr>
                 <p:cNvPr id="135" name="Entrada de lápiz 134">
@@ -15690,8 +15736,8 @@
             </p:pic>
           </mc:Fallback>
         </mc:AlternateContent>
-        <mc:AlternateContent xmlns:mc="http://schemas.openxmlformats.org/markup-compatibility/2006">
-          <mc:Choice xmlns:p14="http://schemas.microsoft.com/office/powerpoint/2010/main" xmlns:aink="http://schemas.microsoft.com/office/drawing/2016/ink" Requires="p14 aink">
+        <mc:AlternateContent xmlns:mc="http://schemas.openxmlformats.org/markup-compatibility/2006" xmlns:p14="http://schemas.microsoft.com/office/powerpoint/2010/main" xmlns:aink="http://schemas.microsoft.com/office/drawing/2016/ink">
+          <mc:Choice Requires="p14 aink">
             <p:contentPart p14:bwMode="auto" r:id="rId167">
               <p14:nvContentPartPr>
                 <p14:cNvPr id="136" name="Entrada de lápiz 135">
@@ -15710,7 +15756,7 @@
               </p14:xfrm>
             </p:contentPart>
           </mc:Choice>
-          <mc:Fallback>
+          <mc:Fallback xmlns="">
             <p:pic>
               <p:nvPicPr>
                 <p:cNvPr id="136" name="Entrada de lápiz 135">
@@ -15741,8 +15787,8 @@
             </p:pic>
           </mc:Fallback>
         </mc:AlternateContent>
-        <mc:AlternateContent xmlns:mc="http://schemas.openxmlformats.org/markup-compatibility/2006">
-          <mc:Choice xmlns:p14="http://schemas.microsoft.com/office/powerpoint/2010/main" xmlns:aink="http://schemas.microsoft.com/office/drawing/2016/ink" Requires="p14 aink">
+        <mc:AlternateContent xmlns:mc="http://schemas.openxmlformats.org/markup-compatibility/2006" xmlns:p14="http://schemas.microsoft.com/office/powerpoint/2010/main" xmlns:aink="http://schemas.microsoft.com/office/drawing/2016/ink">
+          <mc:Choice Requires="p14 aink">
             <p:contentPart p14:bwMode="auto" r:id="rId169">
               <p14:nvContentPartPr>
                 <p14:cNvPr id="137" name="Entrada de lápiz 136">
@@ -15761,7 +15807,7 @@
               </p14:xfrm>
             </p:contentPart>
           </mc:Choice>
-          <mc:Fallback>
+          <mc:Fallback xmlns="">
             <p:pic>
               <p:nvPicPr>
                 <p:cNvPr id="137" name="Entrada de lápiz 136">
@@ -15792,8 +15838,8 @@
             </p:pic>
           </mc:Fallback>
         </mc:AlternateContent>
-        <mc:AlternateContent xmlns:mc="http://schemas.openxmlformats.org/markup-compatibility/2006">
-          <mc:Choice xmlns:p14="http://schemas.microsoft.com/office/powerpoint/2010/main" xmlns:aink="http://schemas.microsoft.com/office/drawing/2016/ink" Requires="p14 aink">
+        <mc:AlternateContent xmlns:mc="http://schemas.openxmlformats.org/markup-compatibility/2006" xmlns:p14="http://schemas.microsoft.com/office/powerpoint/2010/main" xmlns:aink="http://schemas.microsoft.com/office/drawing/2016/ink">
+          <mc:Choice Requires="p14 aink">
             <p:contentPart p14:bwMode="auto" r:id="rId171">
               <p14:nvContentPartPr>
                 <p14:cNvPr id="138" name="Entrada de lápiz 137">
@@ -15812,7 +15858,7 @@
               </p14:xfrm>
             </p:contentPart>
           </mc:Choice>
-          <mc:Fallback>
+          <mc:Fallback xmlns="">
             <p:pic>
               <p:nvPicPr>
                 <p:cNvPr id="138" name="Entrada de lápiz 137">
@@ -15844,8 +15890,8 @@
           </mc:Fallback>
         </mc:AlternateContent>
       </p:grpSp>
-      <mc:AlternateContent xmlns:mc="http://schemas.openxmlformats.org/markup-compatibility/2006">
-        <mc:Choice xmlns:p14="http://schemas.microsoft.com/office/powerpoint/2010/main" Requires="p14">
+      <mc:AlternateContent xmlns:mc="http://schemas.openxmlformats.org/markup-compatibility/2006" xmlns:p14="http://schemas.microsoft.com/office/powerpoint/2010/main">
+        <mc:Choice Requires="p14">
           <p:contentPart p14:bwMode="auto" r:id="rId173">
             <p14:nvContentPartPr>
               <p14:cNvPr id="140" name="Entrada de lápiz 139">
@@ -15864,7 +15910,7 @@
             </p14:xfrm>
           </p:contentPart>
         </mc:Choice>
-        <mc:Fallback>
+        <mc:Fallback xmlns="">
           <p:pic>
             <p:nvPicPr>
               <p:cNvPr id="140" name="Entrada de lápiz 139">
@@ -15895,8 +15941,8 @@
           </p:pic>
         </mc:Fallback>
       </mc:AlternateContent>
-      <mc:AlternateContent xmlns:mc="http://schemas.openxmlformats.org/markup-compatibility/2006">
-        <mc:Choice xmlns:p14="http://schemas.microsoft.com/office/powerpoint/2010/main" Requires="p14">
+      <mc:AlternateContent xmlns:mc="http://schemas.openxmlformats.org/markup-compatibility/2006" xmlns:p14="http://schemas.microsoft.com/office/powerpoint/2010/main">
+        <mc:Choice Requires="p14">
           <p:contentPart p14:bwMode="auto" r:id="rId175">
             <p14:nvContentPartPr>
               <p14:cNvPr id="141" name="Entrada de lápiz 140">
@@ -15915,7 +15961,7 @@
             </p14:xfrm>
           </p:contentPart>
         </mc:Choice>
-        <mc:Fallback>
+        <mc:Fallback xmlns="">
           <p:pic>
             <p:nvPicPr>
               <p:cNvPr id="141" name="Entrada de lápiz 140">
@@ -15966,8 +16012,8 @@
             <a:chExt cx="1495080" cy="459000"/>
           </a:xfrm>
         </p:grpSpPr>
-        <mc:AlternateContent xmlns:mc="http://schemas.openxmlformats.org/markup-compatibility/2006">
-          <mc:Choice xmlns:p14="http://schemas.microsoft.com/office/powerpoint/2010/main" Requires="p14">
+        <mc:AlternateContent xmlns:mc="http://schemas.openxmlformats.org/markup-compatibility/2006" xmlns:p14="http://schemas.microsoft.com/office/powerpoint/2010/main">
+          <mc:Choice Requires="p14">
             <p:contentPart p14:bwMode="auto" r:id="rId177">
               <p14:nvContentPartPr>
                 <p14:cNvPr id="39" name="Entrada de lápiz 38">
@@ -15986,7 +16032,7 @@
               </p14:xfrm>
             </p:contentPart>
           </mc:Choice>
-          <mc:Fallback>
+          <mc:Fallback xmlns="">
             <p:pic>
               <p:nvPicPr>
                 <p:cNvPr id="39" name="Entrada de lápiz 38">
@@ -16017,8 +16063,8 @@
             </p:pic>
           </mc:Fallback>
         </mc:AlternateContent>
-        <mc:AlternateContent xmlns:mc="http://schemas.openxmlformats.org/markup-compatibility/2006">
-          <mc:Choice xmlns:p14="http://schemas.microsoft.com/office/powerpoint/2010/main" Requires="p14">
+        <mc:AlternateContent xmlns:mc="http://schemas.openxmlformats.org/markup-compatibility/2006" xmlns:p14="http://schemas.microsoft.com/office/powerpoint/2010/main">
+          <mc:Choice Requires="p14">
             <p:contentPart p14:bwMode="auto" r:id="rId179">
               <p14:nvContentPartPr>
                 <p14:cNvPr id="40" name="Entrada de lápiz 39">
@@ -16037,7 +16083,7 @@
               </p14:xfrm>
             </p:contentPart>
           </mc:Choice>
-          <mc:Fallback>
+          <mc:Fallback xmlns="">
             <p:pic>
               <p:nvPicPr>
                 <p:cNvPr id="40" name="Entrada de lápiz 39">
@@ -16068,8 +16114,8 @@
             </p:pic>
           </mc:Fallback>
         </mc:AlternateContent>
-        <mc:AlternateContent xmlns:mc="http://schemas.openxmlformats.org/markup-compatibility/2006">
-          <mc:Choice xmlns:p14="http://schemas.microsoft.com/office/powerpoint/2010/main" Requires="p14">
+        <mc:AlternateContent xmlns:mc="http://schemas.openxmlformats.org/markup-compatibility/2006" xmlns:p14="http://schemas.microsoft.com/office/powerpoint/2010/main">
+          <mc:Choice Requires="p14">
             <p:contentPart p14:bwMode="auto" r:id="rId181">
               <p14:nvContentPartPr>
                 <p14:cNvPr id="41" name="Entrada de lápiz 40">
@@ -16088,7 +16134,7 @@
               </p14:xfrm>
             </p:contentPart>
           </mc:Choice>
-          <mc:Fallback>
+          <mc:Fallback xmlns="">
             <p:pic>
               <p:nvPicPr>
                 <p:cNvPr id="41" name="Entrada de lápiz 40">
@@ -16119,8 +16165,8 @@
             </p:pic>
           </mc:Fallback>
         </mc:AlternateContent>
-        <mc:AlternateContent xmlns:mc="http://schemas.openxmlformats.org/markup-compatibility/2006">
-          <mc:Choice xmlns:p14="http://schemas.microsoft.com/office/powerpoint/2010/main" Requires="p14">
+        <mc:AlternateContent xmlns:mc="http://schemas.openxmlformats.org/markup-compatibility/2006" xmlns:p14="http://schemas.microsoft.com/office/powerpoint/2010/main">
+          <mc:Choice Requires="p14">
             <p:contentPart p14:bwMode="auto" r:id="rId183">
               <p14:nvContentPartPr>
                 <p14:cNvPr id="42" name="Entrada de lápiz 41">
@@ -16139,7 +16185,7 @@
               </p14:xfrm>
             </p:contentPart>
           </mc:Choice>
-          <mc:Fallback>
+          <mc:Fallback xmlns="">
             <p:pic>
               <p:nvPicPr>
                 <p:cNvPr id="42" name="Entrada de lápiz 41">
@@ -16170,8 +16216,8 @@
             </p:pic>
           </mc:Fallback>
         </mc:AlternateContent>
-        <mc:AlternateContent xmlns:mc="http://schemas.openxmlformats.org/markup-compatibility/2006">
-          <mc:Choice xmlns:p14="http://schemas.microsoft.com/office/powerpoint/2010/main" Requires="p14">
+        <mc:AlternateContent xmlns:mc="http://schemas.openxmlformats.org/markup-compatibility/2006" xmlns:p14="http://schemas.microsoft.com/office/powerpoint/2010/main">
+          <mc:Choice Requires="p14">
             <p:contentPart p14:bwMode="auto" r:id="rId185">
               <p14:nvContentPartPr>
                 <p14:cNvPr id="43" name="Entrada de lápiz 42">
@@ -16190,7 +16236,7 @@
               </p14:xfrm>
             </p:contentPart>
           </mc:Choice>
-          <mc:Fallback>
+          <mc:Fallback xmlns="">
             <p:pic>
               <p:nvPicPr>
                 <p:cNvPr id="43" name="Entrada de lápiz 42">
@@ -16221,8 +16267,8 @@
             </p:pic>
           </mc:Fallback>
         </mc:AlternateContent>
-        <mc:AlternateContent xmlns:mc="http://schemas.openxmlformats.org/markup-compatibility/2006">
-          <mc:Choice xmlns:p14="http://schemas.microsoft.com/office/powerpoint/2010/main" Requires="p14">
+        <mc:AlternateContent xmlns:mc="http://schemas.openxmlformats.org/markup-compatibility/2006" xmlns:p14="http://schemas.microsoft.com/office/powerpoint/2010/main">
+          <mc:Choice Requires="p14">
             <p:contentPart p14:bwMode="auto" r:id="rId187">
               <p14:nvContentPartPr>
                 <p14:cNvPr id="44" name="Entrada de lápiz 43">
@@ -16241,7 +16287,7 @@
               </p14:xfrm>
             </p:contentPart>
           </mc:Choice>
-          <mc:Fallback>
+          <mc:Fallback xmlns="">
             <p:pic>
               <p:nvPicPr>
                 <p:cNvPr id="44" name="Entrada de lápiz 43">
@@ -16272,8 +16318,8 @@
             </p:pic>
           </mc:Fallback>
         </mc:AlternateContent>
-        <mc:AlternateContent xmlns:mc="http://schemas.openxmlformats.org/markup-compatibility/2006">
-          <mc:Choice xmlns:p14="http://schemas.microsoft.com/office/powerpoint/2010/main" Requires="p14">
+        <mc:AlternateContent xmlns:mc="http://schemas.openxmlformats.org/markup-compatibility/2006" xmlns:p14="http://schemas.microsoft.com/office/powerpoint/2010/main">
+          <mc:Choice Requires="p14">
             <p:contentPart p14:bwMode="auto" r:id="rId189">
               <p14:nvContentPartPr>
                 <p14:cNvPr id="45" name="Entrada de lápiz 44">
@@ -16292,7 +16338,7 @@
               </p14:xfrm>
             </p:contentPart>
           </mc:Choice>
-          <mc:Fallback>
+          <mc:Fallback xmlns="">
             <p:pic>
               <p:nvPicPr>
                 <p:cNvPr id="45" name="Entrada de lápiz 44">
@@ -16323,8 +16369,8 @@
             </p:pic>
           </mc:Fallback>
         </mc:AlternateContent>
-        <mc:AlternateContent xmlns:mc="http://schemas.openxmlformats.org/markup-compatibility/2006">
-          <mc:Choice xmlns:p14="http://schemas.microsoft.com/office/powerpoint/2010/main" Requires="p14">
+        <mc:AlternateContent xmlns:mc="http://schemas.openxmlformats.org/markup-compatibility/2006" xmlns:p14="http://schemas.microsoft.com/office/powerpoint/2010/main">
+          <mc:Choice Requires="p14">
             <p:contentPart p14:bwMode="auto" r:id="rId191">
               <p14:nvContentPartPr>
                 <p14:cNvPr id="46" name="Entrada de lápiz 45">
@@ -16343,7 +16389,7 @@
               </p14:xfrm>
             </p:contentPart>
           </mc:Choice>
-          <mc:Fallback>
+          <mc:Fallback xmlns="">
             <p:pic>
               <p:nvPicPr>
                 <p:cNvPr id="46" name="Entrada de lápiz 45">
@@ -16374,8 +16420,8 @@
             </p:pic>
           </mc:Fallback>
         </mc:AlternateContent>
-        <mc:AlternateContent xmlns:mc="http://schemas.openxmlformats.org/markup-compatibility/2006">
-          <mc:Choice xmlns:p14="http://schemas.microsoft.com/office/powerpoint/2010/main" Requires="p14">
+        <mc:AlternateContent xmlns:mc="http://schemas.openxmlformats.org/markup-compatibility/2006" xmlns:p14="http://schemas.microsoft.com/office/powerpoint/2010/main">
+          <mc:Choice Requires="p14">
             <p:contentPart p14:bwMode="auto" r:id="rId193">
               <p14:nvContentPartPr>
                 <p14:cNvPr id="47" name="Entrada de lápiz 46">
@@ -16394,7 +16440,7 @@
               </p14:xfrm>
             </p:contentPart>
           </mc:Choice>
-          <mc:Fallback>
+          <mc:Fallback xmlns="">
             <p:pic>
               <p:nvPicPr>
                 <p:cNvPr id="47" name="Entrada de lápiz 46">
@@ -16425,8 +16471,8 @@
             </p:pic>
           </mc:Fallback>
         </mc:AlternateContent>
-        <mc:AlternateContent xmlns:mc="http://schemas.openxmlformats.org/markup-compatibility/2006">
-          <mc:Choice xmlns:p14="http://schemas.microsoft.com/office/powerpoint/2010/main" Requires="p14">
+        <mc:AlternateContent xmlns:mc="http://schemas.openxmlformats.org/markup-compatibility/2006" xmlns:p14="http://schemas.microsoft.com/office/powerpoint/2010/main">
+          <mc:Choice Requires="p14">
             <p:contentPart p14:bwMode="auto" r:id="rId195">
               <p14:nvContentPartPr>
                 <p14:cNvPr id="48" name="Entrada de lápiz 47">
@@ -16445,7 +16491,7 @@
               </p14:xfrm>
             </p:contentPart>
           </mc:Choice>
-          <mc:Fallback>
+          <mc:Fallback xmlns="">
             <p:pic>
               <p:nvPicPr>
                 <p:cNvPr id="48" name="Entrada de lápiz 47">
@@ -16476,8 +16522,8 @@
             </p:pic>
           </mc:Fallback>
         </mc:AlternateContent>
-        <mc:AlternateContent xmlns:mc="http://schemas.openxmlformats.org/markup-compatibility/2006">
-          <mc:Choice xmlns:p14="http://schemas.microsoft.com/office/powerpoint/2010/main" Requires="p14">
+        <mc:AlternateContent xmlns:mc="http://schemas.openxmlformats.org/markup-compatibility/2006" xmlns:p14="http://schemas.microsoft.com/office/powerpoint/2010/main">
+          <mc:Choice Requires="p14">
             <p:contentPart p14:bwMode="auto" r:id="rId197">
               <p14:nvContentPartPr>
                 <p14:cNvPr id="49" name="Entrada de lápiz 48">
@@ -16496,7 +16542,7 @@
               </p14:xfrm>
             </p:contentPart>
           </mc:Choice>
-          <mc:Fallback>
+          <mc:Fallback xmlns="">
             <p:pic>
               <p:nvPicPr>
                 <p:cNvPr id="49" name="Entrada de lápiz 48">
@@ -16548,8 +16594,8 @@
             <a:chExt cx="909720" cy="476640"/>
           </a:xfrm>
         </p:grpSpPr>
-        <mc:AlternateContent xmlns:mc="http://schemas.openxmlformats.org/markup-compatibility/2006">
-          <mc:Choice xmlns:p14="http://schemas.microsoft.com/office/powerpoint/2010/main" Requires="p14">
+        <mc:AlternateContent xmlns:mc="http://schemas.openxmlformats.org/markup-compatibility/2006" xmlns:p14="http://schemas.microsoft.com/office/powerpoint/2010/main">
+          <mc:Choice Requires="p14">
             <p:contentPart p14:bwMode="auto" r:id="rId199">
               <p14:nvContentPartPr>
                 <p14:cNvPr id="52" name="Entrada de lápiz 51">
@@ -16568,7 +16614,7 @@
               </p14:xfrm>
             </p:contentPart>
           </mc:Choice>
-          <mc:Fallback>
+          <mc:Fallback xmlns="">
             <p:pic>
               <p:nvPicPr>
                 <p:cNvPr id="52" name="Entrada de lápiz 51">
@@ -16599,8 +16645,8 @@
             </p:pic>
           </mc:Fallback>
         </mc:AlternateContent>
-        <mc:AlternateContent xmlns:mc="http://schemas.openxmlformats.org/markup-compatibility/2006">
-          <mc:Choice xmlns:p14="http://schemas.microsoft.com/office/powerpoint/2010/main" Requires="p14">
+        <mc:AlternateContent xmlns:mc="http://schemas.openxmlformats.org/markup-compatibility/2006" xmlns:p14="http://schemas.microsoft.com/office/powerpoint/2010/main">
+          <mc:Choice Requires="p14">
             <p:contentPart p14:bwMode="auto" r:id="rId201">
               <p14:nvContentPartPr>
                 <p14:cNvPr id="53" name="Entrada de lápiz 52">
@@ -16619,7 +16665,7 @@
               </p14:xfrm>
             </p:contentPart>
           </mc:Choice>
-          <mc:Fallback>
+          <mc:Fallback xmlns="">
             <p:pic>
               <p:nvPicPr>
                 <p:cNvPr id="53" name="Entrada de lápiz 52">
@@ -16650,8 +16696,8 @@
             </p:pic>
           </mc:Fallback>
         </mc:AlternateContent>
-        <mc:AlternateContent xmlns:mc="http://schemas.openxmlformats.org/markup-compatibility/2006">
-          <mc:Choice xmlns:p14="http://schemas.microsoft.com/office/powerpoint/2010/main" Requires="p14">
+        <mc:AlternateContent xmlns:mc="http://schemas.openxmlformats.org/markup-compatibility/2006" xmlns:p14="http://schemas.microsoft.com/office/powerpoint/2010/main">
+          <mc:Choice Requires="p14">
             <p:contentPart p14:bwMode="auto" r:id="rId203">
               <p14:nvContentPartPr>
                 <p14:cNvPr id="54" name="Entrada de lápiz 53">
@@ -16670,7 +16716,7 @@
               </p14:xfrm>
             </p:contentPart>
           </mc:Choice>
-          <mc:Fallback>
+          <mc:Fallback xmlns="">
             <p:pic>
               <p:nvPicPr>
                 <p:cNvPr id="54" name="Entrada de lápiz 53">
@@ -16701,8 +16747,8 @@
             </p:pic>
           </mc:Fallback>
         </mc:AlternateContent>
-        <mc:AlternateContent xmlns:mc="http://schemas.openxmlformats.org/markup-compatibility/2006">
-          <mc:Choice xmlns:p14="http://schemas.microsoft.com/office/powerpoint/2010/main" Requires="p14">
+        <mc:AlternateContent xmlns:mc="http://schemas.openxmlformats.org/markup-compatibility/2006" xmlns:p14="http://schemas.microsoft.com/office/powerpoint/2010/main">
+          <mc:Choice Requires="p14">
             <p:contentPart p14:bwMode="auto" r:id="rId205">
               <p14:nvContentPartPr>
                 <p14:cNvPr id="55" name="Entrada de lápiz 54">
@@ -16721,7 +16767,7 @@
               </p14:xfrm>
             </p:contentPart>
           </mc:Choice>
-          <mc:Fallback>
+          <mc:Fallback xmlns="">
             <p:pic>
               <p:nvPicPr>
                 <p:cNvPr id="55" name="Entrada de lápiz 54">
@@ -16773,8 +16819,8 @@
             <a:chExt cx="1237680" cy="485640"/>
           </a:xfrm>
         </p:grpSpPr>
-        <mc:AlternateContent xmlns:mc="http://schemas.openxmlformats.org/markup-compatibility/2006">
-          <mc:Choice xmlns:p14="http://schemas.microsoft.com/office/powerpoint/2010/main" Requires="p14">
+        <mc:AlternateContent xmlns:mc="http://schemas.openxmlformats.org/markup-compatibility/2006" xmlns:p14="http://schemas.microsoft.com/office/powerpoint/2010/main">
+          <mc:Choice Requires="p14">
             <p:contentPart p14:bwMode="auto" r:id="rId207">
               <p14:nvContentPartPr>
                 <p14:cNvPr id="106" name="Entrada de lápiz 105">
@@ -16793,7 +16839,7 @@
               </p14:xfrm>
             </p:contentPart>
           </mc:Choice>
-          <mc:Fallback>
+          <mc:Fallback xmlns="">
             <p:pic>
               <p:nvPicPr>
                 <p:cNvPr id="106" name="Entrada de lápiz 105">
@@ -16824,8 +16870,8 @@
             </p:pic>
           </mc:Fallback>
         </mc:AlternateContent>
-        <mc:AlternateContent xmlns:mc="http://schemas.openxmlformats.org/markup-compatibility/2006">
-          <mc:Choice xmlns:p14="http://schemas.microsoft.com/office/powerpoint/2010/main" Requires="p14">
+        <mc:AlternateContent xmlns:mc="http://schemas.openxmlformats.org/markup-compatibility/2006" xmlns:p14="http://schemas.microsoft.com/office/powerpoint/2010/main">
+          <mc:Choice Requires="p14">
             <p:contentPart p14:bwMode="auto" r:id="rId209">
               <p14:nvContentPartPr>
                 <p14:cNvPr id="107" name="Entrada de lápiz 106">
@@ -16844,7 +16890,7 @@
               </p14:xfrm>
             </p:contentPart>
           </mc:Choice>
-          <mc:Fallback>
+          <mc:Fallback xmlns="">
             <p:pic>
               <p:nvPicPr>
                 <p:cNvPr id="107" name="Entrada de lápiz 106">
@@ -16875,8 +16921,8 @@
             </p:pic>
           </mc:Fallback>
         </mc:AlternateContent>
-        <mc:AlternateContent xmlns:mc="http://schemas.openxmlformats.org/markup-compatibility/2006">
-          <mc:Choice xmlns:p14="http://schemas.microsoft.com/office/powerpoint/2010/main" Requires="p14">
+        <mc:AlternateContent xmlns:mc="http://schemas.openxmlformats.org/markup-compatibility/2006" xmlns:p14="http://schemas.microsoft.com/office/powerpoint/2010/main">
+          <mc:Choice Requires="p14">
             <p:contentPart p14:bwMode="auto" r:id="rId211">
               <p14:nvContentPartPr>
                 <p14:cNvPr id="108" name="Entrada de lápiz 107">
@@ -16895,7 +16941,7 @@
               </p14:xfrm>
             </p:contentPart>
           </mc:Choice>
-          <mc:Fallback>
+          <mc:Fallback xmlns="">
             <p:pic>
               <p:nvPicPr>
                 <p:cNvPr id="108" name="Entrada de lápiz 107">
@@ -16926,8 +16972,8 @@
             </p:pic>
           </mc:Fallback>
         </mc:AlternateContent>
-        <mc:AlternateContent xmlns:mc="http://schemas.openxmlformats.org/markup-compatibility/2006">
-          <mc:Choice xmlns:p14="http://schemas.microsoft.com/office/powerpoint/2010/main" Requires="p14">
+        <mc:AlternateContent xmlns:mc="http://schemas.openxmlformats.org/markup-compatibility/2006" xmlns:p14="http://schemas.microsoft.com/office/powerpoint/2010/main">
+          <mc:Choice Requires="p14">
             <p:contentPart p14:bwMode="auto" r:id="rId213">
               <p14:nvContentPartPr>
                 <p14:cNvPr id="109" name="Entrada de lápiz 108">
@@ -16946,7 +16992,7 @@
               </p14:xfrm>
             </p:contentPart>
           </mc:Choice>
-          <mc:Fallback>
+          <mc:Fallback xmlns="">
             <p:pic>
               <p:nvPicPr>
                 <p:cNvPr id="109" name="Entrada de lápiz 108">
@@ -16977,8 +17023,8 @@
             </p:pic>
           </mc:Fallback>
         </mc:AlternateContent>
-        <mc:AlternateContent xmlns:mc="http://schemas.openxmlformats.org/markup-compatibility/2006">
-          <mc:Choice xmlns:p14="http://schemas.microsoft.com/office/powerpoint/2010/main" Requires="p14">
+        <mc:AlternateContent xmlns:mc="http://schemas.openxmlformats.org/markup-compatibility/2006" xmlns:p14="http://schemas.microsoft.com/office/powerpoint/2010/main">
+          <mc:Choice Requires="p14">
             <p:contentPart p14:bwMode="auto" r:id="rId215">
               <p14:nvContentPartPr>
                 <p14:cNvPr id="110" name="Entrada de lápiz 109">
@@ -16997,7 +17043,7 @@
               </p14:xfrm>
             </p:contentPart>
           </mc:Choice>
-          <mc:Fallback>
+          <mc:Fallback xmlns="">
             <p:pic>
               <p:nvPicPr>
                 <p:cNvPr id="110" name="Entrada de lápiz 109">
@@ -17028,8 +17074,8 @@
             </p:pic>
           </mc:Fallback>
         </mc:AlternateContent>
-        <mc:AlternateContent xmlns:mc="http://schemas.openxmlformats.org/markup-compatibility/2006">
-          <mc:Choice xmlns:p14="http://schemas.microsoft.com/office/powerpoint/2010/main" Requires="p14">
+        <mc:AlternateContent xmlns:mc="http://schemas.openxmlformats.org/markup-compatibility/2006" xmlns:p14="http://schemas.microsoft.com/office/powerpoint/2010/main">
+          <mc:Choice Requires="p14">
             <p:contentPart p14:bwMode="auto" r:id="rId217">
               <p14:nvContentPartPr>
                 <p14:cNvPr id="111" name="Entrada de lápiz 110">
@@ -17048,7 +17094,7 @@
               </p14:xfrm>
             </p:contentPart>
           </mc:Choice>
-          <mc:Fallback>
+          <mc:Fallback xmlns="">
             <p:pic>
               <p:nvPicPr>
                 <p:cNvPr id="111" name="Entrada de lápiz 110">
@@ -17130,8 +17176,8 @@
             <a:chExt cx="10622475" cy="6765120"/>
           </a:xfrm>
         </p:grpSpPr>
-        <mc:AlternateContent xmlns:mc="http://schemas.openxmlformats.org/markup-compatibility/2006">
-          <mc:Choice xmlns:p14="http://schemas.microsoft.com/office/powerpoint/2010/main" Requires="p14">
+        <mc:AlternateContent xmlns:mc="http://schemas.openxmlformats.org/markup-compatibility/2006" xmlns:p14="http://schemas.microsoft.com/office/powerpoint/2010/main">
+          <mc:Choice Requires="p14">
             <p:contentPart p14:bwMode="auto" r:id="rId2">
               <p14:nvContentPartPr>
                 <p14:cNvPr id="4" name="Entrada de lápiz 3">
@@ -17150,7 +17196,7 @@
               </p14:xfrm>
             </p:contentPart>
           </mc:Choice>
-          <mc:Fallback>
+          <mc:Fallback xmlns="">
             <p:pic>
               <p:nvPicPr>
                 <p:cNvPr id="4" name="Entrada de lápiz 3">
@@ -17181,8 +17227,8 @@
             </p:pic>
           </mc:Fallback>
         </mc:AlternateContent>
-        <mc:AlternateContent xmlns:mc="http://schemas.openxmlformats.org/markup-compatibility/2006">
-          <mc:Choice xmlns:p14="http://schemas.microsoft.com/office/powerpoint/2010/main" Requires="p14">
+        <mc:AlternateContent xmlns:mc="http://schemas.openxmlformats.org/markup-compatibility/2006" xmlns:p14="http://schemas.microsoft.com/office/powerpoint/2010/main">
+          <mc:Choice Requires="p14">
             <p:contentPart p14:bwMode="auto" r:id="rId4">
               <p14:nvContentPartPr>
                 <p14:cNvPr id="5" name="Entrada de lápiz 4">
@@ -17201,7 +17247,7 @@
               </p14:xfrm>
             </p:contentPart>
           </mc:Choice>
-          <mc:Fallback>
+          <mc:Fallback xmlns="">
             <p:pic>
               <p:nvPicPr>
                 <p:cNvPr id="5" name="Entrada de lápiz 4">
@@ -17232,8 +17278,8 @@
             </p:pic>
           </mc:Fallback>
         </mc:AlternateContent>
-        <mc:AlternateContent xmlns:mc="http://schemas.openxmlformats.org/markup-compatibility/2006">
-          <mc:Choice xmlns:p14="http://schemas.microsoft.com/office/powerpoint/2010/main" Requires="p14">
+        <mc:AlternateContent xmlns:mc="http://schemas.openxmlformats.org/markup-compatibility/2006" xmlns:p14="http://schemas.microsoft.com/office/powerpoint/2010/main">
+          <mc:Choice Requires="p14">
             <p:contentPart p14:bwMode="auto" r:id="rId6">
               <p14:nvContentPartPr>
                 <p14:cNvPr id="7" name="Entrada de lápiz 6">
@@ -17252,7 +17298,7 @@
               </p14:xfrm>
             </p:contentPart>
           </mc:Choice>
-          <mc:Fallback>
+          <mc:Fallback xmlns="">
             <p:pic>
               <p:nvPicPr>
                 <p:cNvPr id="7" name="Entrada de lápiz 6">
@@ -17283,8 +17329,8 @@
             </p:pic>
           </mc:Fallback>
         </mc:AlternateContent>
-        <mc:AlternateContent xmlns:mc="http://schemas.openxmlformats.org/markup-compatibility/2006">
-          <mc:Choice xmlns:p14="http://schemas.microsoft.com/office/powerpoint/2010/main" Requires="p14">
+        <mc:AlternateContent xmlns:mc="http://schemas.openxmlformats.org/markup-compatibility/2006" xmlns:p14="http://schemas.microsoft.com/office/powerpoint/2010/main">
+          <mc:Choice Requires="p14">
             <p:contentPart p14:bwMode="auto" r:id="rId8">
               <p14:nvContentPartPr>
                 <p14:cNvPr id="8" name="Entrada de lápiz 7">
@@ -17303,7 +17349,7 @@
               </p14:xfrm>
             </p:contentPart>
           </mc:Choice>
-          <mc:Fallback>
+          <mc:Fallback xmlns="">
             <p:pic>
               <p:nvPicPr>
                 <p:cNvPr id="8" name="Entrada de lápiz 7">
@@ -17334,8 +17380,8 @@
             </p:pic>
           </mc:Fallback>
         </mc:AlternateContent>
-        <mc:AlternateContent xmlns:mc="http://schemas.openxmlformats.org/markup-compatibility/2006">
-          <mc:Choice xmlns:p14="http://schemas.microsoft.com/office/powerpoint/2010/main" Requires="p14">
+        <mc:AlternateContent xmlns:mc="http://schemas.openxmlformats.org/markup-compatibility/2006" xmlns:p14="http://schemas.microsoft.com/office/powerpoint/2010/main">
+          <mc:Choice Requires="p14">
             <p:contentPart p14:bwMode="auto" r:id="rId10">
               <p14:nvContentPartPr>
                 <p14:cNvPr id="10" name="Entrada de lápiz 9">
@@ -17354,7 +17400,7 @@
               </p14:xfrm>
             </p:contentPart>
           </mc:Choice>
-          <mc:Fallback>
+          <mc:Fallback xmlns="">
             <p:pic>
               <p:nvPicPr>
                 <p:cNvPr id="10" name="Entrada de lápiz 9">
@@ -17385,8 +17431,8 @@
             </p:pic>
           </mc:Fallback>
         </mc:AlternateContent>
-        <mc:AlternateContent xmlns:mc="http://schemas.openxmlformats.org/markup-compatibility/2006">
-          <mc:Choice xmlns:p14="http://schemas.microsoft.com/office/powerpoint/2010/main" Requires="p14">
+        <mc:AlternateContent xmlns:mc="http://schemas.openxmlformats.org/markup-compatibility/2006" xmlns:p14="http://schemas.microsoft.com/office/powerpoint/2010/main">
+          <mc:Choice Requires="p14">
             <p:contentPart p14:bwMode="auto" r:id="rId12">
               <p14:nvContentPartPr>
                 <p14:cNvPr id="11" name="Entrada de lápiz 10">
@@ -17405,7 +17451,7 @@
               </p14:xfrm>
             </p:contentPart>
           </mc:Choice>
-          <mc:Fallback>
+          <mc:Fallback xmlns="">
             <p:pic>
               <p:nvPicPr>
                 <p:cNvPr id="11" name="Entrada de lápiz 10">
@@ -17436,8 +17482,8 @@
             </p:pic>
           </mc:Fallback>
         </mc:AlternateContent>
-        <mc:AlternateContent xmlns:mc="http://schemas.openxmlformats.org/markup-compatibility/2006">
-          <mc:Choice xmlns:p14="http://schemas.microsoft.com/office/powerpoint/2010/main" Requires="p14">
+        <mc:AlternateContent xmlns:mc="http://schemas.openxmlformats.org/markup-compatibility/2006" xmlns:p14="http://schemas.microsoft.com/office/powerpoint/2010/main">
+          <mc:Choice Requires="p14">
             <p:contentPart p14:bwMode="auto" r:id="rId14">
               <p14:nvContentPartPr>
                 <p14:cNvPr id="12" name="Entrada de lápiz 11">
@@ -17456,7 +17502,7 @@
               </p14:xfrm>
             </p:contentPart>
           </mc:Choice>
-          <mc:Fallback>
+          <mc:Fallback xmlns="">
             <p:pic>
               <p:nvPicPr>
                 <p:cNvPr id="12" name="Entrada de lápiz 11">
@@ -17487,8 +17533,8 @@
             </p:pic>
           </mc:Fallback>
         </mc:AlternateContent>
-        <mc:AlternateContent xmlns:mc="http://schemas.openxmlformats.org/markup-compatibility/2006">
-          <mc:Choice xmlns:p14="http://schemas.microsoft.com/office/powerpoint/2010/main" Requires="p14">
+        <mc:AlternateContent xmlns:mc="http://schemas.openxmlformats.org/markup-compatibility/2006" xmlns:p14="http://schemas.microsoft.com/office/powerpoint/2010/main">
+          <mc:Choice Requires="p14">
             <p:contentPart p14:bwMode="auto" r:id="rId16">
               <p14:nvContentPartPr>
                 <p14:cNvPr id="13" name="Entrada de lápiz 12">
@@ -17507,7 +17553,7 @@
               </p14:xfrm>
             </p:contentPart>
           </mc:Choice>
-          <mc:Fallback>
+          <mc:Fallback xmlns="">
             <p:pic>
               <p:nvPicPr>
                 <p:cNvPr id="13" name="Entrada de lápiz 12">
@@ -17538,8 +17584,8 @@
             </p:pic>
           </mc:Fallback>
         </mc:AlternateContent>
-        <mc:AlternateContent xmlns:mc="http://schemas.openxmlformats.org/markup-compatibility/2006">
-          <mc:Choice xmlns:p14="http://schemas.microsoft.com/office/powerpoint/2010/main" Requires="p14">
+        <mc:AlternateContent xmlns:mc="http://schemas.openxmlformats.org/markup-compatibility/2006" xmlns:p14="http://schemas.microsoft.com/office/powerpoint/2010/main">
+          <mc:Choice Requires="p14">
             <p:contentPart p14:bwMode="auto" r:id="rId18">
               <p14:nvContentPartPr>
                 <p14:cNvPr id="14" name="Entrada de lápiz 13">
@@ -17558,7 +17604,7 @@
               </p14:xfrm>
             </p:contentPart>
           </mc:Choice>
-          <mc:Fallback>
+          <mc:Fallback xmlns="">
             <p:pic>
               <p:nvPicPr>
                 <p:cNvPr id="14" name="Entrada de lápiz 13">
@@ -17589,8 +17635,8 @@
             </p:pic>
           </mc:Fallback>
         </mc:AlternateContent>
-        <mc:AlternateContent xmlns:mc="http://schemas.openxmlformats.org/markup-compatibility/2006">
-          <mc:Choice xmlns:p14="http://schemas.microsoft.com/office/powerpoint/2010/main" Requires="p14">
+        <mc:AlternateContent xmlns:mc="http://schemas.openxmlformats.org/markup-compatibility/2006" xmlns:p14="http://schemas.microsoft.com/office/powerpoint/2010/main">
+          <mc:Choice Requires="p14">
             <p:contentPart p14:bwMode="auto" r:id="rId20">
               <p14:nvContentPartPr>
                 <p14:cNvPr id="15" name="Entrada de lápiz 14">
@@ -17609,7 +17655,7 @@
               </p14:xfrm>
             </p:contentPart>
           </mc:Choice>
-          <mc:Fallback>
+          <mc:Fallback xmlns="">
             <p:pic>
               <p:nvPicPr>
                 <p:cNvPr id="15" name="Entrada de lápiz 14">
@@ -17640,8 +17686,8 @@
             </p:pic>
           </mc:Fallback>
         </mc:AlternateContent>
-        <mc:AlternateContent xmlns:mc="http://schemas.openxmlformats.org/markup-compatibility/2006">
-          <mc:Choice xmlns:p14="http://schemas.microsoft.com/office/powerpoint/2010/main" Requires="p14">
+        <mc:AlternateContent xmlns:mc="http://schemas.openxmlformats.org/markup-compatibility/2006" xmlns:p14="http://schemas.microsoft.com/office/powerpoint/2010/main">
+          <mc:Choice Requires="p14">
             <p:contentPart p14:bwMode="auto" r:id="rId22">
               <p14:nvContentPartPr>
                 <p14:cNvPr id="17" name="Entrada de lápiz 16">
@@ -17660,7 +17706,7 @@
               </p14:xfrm>
             </p:contentPart>
           </mc:Choice>
-          <mc:Fallback>
+          <mc:Fallback xmlns="">
             <p:pic>
               <p:nvPicPr>
                 <p:cNvPr id="17" name="Entrada de lápiz 16">
@@ -17691,8 +17737,8 @@
             </p:pic>
           </mc:Fallback>
         </mc:AlternateContent>
-        <mc:AlternateContent xmlns:mc="http://schemas.openxmlformats.org/markup-compatibility/2006">
-          <mc:Choice xmlns:p14="http://schemas.microsoft.com/office/powerpoint/2010/main" Requires="p14">
+        <mc:AlternateContent xmlns:mc="http://schemas.openxmlformats.org/markup-compatibility/2006" xmlns:p14="http://schemas.microsoft.com/office/powerpoint/2010/main">
+          <mc:Choice Requires="p14">
             <p:contentPart p14:bwMode="auto" r:id="rId24">
               <p14:nvContentPartPr>
                 <p14:cNvPr id="18" name="Entrada de lápiz 17">
@@ -17711,7 +17757,7 @@
               </p14:xfrm>
             </p:contentPart>
           </mc:Choice>
-          <mc:Fallback>
+          <mc:Fallback xmlns="">
             <p:pic>
               <p:nvPicPr>
                 <p:cNvPr id="18" name="Entrada de lápiz 17">
@@ -17742,8 +17788,8 @@
             </p:pic>
           </mc:Fallback>
         </mc:AlternateContent>
-        <mc:AlternateContent xmlns:mc="http://schemas.openxmlformats.org/markup-compatibility/2006">
-          <mc:Choice xmlns:p14="http://schemas.microsoft.com/office/powerpoint/2010/main" Requires="p14">
+        <mc:AlternateContent xmlns:mc="http://schemas.openxmlformats.org/markup-compatibility/2006" xmlns:p14="http://schemas.microsoft.com/office/powerpoint/2010/main">
+          <mc:Choice Requires="p14">
             <p:contentPart p14:bwMode="auto" r:id="rId26">
               <p14:nvContentPartPr>
                 <p14:cNvPr id="19" name="Entrada de lápiz 18">
@@ -17762,7 +17808,7 @@
               </p14:xfrm>
             </p:contentPart>
           </mc:Choice>
-          <mc:Fallback>
+          <mc:Fallback xmlns="">
             <p:pic>
               <p:nvPicPr>
                 <p:cNvPr id="19" name="Entrada de lápiz 18">
@@ -17793,8 +17839,8 @@
             </p:pic>
           </mc:Fallback>
         </mc:AlternateContent>
-        <mc:AlternateContent xmlns:mc="http://schemas.openxmlformats.org/markup-compatibility/2006">
-          <mc:Choice xmlns:p14="http://schemas.microsoft.com/office/powerpoint/2010/main" Requires="p14">
+        <mc:AlternateContent xmlns:mc="http://schemas.openxmlformats.org/markup-compatibility/2006" xmlns:p14="http://schemas.microsoft.com/office/powerpoint/2010/main">
+          <mc:Choice Requires="p14">
             <p:contentPart p14:bwMode="auto" r:id="rId28">
               <p14:nvContentPartPr>
                 <p14:cNvPr id="20" name="Entrada de lápiz 19">
@@ -17813,7 +17859,7 @@
               </p14:xfrm>
             </p:contentPart>
           </mc:Choice>
-          <mc:Fallback>
+          <mc:Fallback xmlns="">
             <p:pic>
               <p:nvPicPr>
                 <p:cNvPr id="20" name="Entrada de lápiz 19">
@@ -17844,8 +17890,8 @@
             </p:pic>
           </mc:Fallback>
         </mc:AlternateContent>
-        <mc:AlternateContent xmlns:mc="http://schemas.openxmlformats.org/markup-compatibility/2006">
-          <mc:Choice xmlns:p14="http://schemas.microsoft.com/office/powerpoint/2010/main" Requires="p14">
+        <mc:AlternateContent xmlns:mc="http://schemas.openxmlformats.org/markup-compatibility/2006" xmlns:p14="http://schemas.microsoft.com/office/powerpoint/2010/main">
+          <mc:Choice Requires="p14">
             <p:contentPart p14:bwMode="auto" r:id="rId30">
               <p14:nvContentPartPr>
                 <p14:cNvPr id="21" name="Entrada de lápiz 20">
@@ -17864,7 +17910,7 @@
               </p14:xfrm>
             </p:contentPart>
           </mc:Choice>
-          <mc:Fallback>
+          <mc:Fallback xmlns="">
             <p:pic>
               <p:nvPicPr>
                 <p:cNvPr id="21" name="Entrada de lápiz 20">
@@ -17895,8 +17941,8 @@
             </p:pic>
           </mc:Fallback>
         </mc:AlternateContent>
-        <mc:AlternateContent xmlns:mc="http://schemas.openxmlformats.org/markup-compatibility/2006">
-          <mc:Choice xmlns:p14="http://schemas.microsoft.com/office/powerpoint/2010/main" Requires="p14">
+        <mc:AlternateContent xmlns:mc="http://schemas.openxmlformats.org/markup-compatibility/2006" xmlns:p14="http://schemas.microsoft.com/office/powerpoint/2010/main">
+          <mc:Choice Requires="p14">
             <p:contentPart p14:bwMode="auto" r:id="rId32">
               <p14:nvContentPartPr>
                 <p14:cNvPr id="22" name="Entrada de lápiz 21">
@@ -17915,7 +17961,7 @@
               </p14:xfrm>
             </p:contentPart>
           </mc:Choice>
-          <mc:Fallback>
+          <mc:Fallback xmlns="">
             <p:pic>
               <p:nvPicPr>
                 <p:cNvPr id="22" name="Entrada de lápiz 21">
@@ -17946,8 +17992,8 @@
             </p:pic>
           </mc:Fallback>
         </mc:AlternateContent>
-        <mc:AlternateContent xmlns:mc="http://schemas.openxmlformats.org/markup-compatibility/2006">
-          <mc:Choice xmlns:p14="http://schemas.microsoft.com/office/powerpoint/2010/main" Requires="p14">
+        <mc:AlternateContent xmlns:mc="http://schemas.openxmlformats.org/markup-compatibility/2006" xmlns:p14="http://schemas.microsoft.com/office/powerpoint/2010/main">
+          <mc:Choice Requires="p14">
             <p:contentPart p14:bwMode="auto" r:id="rId34">
               <p14:nvContentPartPr>
                 <p14:cNvPr id="24" name="Entrada de lápiz 23">
@@ -17966,7 +18012,7 @@
               </p14:xfrm>
             </p:contentPart>
           </mc:Choice>
-          <mc:Fallback>
+          <mc:Fallback xmlns="">
             <p:pic>
               <p:nvPicPr>
                 <p:cNvPr id="24" name="Entrada de lápiz 23">
@@ -17997,8 +18043,8 @@
             </p:pic>
           </mc:Fallback>
         </mc:AlternateContent>
-        <mc:AlternateContent xmlns:mc="http://schemas.openxmlformats.org/markup-compatibility/2006">
-          <mc:Choice xmlns:p14="http://schemas.microsoft.com/office/powerpoint/2010/main" Requires="p14">
+        <mc:AlternateContent xmlns:mc="http://schemas.openxmlformats.org/markup-compatibility/2006" xmlns:p14="http://schemas.microsoft.com/office/powerpoint/2010/main">
+          <mc:Choice Requires="p14">
             <p:contentPart p14:bwMode="auto" r:id="rId36">
               <p14:nvContentPartPr>
                 <p14:cNvPr id="25" name="Entrada de lápiz 24">
@@ -18017,7 +18063,7 @@
               </p14:xfrm>
             </p:contentPart>
           </mc:Choice>
-          <mc:Fallback>
+          <mc:Fallback xmlns="">
             <p:pic>
               <p:nvPicPr>
                 <p:cNvPr id="25" name="Entrada de lápiz 24">
@@ -18048,8 +18094,8 @@
             </p:pic>
           </mc:Fallback>
         </mc:AlternateContent>
-        <mc:AlternateContent xmlns:mc="http://schemas.openxmlformats.org/markup-compatibility/2006">
-          <mc:Choice xmlns:p14="http://schemas.microsoft.com/office/powerpoint/2010/main" Requires="p14">
+        <mc:AlternateContent xmlns:mc="http://schemas.openxmlformats.org/markup-compatibility/2006" xmlns:p14="http://schemas.microsoft.com/office/powerpoint/2010/main">
+          <mc:Choice Requires="p14">
             <p:contentPart p14:bwMode="auto" r:id="rId38">
               <p14:nvContentPartPr>
                 <p14:cNvPr id="26" name="Entrada de lápiz 25">
@@ -18068,7 +18114,7 @@
               </p14:xfrm>
             </p:contentPart>
           </mc:Choice>
-          <mc:Fallback>
+          <mc:Fallback xmlns="">
             <p:pic>
               <p:nvPicPr>
                 <p:cNvPr id="26" name="Entrada de lápiz 25">
@@ -18099,8 +18145,8 @@
             </p:pic>
           </mc:Fallback>
         </mc:AlternateContent>
-        <mc:AlternateContent xmlns:mc="http://schemas.openxmlformats.org/markup-compatibility/2006">
-          <mc:Choice xmlns:p14="http://schemas.microsoft.com/office/powerpoint/2010/main" Requires="p14">
+        <mc:AlternateContent xmlns:mc="http://schemas.openxmlformats.org/markup-compatibility/2006" xmlns:p14="http://schemas.microsoft.com/office/powerpoint/2010/main">
+          <mc:Choice Requires="p14">
             <p:contentPart p14:bwMode="auto" r:id="rId40">
               <p14:nvContentPartPr>
                 <p14:cNvPr id="27" name="Entrada de lápiz 26">
@@ -18119,7 +18165,7 @@
               </p14:xfrm>
             </p:contentPart>
           </mc:Choice>
-          <mc:Fallback>
+          <mc:Fallback xmlns="">
             <p:pic>
               <p:nvPicPr>
                 <p:cNvPr id="27" name="Entrada de lápiz 26">
@@ -18150,8 +18196,8 @@
             </p:pic>
           </mc:Fallback>
         </mc:AlternateContent>
-        <mc:AlternateContent xmlns:mc="http://schemas.openxmlformats.org/markup-compatibility/2006">
-          <mc:Choice xmlns:p14="http://schemas.microsoft.com/office/powerpoint/2010/main" Requires="p14">
+        <mc:AlternateContent xmlns:mc="http://schemas.openxmlformats.org/markup-compatibility/2006" xmlns:p14="http://schemas.microsoft.com/office/powerpoint/2010/main">
+          <mc:Choice Requires="p14">
             <p:contentPart p14:bwMode="auto" r:id="rId42">
               <p14:nvContentPartPr>
                 <p14:cNvPr id="29" name="Entrada de lápiz 28">
@@ -18170,7 +18216,7 @@
               </p14:xfrm>
             </p:contentPart>
           </mc:Choice>
-          <mc:Fallback>
+          <mc:Fallback xmlns="">
             <p:pic>
               <p:nvPicPr>
                 <p:cNvPr id="29" name="Entrada de lápiz 28">
@@ -18201,8 +18247,8 @@
             </p:pic>
           </mc:Fallback>
         </mc:AlternateContent>
-        <mc:AlternateContent xmlns:mc="http://schemas.openxmlformats.org/markup-compatibility/2006">
-          <mc:Choice xmlns:p14="http://schemas.microsoft.com/office/powerpoint/2010/main" Requires="p14">
+        <mc:AlternateContent xmlns:mc="http://schemas.openxmlformats.org/markup-compatibility/2006" xmlns:p14="http://schemas.microsoft.com/office/powerpoint/2010/main">
+          <mc:Choice Requires="p14">
             <p:contentPart p14:bwMode="auto" r:id="rId44">
               <p14:nvContentPartPr>
                 <p14:cNvPr id="30" name="Entrada de lápiz 29">
@@ -18221,7 +18267,7 @@
               </p14:xfrm>
             </p:contentPart>
           </mc:Choice>
-          <mc:Fallback>
+          <mc:Fallback xmlns="">
             <p:pic>
               <p:nvPicPr>
                 <p:cNvPr id="30" name="Entrada de lápiz 29">
@@ -18252,8 +18298,8 @@
             </p:pic>
           </mc:Fallback>
         </mc:AlternateContent>
-        <mc:AlternateContent xmlns:mc="http://schemas.openxmlformats.org/markup-compatibility/2006">
-          <mc:Choice xmlns:p14="http://schemas.microsoft.com/office/powerpoint/2010/main" Requires="p14">
+        <mc:AlternateContent xmlns:mc="http://schemas.openxmlformats.org/markup-compatibility/2006" xmlns:p14="http://schemas.microsoft.com/office/powerpoint/2010/main">
+          <mc:Choice Requires="p14">
             <p:contentPart p14:bwMode="auto" r:id="rId46">
               <p14:nvContentPartPr>
                 <p14:cNvPr id="31" name="Entrada de lápiz 30">
@@ -18272,7 +18318,7 @@
               </p14:xfrm>
             </p:contentPart>
           </mc:Choice>
-          <mc:Fallback>
+          <mc:Fallback xmlns="">
             <p:pic>
               <p:nvPicPr>
                 <p:cNvPr id="31" name="Entrada de lápiz 30">
@@ -18303,8 +18349,8 @@
             </p:pic>
           </mc:Fallback>
         </mc:AlternateContent>
-        <mc:AlternateContent xmlns:mc="http://schemas.openxmlformats.org/markup-compatibility/2006">
-          <mc:Choice xmlns:p14="http://schemas.microsoft.com/office/powerpoint/2010/main" Requires="p14">
+        <mc:AlternateContent xmlns:mc="http://schemas.openxmlformats.org/markup-compatibility/2006" xmlns:p14="http://schemas.microsoft.com/office/powerpoint/2010/main">
+          <mc:Choice Requires="p14">
             <p:contentPart p14:bwMode="auto" r:id="rId48">
               <p14:nvContentPartPr>
                 <p14:cNvPr id="33" name="Entrada de lápiz 32">
@@ -18323,7 +18369,7 @@
               </p14:xfrm>
             </p:contentPart>
           </mc:Choice>
-          <mc:Fallback>
+          <mc:Fallback xmlns="">
             <p:pic>
               <p:nvPicPr>
                 <p:cNvPr id="33" name="Entrada de lápiz 32">
@@ -18354,8 +18400,8 @@
             </p:pic>
           </mc:Fallback>
         </mc:AlternateContent>
-        <mc:AlternateContent xmlns:mc="http://schemas.openxmlformats.org/markup-compatibility/2006">
-          <mc:Choice xmlns:p14="http://schemas.microsoft.com/office/powerpoint/2010/main" Requires="p14">
+        <mc:AlternateContent xmlns:mc="http://schemas.openxmlformats.org/markup-compatibility/2006" xmlns:p14="http://schemas.microsoft.com/office/powerpoint/2010/main">
+          <mc:Choice Requires="p14">
             <p:contentPart p14:bwMode="auto" r:id="rId50">
               <p14:nvContentPartPr>
                 <p14:cNvPr id="34" name="Entrada de lápiz 33">
@@ -18374,7 +18420,7 @@
               </p14:xfrm>
             </p:contentPart>
           </mc:Choice>
-          <mc:Fallback>
+          <mc:Fallback xmlns="">
             <p:pic>
               <p:nvPicPr>
                 <p:cNvPr id="34" name="Entrada de lápiz 33">
@@ -18405,8 +18451,8 @@
             </p:pic>
           </mc:Fallback>
         </mc:AlternateContent>
-        <mc:AlternateContent xmlns:mc="http://schemas.openxmlformats.org/markup-compatibility/2006">
-          <mc:Choice xmlns:p14="http://schemas.microsoft.com/office/powerpoint/2010/main" Requires="p14">
+        <mc:AlternateContent xmlns:mc="http://schemas.openxmlformats.org/markup-compatibility/2006" xmlns:p14="http://schemas.microsoft.com/office/powerpoint/2010/main">
+          <mc:Choice Requires="p14">
             <p:contentPart p14:bwMode="auto" r:id="rId52">
               <p14:nvContentPartPr>
                 <p14:cNvPr id="35" name="Entrada de lápiz 34">
@@ -18425,7 +18471,7 @@
               </p14:xfrm>
             </p:contentPart>
           </mc:Choice>
-          <mc:Fallback>
+          <mc:Fallback xmlns="">
             <p:pic>
               <p:nvPicPr>
                 <p:cNvPr id="35" name="Entrada de lápiz 34">
@@ -18456,8 +18502,8 @@
             </p:pic>
           </mc:Fallback>
         </mc:AlternateContent>
-        <mc:AlternateContent xmlns:mc="http://schemas.openxmlformats.org/markup-compatibility/2006">
-          <mc:Choice xmlns:p14="http://schemas.microsoft.com/office/powerpoint/2010/main" Requires="p14">
+        <mc:AlternateContent xmlns:mc="http://schemas.openxmlformats.org/markup-compatibility/2006" xmlns:p14="http://schemas.microsoft.com/office/powerpoint/2010/main">
+          <mc:Choice Requires="p14">
             <p:contentPart p14:bwMode="auto" r:id="rId54">
               <p14:nvContentPartPr>
                 <p14:cNvPr id="36" name="Entrada de lápiz 35">
@@ -18476,7 +18522,7 @@
               </p14:xfrm>
             </p:contentPart>
           </mc:Choice>
-          <mc:Fallback>
+          <mc:Fallback xmlns="">
             <p:pic>
               <p:nvPicPr>
                 <p:cNvPr id="36" name="Entrada de lápiz 35">
@@ -18507,8 +18553,8 @@
             </p:pic>
           </mc:Fallback>
         </mc:AlternateContent>
-        <mc:AlternateContent xmlns:mc="http://schemas.openxmlformats.org/markup-compatibility/2006">
-          <mc:Choice xmlns:p14="http://schemas.microsoft.com/office/powerpoint/2010/main" Requires="p14">
+        <mc:AlternateContent xmlns:mc="http://schemas.openxmlformats.org/markup-compatibility/2006" xmlns:p14="http://schemas.microsoft.com/office/powerpoint/2010/main">
+          <mc:Choice Requires="p14">
             <p:contentPart p14:bwMode="auto" r:id="rId56">
               <p14:nvContentPartPr>
                 <p14:cNvPr id="37" name="Entrada de lápiz 36">
@@ -18527,7 +18573,7 @@
               </p14:xfrm>
             </p:contentPart>
           </mc:Choice>
-          <mc:Fallback>
+          <mc:Fallback xmlns="">
             <p:pic>
               <p:nvPicPr>
                 <p:cNvPr id="37" name="Entrada de lápiz 36">
@@ -18558,8 +18604,8 @@
             </p:pic>
           </mc:Fallback>
         </mc:AlternateContent>
-        <mc:AlternateContent xmlns:mc="http://schemas.openxmlformats.org/markup-compatibility/2006">
-          <mc:Choice xmlns:p14="http://schemas.microsoft.com/office/powerpoint/2010/main" Requires="p14">
+        <mc:AlternateContent xmlns:mc="http://schemas.openxmlformats.org/markup-compatibility/2006" xmlns:p14="http://schemas.microsoft.com/office/powerpoint/2010/main">
+          <mc:Choice Requires="p14">
             <p:contentPart p14:bwMode="auto" r:id="rId58">
               <p14:nvContentPartPr>
                 <p14:cNvPr id="38" name="Entrada de lápiz 37">
@@ -18578,7 +18624,7 @@
               </p14:xfrm>
             </p:contentPart>
           </mc:Choice>
-          <mc:Fallback>
+          <mc:Fallback xmlns="">
             <p:pic>
               <p:nvPicPr>
                 <p:cNvPr id="38" name="Entrada de lápiz 37">
@@ -18609,8 +18655,8 @@
             </p:pic>
           </mc:Fallback>
         </mc:AlternateContent>
-        <mc:AlternateContent xmlns:mc="http://schemas.openxmlformats.org/markup-compatibility/2006">
-          <mc:Choice xmlns:p14="http://schemas.microsoft.com/office/powerpoint/2010/main" Requires="p14">
+        <mc:AlternateContent xmlns:mc="http://schemas.openxmlformats.org/markup-compatibility/2006" xmlns:p14="http://schemas.microsoft.com/office/powerpoint/2010/main">
+          <mc:Choice Requires="p14">
             <p:contentPart p14:bwMode="auto" r:id="rId60">
               <p14:nvContentPartPr>
                 <p14:cNvPr id="39" name="Entrada de lápiz 38">
@@ -18629,7 +18675,7 @@
               </p14:xfrm>
             </p:contentPart>
           </mc:Choice>
-          <mc:Fallback>
+          <mc:Fallback xmlns="">
             <p:pic>
               <p:nvPicPr>
                 <p:cNvPr id="39" name="Entrada de lápiz 38">
@@ -18660,8 +18706,8 @@
             </p:pic>
           </mc:Fallback>
         </mc:AlternateContent>
-        <mc:AlternateContent xmlns:mc="http://schemas.openxmlformats.org/markup-compatibility/2006">
-          <mc:Choice xmlns:p14="http://schemas.microsoft.com/office/powerpoint/2010/main" Requires="p14">
+        <mc:AlternateContent xmlns:mc="http://schemas.openxmlformats.org/markup-compatibility/2006" xmlns:p14="http://schemas.microsoft.com/office/powerpoint/2010/main">
+          <mc:Choice Requires="p14">
             <p:contentPart p14:bwMode="auto" r:id="rId62">
               <p14:nvContentPartPr>
                 <p14:cNvPr id="40" name="Entrada de lápiz 39">
@@ -18680,7 +18726,7 @@
               </p14:xfrm>
             </p:contentPart>
           </mc:Choice>
-          <mc:Fallback>
+          <mc:Fallback xmlns="">
             <p:pic>
               <p:nvPicPr>
                 <p:cNvPr id="40" name="Entrada de lápiz 39">
@@ -18711,8 +18757,8 @@
             </p:pic>
           </mc:Fallback>
         </mc:AlternateContent>
-        <mc:AlternateContent xmlns:mc="http://schemas.openxmlformats.org/markup-compatibility/2006">
-          <mc:Choice xmlns:p14="http://schemas.microsoft.com/office/powerpoint/2010/main" Requires="p14">
+        <mc:AlternateContent xmlns:mc="http://schemas.openxmlformats.org/markup-compatibility/2006" xmlns:p14="http://schemas.microsoft.com/office/powerpoint/2010/main">
+          <mc:Choice Requires="p14">
             <p:contentPart p14:bwMode="auto" r:id="rId64">
               <p14:nvContentPartPr>
                 <p14:cNvPr id="41" name="Entrada de lápiz 40">
@@ -18731,7 +18777,7 @@
               </p14:xfrm>
             </p:contentPart>
           </mc:Choice>
-          <mc:Fallback>
+          <mc:Fallback xmlns="">
             <p:pic>
               <p:nvPicPr>
                 <p:cNvPr id="41" name="Entrada de lápiz 40">
@@ -18762,8 +18808,8 @@
             </p:pic>
           </mc:Fallback>
         </mc:AlternateContent>
-        <mc:AlternateContent xmlns:mc="http://schemas.openxmlformats.org/markup-compatibility/2006">
-          <mc:Choice xmlns:p14="http://schemas.microsoft.com/office/powerpoint/2010/main" Requires="p14">
+        <mc:AlternateContent xmlns:mc="http://schemas.openxmlformats.org/markup-compatibility/2006" xmlns:p14="http://schemas.microsoft.com/office/powerpoint/2010/main">
+          <mc:Choice Requires="p14">
             <p:contentPart p14:bwMode="auto" r:id="rId66">
               <p14:nvContentPartPr>
                 <p14:cNvPr id="42" name="Entrada de lápiz 41">
@@ -18782,7 +18828,7 @@
               </p14:xfrm>
             </p:contentPart>
           </mc:Choice>
-          <mc:Fallback>
+          <mc:Fallback xmlns="">
             <p:pic>
               <p:nvPicPr>
                 <p:cNvPr id="42" name="Entrada de lápiz 41">
@@ -18813,8 +18859,8 @@
             </p:pic>
           </mc:Fallback>
         </mc:AlternateContent>
-        <mc:AlternateContent xmlns:mc="http://schemas.openxmlformats.org/markup-compatibility/2006">
-          <mc:Choice xmlns:p14="http://schemas.microsoft.com/office/powerpoint/2010/main" Requires="p14">
+        <mc:AlternateContent xmlns:mc="http://schemas.openxmlformats.org/markup-compatibility/2006" xmlns:p14="http://schemas.microsoft.com/office/powerpoint/2010/main">
+          <mc:Choice Requires="p14">
             <p:contentPart p14:bwMode="auto" r:id="rId68">
               <p14:nvContentPartPr>
                 <p14:cNvPr id="43" name="Entrada de lápiz 42">
@@ -18833,7 +18879,7 @@
               </p14:xfrm>
             </p:contentPart>
           </mc:Choice>
-          <mc:Fallback>
+          <mc:Fallback xmlns="">
             <p:pic>
               <p:nvPicPr>
                 <p:cNvPr id="43" name="Entrada de lápiz 42">
@@ -18864,8 +18910,8 @@
             </p:pic>
           </mc:Fallback>
         </mc:AlternateContent>
-        <mc:AlternateContent xmlns:mc="http://schemas.openxmlformats.org/markup-compatibility/2006">
-          <mc:Choice xmlns:p14="http://schemas.microsoft.com/office/powerpoint/2010/main" Requires="p14">
+        <mc:AlternateContent xmlns:mc="http://schemas.openxmlformats.org/markup-compatibility/2006" xmlns:p14="http://schemas.microsoft.com/office/powerpoint/2010/main">
+          <mc:Choice Requires="p14">
             <p:contentPart p14:bwMode="auto" r:id="rId70">
               <p14:nvContentPartPr>
                 <p14:cNvPr id="46" name="Entrada de lápiz 45">
@@ -18884,7 +18930,7 @@
               </p14:xfrm>
             </p:contentPart>
           </mc:Choice>
-          <mc:Fallback>
+          <mc:Fallback xmlns="">
             <p:pic>
               <p:nvPicPr>
                 <p:cNvPr id="46" name="Entrada de lápiz 45">
@@ -18915,8 +18961,8 @@
             </p:pic>
           </mc:Fallback>
         </mc:AlternateContent>
-        <mc:AlternateContent xmlns:mc="http://schemas.openxmlformats.org/markup-compatibility/2006">
-          <mc:Choice xmlns:p14="http://schemas.microsoft.com/office/powerpoint/2010/main" Requires="p14">
+        <mc:AlternateContent xmlns:mc="http://schemas.openxmlformats.org/markup-compatibility/2006" xmlns:p14="http://schemas.microsoft.com/office/powerpoint/2010/main">
+          <mc:Choice Requires="p14">
             <p:contentPart p14:bwMode="auto" r:id="rId72">
               <p14:nvContentPartPr>
                 <p14:cNvPr id="48" name="Entrada de lápiz 47">
@@ -18935,7 +18981,7 @@
               </p14:xfrm>
             </p:contentPart>
           </mc:Choice>
-          <mc:Fallback>
+          <mc:Fallback xmlns="">
             <p:pic>
               <p:nvPicPr>
                 <p:cNvPr id="48" name="Entrada de lápiz 47">
@@ -18966,8 +19012,8 @@
             </p:pic>
           </mc:Fallback>
         </mc:AlternateContent>
-        <mc:AlternateContent xmlns:mc="http://schemas.openxmlformats.org/markup-compatibility/2006">
-          <mc:Choice xmlns:p14="http://schemas.microsoft.com/office/powerpoint/2010/main" Requires="p14">
+        <mc:AlternateContent xmlns:mc="http://schemas.openxmlformats.org/markup-compatibility/2006" xmlns:p14="http://schemas.microsoft.com/office/powerpoint/2010/main">
+          <mc:Choice Requires="p14">
             <p:contentPart p14:bwMode="auto" r:id="rId74">
               <p14:nvContentPartPr>
                 <p14:cNvPr id="50" name="Entrada de lápiz 49">
@@ -18986,7 +19032,7 @@
               </p14:xfrm>
             </p:contentPart>
           </mc:Choice>
-          <mc:Fallback>
+          <mc:Fallback xmlns="">
             <p:pic>
               <p:nvPicPr>
                 <p:cNvPr id="50" name="Entrada de lápiz 49">
@@ -19017,8 +19063,8 @@
             </p:pic>
           </mc:Fallback>
         </mc:AlternateContent>
-        <mc:AlternateContent xmlns:mc="http://schemas.openxmlformats.org/markup-compatibility/2006">
-          <mc:Choice xmlns:p14="http://schemas.microsoft.com/office/powerpoint/2010/main" Requires="p14">
+        <mc:AlternateContent xmlns:mc="http://schemas.openxmlformats.org/markup-compatibility/2006" xmlns:p14="http://schemas.microsoft.com/office/powerpoint/2010/main">
+          <mc:Choice Requires="p14">
             <p:contentPart p14:bwMode="auto" r:id="rId76">
               <p14:nvContentPartPr>
                 <p14:cNvPr id="51" name="Entrada de lápiz 50">
@@ -19037,7 +19083,7 @@
               </p14:xfrm>
             </p:contentPart>
           </mc:Choice>
-          <mc:Fallback>
+          <mc:Fallback xmlns="">
             <p:pic>
               <p:nvPicPr>
                 <p:cNvPr id="51" name="Entrada de lápiz 50">
@@ -19068,8 +19114,8 @@
             </p:pic>
           </mc:Fallback>
         </mc:AlternateContent>
-        <mc:AlternateContent xmlns:mc="http://schemas.openxmlformats.org/markup-compatibility/2006">
-          <mc:Choice xmlns:p14="http://schemas.microsoft.com/office/powerpoint/2010/main" Requires="p14">
+        <mc:AlternateContent xmlns:mc="http://schemas.openxmlformats.org/markup-compatibility/2006" xmlns:p14="http://schemas.microsoft.com/office/powerpoint/2010/main">
+          <mc:Choice Requires="p14">
             <p:contentPart p14:bwMode="auto" r:id="rId78">
               <p14:nvContentPartPr>
                 <p14:cNvPr id="52" name="Entrada de lápiz 51">
@@ -19088,7 +19134,7 @@
               </p14:xfrm>
             </p:contentPart>
           </mc:Choice>
-          <mc:Fallback>
+          <mc:Fallback xmlns="">
             <p:pic>
               <p:nvPicPr>
                 <p:cNvPr id="52" name="Entrada de lápiz 51">
@@ -19119,8 +19165,8 @@
             </p:pic>
           </mc:Fallback>
         </mc:AlternateContent>
-        <mc:AlternateContent xmlns:mc="http://schemas.openxmlformats.org/markup-compatibility/2006">
-          <mc:Choice xmlns:p14="http://schemas.microsoft.com/office/powerpoint/2010/main" Requires="p14">
+        <mc:AlternateContent xmlns:mc="http://schemas.openxmlformats.org/markup-compatibility/2006" xmlns:p14="http://schemas.microsoft.com/office/powerpoint/2010/main">
+          <mc:Choice Requires="p14">
             <p:contentPart p14:bwMode="auto" r:id="rId80">
               <p14:nvContentPartPr>
                 <p14:cNvPr id="53" name="Entrada de lápiz 52">
@@ -19139,7 +19185,7 @@
               </p14:xfrm>
             </p:contentPart>
           </mc:Choice>
-          <mc:Fallback>
+          <mc:Fallback xmlns="">
             <p:pic>
               <p:nvPicPr>
                 <p:cNvPr id="53" name="Entrada de lápiz 52">
@@ -19170,8 +19216,8 @@
             </p:pic>
           </mc:Fallback>
         </mc:AlternateContent>
-        <mc:AlternateContent xmlns:mc="http://schemas.openxmlformats.org/markup-compatibility/2006">
-          <mc:Choice xmlns:p14="http://schemas.microsoft.com/office/powerpoint/2010/main" Requires="p14">
+        <mc:AlternateContent xmlns:mc="http://schemas.openxmlformats.org/markup-compatibility/2006" xmlns:p14="http://schemas.microsoft.com/office/powerpoint/2010/main">
+          <mc:Choice Requires="p14">
             <p:contentPart p14:bwMode="auto" r:id="rId82">
               <p14:nvContentPartPr>
                 <p14:cNvPr id="55" name="Entrada de lápiz 54">
@@ -19190,7 +19236,7 @@
               </p14:xfrm>
             </p:contentPart>
           </mc:Choice>
-          <mc:Fallback>
+          <mc:Fallback xmlns="">
             <p:pic>
               <p:nvPicPr>
                 <p:cNvPr id="55" name="Entrada de lápiz 54">
@@ -19221,8 +19267,8 @@
             </p:pic>
           </mc:Fallback>
         </mc:AlternateContent>
-        <mc:AlternateContent xmlns:mc="http://schemas.openxmlformats.org/markup-compatibility/2006">
-          <mc:Choice xmlns:p14="http://schemas.microsoft.com/office/powerpoint/2010/main" Requires="p14">
+        <mc:AlternateContent xmlns:mc="http://schemas.openxmlformats.org/markup-compatibility/2006" xmlns:p14="http://schemas.microsoft.com/office/powerpoint/2010/main">
+          <mc:Choice Requires="p14">
             <p:contentPart p14:bwMode="auto" r:id="rId84">
               <p14:nvContentPartPr>
                 <p14:cNvPr id="57" name="Entrada de lápiz 56">
@@ -19241,7 +19287,7 @@
               </p14:xfrm>
             </p:contentPart>
           </mc:Choice>
-          <mc:Fallback>
+          <mc:Fallback xmlns="">
             <p:pic>
               <p:nvPicPr>
                 <p:cNvPr id="57" name="Entrada de lápiz 56">
@@ -19272,8 +19318,8 @@
             </p:pic>
           </mc:Fallback>
         </mc:AlternateContent>
-        <mc:AlternateContent xmlns:mc="http://schemas.openxmlformats.org/markup-compatibility/2006">
-          <mc:Choice xmlns:p14="http://schemas.microsoft.com/office/powerpoint/2010/main" Requires="p14">
+        <mc:AlternateContent xmlns:mc="http://schemas.openxmlformats.org/markup-compatibility/2006" xmlns:p14="http://schemas.microsoft.com/office/powerpoint/2010/main">
+          <mc:Choice Requires="p14">
             <p:contentPart p14:bwMode="auto" r:id="rId86">
               <p14:nvContentPartPr>
                 <p14:cNvPr id="58" name="Entrada de lápiz 57">
@@ -19292,7 +19338,7 @@
               </p14:xfrm>
             </p:contentPart>
           </mc:Choice>
-          <mc:Fallback>
+          <mc:Fallback xmlns="">
             <p:pic>
               <p:nvPicPr>
                 <p:cNvPr id="58" name="Entrada de lápiz 57">
@@ -19323,8 +19369,8 @@
             </p:pic>
           </mc:Fallback>
         </mc:AlternateContent>
-        <mc:AlternateContent xmlns:mc="http://schemas.openxmlformats.org/markup-compatibility/2006">
-          <mc:Choice xmlns:p14="http://schemas.microsoft.com/office/powerpoint/2010/main" Requires="p14">
+        <mc:AlternateContent xmlns:mc="http://schemas.openxmlformats.org/markup-compatibility/2006" xmlns:p14="http://schemas.microsoft.com/office/powerpoint/2010/main">
+          <mc:Choice Requires="p14">
             <p:contentPart p14:bwMode="auto" r:id="rId88">
               <p14:nvContentPartPr>
                 <p14:cNvPr id="59" name="Entrada de lápiz 58">
@@ -19343,7 +19389,7 @@
               </p14:xfrm>
             </p:contentPart>
           </mc:Choice>
-          <mc:Fallback>
+          <mc:Fallback xmlns="">
             <p:pic>
               <p:nvPicPr>
                 <p:cNvPr id="59" name="Entrada de lápiz 58">
@@ -19374,8 +19420,8 @@
             </p:pic>
           </mc:Fallback>
         </mc:AlternateContent>
-        <mc:AlternateContent xmlns:mc="http://schemas.openxmlformats.org/markup-compatibility/2006">
-          <mc:Choice xmlns:p14="http://schemas.microsoft.com/office/powerpoint/2010/main" Requires="p14">
+        <mc:AlternateContent xmlns:mc="http://schemas.openxmlformats.org/markup-compatibility/2006" xmlns:p14="http://schemas.microsoft.com/office/powerpoint/2010/main">
+          <mc:Choice Requires="p14">
             <p:contentPart p14:bwMode="auto" r:id="rId90">
               <p14:nvContentPartPr>
                 <p14:cNvPr id="60" name="Entrada de lápiz 59">
@@ -19394,7 +19440,7 @@
               </p14:xfrm>
             </p:contentPart>
           </mc:Choice>
-          <mc:Fallback>
+          <mc:Fallback xmlns="">
             <p:pic>
               <p:nvPicPr>
                 <p:cNvPr id="60" name="Entrada de lápiz 59">
@@ -19425,8 +19471,8 @@
             </p:pic>
           </mc:Fallback>
         </mc:AlternateContent>
-        <mc:AlternateContent xmlns:mc="http://schemas.openxmlformats.org/markup-compatibility/2006">
-          <mc:Choice xmlns:p14="http://schemas.microsoft.com/office/powerpoint/2010/main" Requires="p14">
+        <mc:AlternateContent xmlns:mc="http://schemas.openxmlformats.org/markup-compatibility/2006" xmlns:p14="http://schemas.microsoft.com/office/powerpoint/2010/main">
+          <mc:Choice Requires="p14">
             <p:contentPart p14:bwMode="auto" r:id="rId92">
               <p14:nvContentPartPr>
                 <p14:cNvPr id="61" name="Entrada de lápiz 60">
@@ -19445,7 +19491,7 @@
               </p14:xfrm>
             </p:contentPart>
           </mc:Choice>
-          <mc:Fallback>
+          <mc:Fallback xmlns="">
             <p:pic>
               <p:nvPicPr>
                 <p:cNvPr id="61" name="Entrada de lápiz 60">
@@ -19476,8 +19522,8 @@
             </p:pic>
           </mc:Fallback>
         </mc:AlternateContent>
-        <mc:AlternateContent xmlns:mc="http://schemas.openxmlformats.org/markup-compatibility/2006">
-          <mc:Choice xmlns:p14="http://schemas.microsoft.com/office/powerpoint/2010/main" Requires="p14">
+        <mc:AlternateContent xmlns:mc="http://schemas.openxmlformats.org/markup-compatibility/2006" xmlns:p14="http://schemas.microsoft.com/office/powerpoint/2010/main">
+          <mc:Choice Requires="p14">
             <p:contentPart p14:bwMode="auto" r:id="rId94">
               <p14:nvContentPartPr>
                 <p14:cNvPr id="62" name="Entrada de lápiz 61">
@@ -19496,7 +19542,7 @@
               </p14:xfrm>
             </p:contentPart>
           </mc:Choice>
-          <mc:Fallback>
+          <mc:Fallback xmlns="">
             <p:pic>
               <p:nvPicPr>
                 <p:cNvPr id="62" name="Entrada de lápiz 61">
@@ -19527,8 +19573,8 @@
             </p:pic>
           </mc:Fallback>
         </mc:AlternateContent>
-        <mc:AlternateContent xmlns:mc="http://schemas.openxmlformats.org/markup-compatibility/2006">
-          <mc:Choice xmlns:p14="http://schemas.microsoft.com/office/powerpoint/2010/main" Requires="p14">
+        <mc:AlternateContent xmlns:mc="http://schemas.openxmlformats.org/markup-compatibility/2006" xmlns:p14="http://schemas.microsoft.com/office/powerpoint/2010/main">
+          <mc:Choice Requires="p14">
             <p:contentPart p14:bwMode="auto" r:id="rId96">
               <p14:nvContentPartPr>
                 <p14:cNvPr id="64" name="Entrada de lápiz 63">
@@ -19547,7 +19593,7 @@
               </p14:xfrm>
             </p:contentPart>
           </mc:Choice>
-          <mc:Fallback>
+          <mc:Fallback xmlns="">
             <p:pic>
               <p:nvPicPr>
                 <p:cNvPr id="64" name="Entrada de lápiz 63">
@@ -19578,8 +19624,8 @@
             </p:pic>
           </mc:Fallback>
         </mc:AlternateContent>
-        <mc:AlternateContent xmlns:mc="http://schemas.openxmlformats.org/markup-compatibility/2006">
-          <mc:Choice xmlns:p14="http://schemas.microsoft.com/office/powerpoint/2010/main" Requires="p14">
+        <mc:AlternateContent xmlns:mc="http://schemas.openxmlformats.org/markup-compatibility/2006" xmlns:p14="http://schemas.microsoft.com/office/powerpoint/2010/main">
+          <mc:Choice Requires="p14">
             <p:contentPart p14:bwMode="auto" r:id="rId98">
               <p14:nvContentPartPr>
                 <p14:cNvPr id="65" name="Entrada de lápiz 64">
@@ -19598,7 +19644,7 @@
               </p14:xfrm>
             </p:contentPart>
           </mc:Choice>
-          <mc:Fallback>
+          <mc:Fallback xmlns="">
             <p:pic>
               <p:nvPicPr>
                 <p:cNvPr id="65" name="Entrada de lápiz 64">
@@ -19629,8 +19675,8 @@
             </p:pic>
           </mc:Fallback>
         </mc:AlternateContent>
-        <mc:AlternateContent xmlns:mc="http://schemas.openxmlformats.org/markup-compatibility/2006">
-          <mc:Choice xmlns:p14="http://schemas.microsoft.com/office/powerpoint/2010/main" Requires="p14">
+        <mc:AlternateContent xmlns:mc="http://schemas.openxmlformats.org/markup-compatibility/2006" xmlns:p14="http://schemas.microsoft.com/office/powerpoint/2010/main">
+          <mc:Choice Requires="p14">
             <p:contentPart p14:bwMode="auto" r:id="rId100">
               <p14:nvContentPartPr>
                 <p14:cNvPr id="66" name="Entrada de lápiz 65">
@@ -19649,7 +19695,7 @@
               </p14:xfrm>
             </p:contentPart>
           </mc:Choice>
-          <mc:Fallback>
+          <mc:Fallback xmlns="">
             <p:pic>
               <p:nvPicPr>
                 <p:cNvPr id="66" name="Entrada de lápiz 65">
@@ -19680,8 +19726,8 @@
             </p:pic>
           </mc:Fallback>
         </mc:AlternateContent>
-        <mc:AlternateContent xmlns:mc="http://schemas.openxmlformats.org/markup-compatibility/2006">
-          <mc:Choice xmlns:p14="http://schemas.microsoft.com/office/powerpoint/2010/main" Requires="p14">
+        <mc:AlternateContent xmlns:mc="http://schemas.openxmlformats.org/markup-compatibility/2006" xmlns:p14="http://schemas.microsoft.com/office/powerpoint/2010/main">
+          <mc:Choice Requires="p14">
             <p:contentPart p14:bwMode="auto" r:id="rId102">
               <p14:nvContentPartPr>
                 <p14:cNvPr id="67" name="Entrada de lápiz 66">
@@ -19700,7 +19746,7 @@
               </p14:xfrm>
             </p:contentPart>
           </mc:Choice>
-          <mc:Fallback>
+          <mc:Fallback xmlns="">
             <p:pic>
               <p:nvPicPr>
                 <p:cNvPr id="67" name="Entrada de lápiz 66">
@@ -19731,8 +19777,8 @@
             </p:pic>
           </mc:Fallback>
         </mc:AlternateContent>
-        <mc:AlternateContent xmlns:mc="http://schemas.openxmlformats.org/markup-compatibility/2006">
-          <mc:Choice xmlns:p14="http://schemas.microsoft.com/office/powerpoint/2010/main" Requires="p14">
+        <mc:AlternateContent xmlns:mc="http://schemas.openxmlformats.org/markup-compatibility/2006" xmlns:p14="http://schemas.microsoft.com/office/powerpoint/2010/main">
+          <mc:Choice Requires="p14">
             <p:contentPart p14:bwMode="auto" r:id="rId104">
               <p14:nvContentPartPr>
                 <p14:cNvPr id="68" name="Entrada de lápiz 67">
@@ -19751,7 +19797,7 @@
               </p14:xfrm>
             </p:contentPart>
           </mc:Choice>
-          <mc:Fallback>
+          <mc:Fallback xmlns="">
             <p:pic>
               <p:nvPicPr>
                 <p:cNvPr id="68" name="Entrada de lápiz 67">
@@ -19782,8 +19828,8 @@
             </p:pic>
           </mc:Fallback>
         </mc:AlternateContent>
-        <mc:AlternateContent xmlns:mc="http://schemas.openxmlformats.org/markup-compatibility/2006">
-          <mc:Choice xmlns:p14="http://schemas.microsoft.com/office/powerpoint/2010/main" Requires="p14">
+        <mc:AlternateContent xmlns:mc="http://schemas.openxmlformats.org/markup-compatibility/2006" xmlns:p14="http://schemas.microsoft.com/office/powerpoint/2010/main">
+          <mc:Choice Requires="p14">
             <p:contentPart p14:bwMode="auto" r:id="rId106">
               <p14:nvContentPartPr>
                 <p14:cNvPr id="69" name="Entrada de lápiz 68">
@@ -19802,7 +19848,7 @@
               </p14:xfrm>
             </p:contentPart>
           </mc:Choice>
-          <mc:Fallback>
+          <mc:Fallback xmlns="">
             <p:pic>
               <p:nvPicPr>
                 <p:cNvPr id="69" name="Entrada de lápiz 68">
@@ -19833,8 +19879,8 @@
             </p:pic>
           </mc:Fallback>
         </mc:AlternateContent>
-        <mc:AlternateContent xmlns:mc="http://schemas.openxmlformats.org/markup-compatibility/2006">
-          <mc:Choice xmlns:p14="http://schemas.microsoft.com/office/powerpoint/2010/main" Requires="p14">
+        <mc:AlternateContent xmlns:mc="http://schemas.openxmlformats.org/markup-compatibility/2006" xmlns:p14="http://schemas.microsoft.com/office/powerpoint/2010/main">
+          <mc:Choice Requires="p14">
             <p:contentPart p14:bwMode="auto" r:id="rId108">
               <p14:nvContentPartPr>
                 <p14:cNvPr id="71" name="Entrada de lápiz 70">
@@ -19853,7 +19899,7 @@
               </p14:xfrm>
             </p:contentPart>
           </mc:Choice>
-          <mc:Fallback>
+          <mc:Fallback xmlns="">
             <p:pic>
               <p:nvPicPr>
                 <p:cNvPr id="71" name="Entrada de lápiz 70">
@@ -19884,8 +19930,8 @@
             </p:pic>
           </mc:Fallback>
         </mc:AlternateContent>
-        <mc:AlternateContent xmlns:mc="http://schemas.openxmlformats.org/markup-compatibility/2006">
-          <mc:Choice xmlns:p14="http://schemas.microsoft.com/office/powerpoint/2010/main" Requires="p14">
+        <mc:AlternateContent xmlns:mc="http://schemas.openxmlformats.org/markup-compatibility/2006" xmlns:p14="http://schemas.microsoft.com/office/powerpoint/2010/main">
+          <mc:Choice Requires="p14">
             <p:contentPart p14:bwMode="auto" r:id="rId110">
               <p14:nvContentPartPr>
                 <p14:cNvPr id="72" name="Entrada de lápiz 71">
@@ -19904,7 +19950,7 @@
               </p14:xfrm>
             </p:contentPart>
           </mc:Choice>
-          <mc:Fallback>
+          <mc:Fallback xmlns="">
             <p:pic>
               <p:nvPicPr>
                 <p:cNvPr id="72" name="Entrada de lápiz 71">
@@ -19935,8 +19981,8 @@
             </p:pic>
           </mc:Fallback>
         </mc:AlternateContent>
-        <mc:AlternateContent xmlns:mc="http://schemas.openxmlformats.org/markup-compatibility/2006">
-          <mc:Choice xmlns:p14="http://schemas.microsoft.com/office/powerpoint/2010/main" Requires="p14">
+        <mc:AlternateContent xmlns:mc="http://schemas.openxmlformats.org/markup-compatibility/2006" xmlns:p14="http://schemas.microsoft.com/office/powerpoint/2010/main">
+          <mc:Choice Requires="p14">
             <p:contentPart p14:bwMode="auto" r:id="rId112">
               <p14:nvContentPartPr>
                 <p14:cNvPr id="74" name="Entrada de lápiz 73">
@@ -19955,7 +20001,7 @@
               </p14:xfrm>
             </p:contentPart>
           </mc:Choice>
-          <mc:Fallback>
+          <mc:Fallback xmlns="">
             <p:pic>
               <p:nvPicPr>
                 <p:cNvPr id="74" name="Entrada de lápiz 73">
@@ -19986,8 +20032,8 @@
             </p:pic>
           </mc:Fallback>
         </mc:AlternateContent>
-        <mc:AlternateContent xmlns:mc="http://schemas.openxmlformats.org/markup-compatibility/2006">
-          <mc:Choice xmlns:p14="http://schemas.microsoft.com/office/powerpoint/2010/main" Requires="p14">
+        <mc:AlternateContent xmlns:mc="http://schemas.openxmlformats.org/markup-compatibility/2006" xmlns:p14="http://schemas.microsoft.com/office/powerpoint/2010/main">
+          <mc:Choice Requires="p14">
             <p:contentPart p14:bwMode="auto" r:id="rId114">
               <p14:nvContentPartPr>
                 <p14:cNvPr id="75" name="Entrada de lápiz 74">
@@ -20006,7 +20052,7 @@
               </p14:xfrm>
             </p:contentPart>
           </mc:Choice>
-          <mc:Fallback>
+          <mc:Fallback xmlns="">
             <p:pic>
               <p:nvPicPr>
                 <p:cNvPr id="75" name="Entrada de lápiz 74">
@@ -20037,8 +20083,8 @@
             </p:pic>
           </mc:Fallback>
         </mc:AlternateContent>
-        <mc:AlternateContent xmlns:mc="http://schemas.openxmlformats.org/markup-compatibility/2006">
-          <mc:Choice xmlns:p14="http://schemas.microsoft.com/office/powerpoint/2010/main" Requires="p14">
+        <mc:AlternateContent xmlns:mc="http://schemas.openxmlformats.org/markup-compatibility/2006" xmlns:p14="http://schemas.microsoft.com/office/powerpoint/2010/main">
+          <mc:Choice Requires="p14">
             <p:contentPart p14:bwMode="auto" r:id="rId116">
               <p14:nvContentPartPr>
                 <p14:cNvPr id="76" name="Entrada de lápiz 75">
@@ -20057,7 +20103,7 @@
               </p14:xfrm>
             </p:contentPart>
           </mc:Choice>
-          <mc:Fallback>
+          <mc:Fallback xmlns="">
             <p:pic>
               <p:nvPicPr>
                 <p:cNvPr id="76" name="Entrada de lápiz 75">
@@ -20088,8 +20134,8 @@
             </p:pic>
           </mc:Fallback>
         </mc:AlternateContent>
-        <mc:AlternateContent xmlns:mc="http://schemas.openxmlformats.org/markup-compatibility/2006">
-          <mc:Choice xmlns:p14="http://schemas.microsoft.com/office/powerpoint/2010/main" Requires="p14">
+        <mc:AlternateContent xmlns:mc="http://schemas.openxmlformats.org/markup-compatibility/2006" xmlns:p14="http://schemas.microsoft.com/office/powerpoint/2010/main">
+          <mc:Choice Requires="p14">
             <p:contentPart p14:bwMode="auto" r:id="rId118">
               <p14:nvContentPartPr>
                 <p14:cNvPr id="77" name="Entrada de lápiz 76">
@@ -20108,7 +20154,7 @@
               </p14:xfrm>
             </p:contentPart>
           </mc:Choice>
-          <mc:Fallback>
+          <mc:Fallback xmlns="">
             <p:pic>
               <p:nvPicPr>
                 <p:cNvPr id="77" name="Entrada de lápiz 76">
@@ -20139,8 +20185,8 @@
             </p:pic>
           </mc:Fallback>
         </mc:AlternateContent>
-        <mc:AlternateContent xmlns:mc="http://schemas.openxmlformats.org/markup-compatibility/2006">
-          <mc:Choice xmlns:p14="http://schemas.microsoft.com/office/powerpoint/2010/main" Requires="p14">
+        <mc:AlternateContent xmlns:mc="http://schemas.openxmlformats.org/markup-compatibility/2006" xmlns:p14="http://schemas.microsoft.com/office/powerpoint/2010/main">
+          <mc:Choice Requires="p14">
             <p:contentPart p14:bwMode="auto" r:id="rId120">
               <p14:nvContentPartPr>
                 <p14:cNvPr id="78" name="Entrada de lápiz 77">
@@ -20159,7 +20205,7 @@
               </p14:xfrm>
             </p:contentPart>
           </mc:Choice>
-          <mc:Fallback>
+          <mc:Fallback xmlns="">
             <p:pic>
               <p:nvPicPr>
                 <p:cNvPr id="78" name="Entrada de lápiz 77">
@@ -20190,8 +20236,8 @@
             </p:pic>
           </mc:Fallback>
         </mc:AlternateContent>
-        <mc:AlternateContent xmlns:mc="http://schemas.openxmlformats.org/markup-compatibility/2006">
-          <mc:Choice xmlns:p14="http://schemas.microsoft.com/office/powerpoint/2010/main" Requires="p14">
+        <mc:AlternateContent xmlns:mc="http://schemas.openxmlformats.org/markup-compatibility/2006" xmlns:p14="http://schemas.microsoft.com/office/powerpoint/2010/main">
+          <mc:Choice Requires="p14">
             <p:contentPart p14:bwMode="auto" r:id="rId122">
               <p14:nvContentPartPr>
                 <p14:cNvPr id="80" name="Entrada de lápiz 79">
@@ -20210,7 +20256,7 @@
               </p14:xfrm>
             </p:contentPart>
           </mc:Choice>
-          <mc:Fallback>
+          <mc:Fallback xmlns="">
             <p:pic>
               <p:nvPicPr>
                 <p:cNvPr id="80" name="Entrada de lápiz 79">
@@ -20241,8 +20287,8 @@
             </p:pic>
           </mc:Fallback>
         </mc:AlternateContent>
-        <mc:AlternateContent xmlns:mc="http://schemas.openxmlformats.org/markup-compatibility/2006">
-          <mc:Choice xmlns:p14="http://schemas.microsoft.com/office/powerpoint/2010/main" Requires="p14">
+        <mc:AlternateContent xmlns:mc="http://schemas.openxmlformats.org/markup-compatibility/2006" xmlns:p14="http://schemas.microsoft.com/office/powerpoint/2010/main">
+          <mc:Choice Requires="p14">
             <p:contentPart p14:bwMode="auto" r:id="rId124">
               <p14:nvContentPartPr>
                 <p14:cNvPr id="81" name="Entrada de lápiz 80">
@@ -20261,7 +20307,7 @@
               </p14:xfrm>
             </p:contentPart>
           </mc:Choice>
-          <mc:Fallback>
+          <mc:Fallback xmlns="">
             <p:pic>
               <p:nvPicPr>
                 <p:cNvPr id="81" name="Entrada de lápiz 80">
@@ -20292,8 +20338,8 @@
             </p:pic>
           </mc:Fallback>
         </mc:AlternateContent>
-        <mc:AlternateContent xmlns:mc="http://schemas.openxmlformats.org/markup-compatibility/2006">
-          <mc:Choice xmlns:p14="http://schemas.microsoft.com/office/powerpoint/2010/main" Requires="p14">
+        <mc:AlternateContent xmlns:mc="http://schemas.openxmlformats.org/markup-compatibility/2006" xmlns:p14="http://schemas.microsoft.com/office/powerpoint/2010/main">
+          <mc:Choice Requires="p14">
             <p:contentPart p14:bwMode="auto" r:id="rId126">
               <p14:nvContentPartPr>
                 <p14:cNvPr id="82" name="Entrada de lápiz 81">
@@ -20312,7 +20358,7 @@
               </p14:xfrm>
             </p:contentPart>
           </mc:Choice>
-          <mc:Fallback>
+          <mc:Fallback xmlns="">
             <p:pic>
               <p:nvPicPr>
                 <p:cNvPr id="82" name="Entrada de lápiz 81">
@@ -20343,8 +20389,8 @@
             </p:pic>
           </mc:Fallback>
         </mc:AlternateContent>
-        <mc:AlternateContent xmlns:mc="http://schemas.openxmlformats.org/markup-compatibility/2006">
-          <mc:Choice xmlns:p14="http://schemas.microsoft.com/office/powerpoint/2010/main" Requires="p14">
+        <mc:AlternateContent xmlns:mc="http://schemas.openxmlformats.org/markup-compatibility/2006" xmlns:p14="http://schemas.microsoft.com/office/powerpoint/2010/main">
+          <mc:Choice Requires="p14">
             <p:contentPart p14:bwMode="auto" r:id="rId128">
               <p14:nvContentPartPr>
                 <p14:cNvPr id="84" name="Entrada de lápiz 83">
@@ -20363,7 +20409,7 @@
               </p14:xfrm>
             </p:contentPart>
           </mc:Choice>
-          <mc:Fallback>
+          <mc:Fallback xmlns="">
             <p:pic>
               <p:nvPicPr>
                 <p:cNvPr id="84" name="Entrada de lápiz 83">
@@ -20415,8 +20461,8 @@
             <a:chExt cx="345240" cy="605520"/>
           </a:xfrm>
         </p:grpSpPr>
-        <mc:AlternateContent xmlns:mc="http://schemas.openxmlformats.org/markup-compatibility/2006">
-          <mc:Choice xmlns:p14="http://schemas.microsoft.com/office/powerpoint/2010/main" Requires="p14">
+        <mc:AlternateContent xmlns:mc="http://schemas.openxmlformats.org/markup-compatibility/2006" xmlns:p14="http://schemas.microsoft.com/office/powerpoint/2010/main">
+          <mc:Choice Requires="p14">
             <p:contentPart p14:bwMode="auto" r:id="rId130">
               <p14:nvContentPartPr>
                 <p14:cNvPr id="86" name="Entrada de lápiz 85">
@@ -20435,7 +20481,7 @@
               </p14:xfrm>
             </p:contentPart>
           </mc:Choice>
-          <mc:Fallback>
+          <mc:Fallback xmlns="">
             <p:pic>
               <p:nvPicPr>
                 <p:cNvPr id="86" name="Entrada de lápiz 85">
@@ -20466,8 +20512,8 @@
             </p:pic>
           </mc:Fallback>
         </mc:AlternateContent>
-        <mc:AlternateContent xmlns:mc="http://schemas.openxmlformats.org/markup-compatibility/2006">
-          <mc:Choice xmlns:p14="http://schemas.microsoft.com/office/powerpoint/2010/main" Requires="p14">
+        <mc:AlternateContent xmlns:mc="http://schemas.openxmlformats.org/markup-compatibility/2006" xmlns:p14="http://schemas.microsoft.com/office/powerpoint/2010/main">
+          <mc:Choice Requires="p14">
             <p:contentPart p14:bwMode="auto" r:id="rId132">
               <p14:nvContentPartPr>
                 <p14:cNvPr id="87" name="Entrada de lápiz 86">
@@ -20486,7 +20532,7 @@
               </p14:xfrm>
             </p:contentPart>
           </mc:Choice>
-          <mc:Fallback>
+          <mc:Fallback xmlns="">
             <p:pic>
               <p:nvPicPr>
                 <p:cNvPr id="87" name="Entrada de lápiz 86">
@@ -20517,8 +20563,8 @@
             </p:pic>
           </mc:Fallback>
         </mc:AlternateContent>
-        <mc:AlternateContent xmlns:mc="http://schemas.openxmlformats.org/markup-compatibility/2006">
-          <mc:Choice xmlns:p14="http://schemas.microsoft.com/office/powerpoint/2010/main" Requires="p14">
+        <mc:AlternateContent xmlns:mc="http://schemas.openxmlformats.org/markup-compatibility/2006" xmlns:p14="http://schemas.microsoft.com/office/powerpoint/2010/main">
+          <mc:Choice Requires="p14">
             <p:contentPart p14:bwMode="auto" r:id="rId134">
               <p14:nvContentPartPr>
                 <p14:cNvPr id="88" name="Entrada de lápiz 87">
@@ -20537,7 +20583,7 @@
               </p14:xfrm>
             </p:contentPart>
           </mc:Choice>
-          <mc:Fallback>
+          <mc:Fallback xmlns="">
             <p:pic>
               <p:nvPicPr>
                 <p:cNvPr id="88" name="Entrada de lápiz 87">
@@ -20568,8 +20614,8 @@
             </p:pic>
           </mc:Fallback>
         </mc:AlternateContent>
-        <mc:AlternateContent xmlns:mc="http://schemas.openxmlformats.org/markup-compatibility/2006">
-          <mc:Choice xmlns:p14="http://schemas.microsoft.com/office/powerpoint/2010/main" Requires="p14">
+        <mc:AlternateContent xmlns:mc="http://schemas.openxmlformats.org/markup-compatibility/2006" xmlns:p14="http://schemas.microsoft.com/office/powerpoint/2010/main">
+          <mc:Choice Requires="p14">
             <p:contentPart p14:bwMode="auto" r:id="rId136">
               <p14:nvContentPartPr>
                 <p14:cNvPr id="89" name="Entrada de lápiz 88">
@@ -20588,7 +20634,7 @@
               </p14:xfrm>
             </p:contentPart>
           </mc:Choice>
-          <mc:Fallback>
+          <mc:Fallback xmlns="">
             <p:pic>
               <p:nvPicPr>
                 <p:cNvPr id="89" name="Entrada de lápiz 88">
@@ -20725,8 +20771,8 @@
             <a:chExt cx="7461720" cy="3546000"/>
           </a:xfrm>
         </p:grpSpPr>
-        <mc:AlternateContent xmlns:mc="http://schemas.openxmlformats.org/markup-compatibility/2006">
-          <mc:Choice xmlns:p14="http://schemas.microsoft.com/office/powerpoint/2010/main" Requires="p14">
+        <mc:AlternateContent xmlns:mc="http://schemas.openxmlformats.org/markup-compatibility/2006" xmlns:p14="http://schemas.microsoft.com/office/powerpoint/2010/main">
+          <mc:Choice Requires="p14">
             <p:contentPart p14:bwMode="auto" r:id="rId2">
               <p14:nvContentPartPr>
                 <p14:cNvPr id="4" name="Entrada de lápiz 3">
@@ -20745,7 +20791,7 @@
               </p14:xfrm>
             </p:contentPart>
           </mc:Choice>
-          <mc:Fallback>
+          <mc:Fallback xmlns="">
             <p:pic>
               <p:nvPicPr>
                 <p:cNvPr id="4" name="Entrada de lápiz 3">
@@ -20776,8 +20822,8 @@
             </p:pic>
           </mc:Fallback>
         </mc:AlternateContent>
-        <mc:AlternateContent xmlns:mc="http://schemas.openxmlformats.org/markup-compatibility/2006">
-          <mc:Choice xmlns:p14="http://schemas.microsoft.com/office/powerpoint/2010/main" Requires="p14">
+        <mc:AlternateContent xmlns:mc="http://schemas.openxmlformats.org/markup-compatibility/2006" xmlns:p14="http://schemas.microsoft.com/office/powerpoint/2010/main">
+          <mc:Choice Requires="p14">
             <p:contentPart p14:bwMode="auto" r:id="rId4">
               <p14:nvContentPartPr>
                 <p14:cNvPr id="5" name="Entrada de lápiz 4">
@@ -20796,7 +20842,7 @@
               </p14:xfrm>
             </p:contentPart>
           </mc:Choice>
-          <mc:Fallback>
+          <mc:Fallback xmlns="">
             <p:pic>
               <p:nvPicPr>
                 <p:cNvPr id="5" name="Entrada de lápiz 4">
@@ -20827,8 +20873,8 @@
             </p:pic>
           </mc:Fallback>
         </mc:AlternateContent>
-        <mc:AlternateContent xmlns:mc="http://schemas.openxmlformats.org/markup-compatibility/2006">
-          <mc:Choice xmlns:p14="http://schemas.microsoft.com/office/powerpoint/2010/main" Requires="p14">
+        <mc:AlternateContent xmlns:mc="http://schemas.openxmlformats.org/markup-compatibility/2006" xmlns:p14="http://schemas.microsoft.com/office/powerpoint/2010/main">
+          <mc:Choice Requires="p14">
             <p:contentPart p14:bwMode="auto" r:id="rId6">
               <p14:nvContentPartPr>
                 <p14:cNvPr id="6" name="Entrada de lápiz 5">
@@ -20847,7 +20893,7 @@
               </p14:xfrm>
             </p:contentPart>
           </mc:Choice>
-          <mc:Fallback>
+          <mc:Fallback xmlns="">
             <p:pic>
               <p:nvPicPr>
                 <p:cNvPr id="6" name="Entrada de lápiz 5">
@@ -20878,8 +20924,8 @@
             </p:pic>
           </mc:Fallback>
         </mc:AlternateContent>
-        <mc:AlternateContent xmlns:mc="http://schemas.openxmlformats.org/markup-compatibility/2006">
-          <mc:Choice xmlns:p14="http://schemas.microsoft.com/office/powerpoint/2010/main" Requires="p14">
+        <mc:AlternateContent xmlns:mc="http://schemas.openxmlformats.org/markup-compatibility/2006" xmlns:p14="http://schemas.microsoft.com/office/powerpoint/2010/main">
+          <mc:Choice Requires="p14">
             <p:contentPart p14:bwMode="auto" r:id="rId8">
               <p14:nvContentPartPr>
                 <p14:cNvPr id="7" name="Entrada de lápiz 6">
@@ -20898,7 +20944,7 @@
               </p14:xfrm>
             </p:contentPart>
           </mc:Choice>
-          <mc:Fallback>
+          <mc:Fallback xmlns="">
             <p:pic>
               <p:nvPicPr>
                 <p:cNvPr id="7" name="Entrada de lápiz 6">
@@ -20929,8 +20975,8 @@
             </p:pic>
           </mc:Fallback>
         </mc:AlternateContent>
-        <mc:AlternateContent xmlns:mc="http://schemas.openxmlformats.org/markup-compatibility/2006">
-          <mc:Choice xmlns:p14="http://schemas.microsoft.com/office/powerpoint/2010/main" Requires="p14">
+        <mc:AlternateContent xmlns:mc="http://schemas.openxmlformats.org/markup-compatibility/2006" xmlns:p14="http://schemas.microsoft.com/office/powerpoint/2010/main">
+          <mc:Choice Requires="p14">
             <p:contentPart p14:bwMode="auto" r:id="rId10">
               <p14:nvContentPartPr>
                 <p14:cNvPr id="8" name="Entrada de lápiz 7">
@@ -20949,7 +20995,7 @@
               </p14:xfrm>
             </p:contentPart>
           </mc:Choice>
-          <mc:Fallback>
+          <mc:Fallback xmlns="">
             <p:pic>
               <p:nvPicPr>
                 <p:cNvPr id="8" name="Entrada de lápiz 7">
@@ -20980,8 +21026,8 @@
             </p:pic>
           </mc:Fallback>
         </mc:AlternateContent>
-        <mc:AlternateContent xmlns:mc="http://schemas.openxmlformats.org/markup-compatibility/2006">
-          <mc:Choice xmlns:p14="http://schemas.microsoft.com/office/powerpoint/2010/main" Requires="p14">
+        <mc:AlternateContent xmlns:mc="http://schemas.openxmlformats.org/markup-compatibility/2006" xmlns:p14="http://schemas.microsoft.com/office/powerpoint/2010/main">
+          <mc:Choice Requires="p14">
             <p:contentPart p14:bwMode="auto" r:id="rId12">
               <p14:nvContentPartPr>
                 <p14:cNvPr id="10" name="Entrada de lápiz 9">
@@ -21000,7 +21046,7 @@
               </p14:xfrm>
             </p:contentPart>
           </mc:Choice>
-          <mc:Fallback>
+          <mc:Fallback xmlns="">
             <p:pic>
               <p:nvPicPr>
                 <p:cNvPr id="10" name="Entrada de lápiz 9">
@@ -21031,8 +21077,8 @@
             </p:pic>
           </mc:Fallback>
         </mc:AlternateContent>
-        <mc:AlternateContent xmlns:mc="http://schemas.openxmlformats.org/markup-compatibility/2006">
-          <mc:Choice xmlns:p14="http://schemas.microsoft.com/office/powerpoint/2010/main" Requires="p14">
+        <mc:AlternateContent xmlns:mc="http://schemas.openxmlformats.org/markup-compatibility/2006" xmlns:p14="http://schemas.microsoft.com/office/powerpoint/2010/main">
+          <mc:Choice Requires="p14">
             <p:contentPart p14:bwMode="auto" r:id="rId14">
               <p14:nvContentPartPr>
                 <p14:cNvPr id="11" name="Entrada de lápiz 10">
@@ -21051,7 +21097,7 @@
               </p14:xfrm>
             </p:contentPart>
           </mc:Choice>
-          <mc:Fallback>
+          <mc:Fallback xmlns="">
             <p:pic>
               <p:nvPicPr>
                 <p:cNvPr id="11" name="Entrada de lápiz 10">
@@ -21082,8 +21128,8 @@
             </p:pic>
           </mc:Fallback>
         </mc:AlternateContent>
-        <mc:AlternateContent xmlns:mc="http://schemas.openxmlformats.org/markup-compatibility/2006">
-          <mc:Choice xmlns:p14="http://schemas.microsoft.com/office/powerpoint/2010/main" Requires="p14">
+        <mc:AlternateContent xmlns:mc="http://schemas.openxmlformats.org/markup-compatibility/2006" xmlns:p14="http://schemas.microsoft.com/office/powerpoint/2010/main">
+          <mc:Choice Requires="p14">
             <p:contentPart p14:bwMode="auto" r:id="rId16">
               <p14:nvContentPartPr>
                 <p14:cNvPr id="12" name="Entrada de lápiz 11">
@@ -21102,7 +21148,7 @@
               </p14:xfrm>
             </p:contentPart>
           </mc:Choice>
-          <mc:Fallback>
+          <mc:Fallback xmlns="">
             <p:pic>
               <p:nvPicPr>
                 <p:cNvPr id="12" name="Entrada de lápiz 11">
@@ -21133,8 +21179,8 @@
             </p:pic>
           </mc:Fallback>
         </mc:AlternateContent>
-        <mc:AlternateContent xmlns:mc="http://schemas.openxmlformats.org/markup-compatibility/2006">
-          <mc:Choice xmlns:p14="http://schemas.microsoft.com/office/powerpoint/2010/main" Requires="p14">
+        <mc:AlternateContent xmlns:mc="http://schemas.openxmlformats.org/markup-compatibility/2006" xmlns:p14="http://schemas.microsoft.com/office/powerpoint/2010/main">
+          <mc:Choice Requires="p14">
             <p:contentPart p14:bwMode="auto" r:id="rId18">
               <p14:nvContentPartPr>
                 <p14:cNvPr id="13" name="Entrada de lápiz 12">
@@ -21153,7 +21199,7 @@
               </p14:xfrm>
             </p:contentPart>
           </mc:Choice>
-          <mc:Fallback>
+          <mc:Fallback xmlns="">
             <p:pic>
               <p:nvPicPr>
                 <p:cNvPr id="13" name="Entrada de lápiz 12">
@@ -21184,8 +21230,8 @@
             </p:pic>
           </mc:Fallback>
         </mc:AlternateContent>
-        <mc:AlternateContent xmlns:mc="http://schemas.openxmlformats.org/markup-compatibility/2006">
-          <mc:Choice xmlns:p14="http://schemas.microsoft.com/office/powerpoint/2010/main" Requires="p14">
+        <mc:AlternateContent xmlns:mc="http://schemas.openxmlformats.org/markup-compatibility/2006" xmlns:p14="http://schemas.microsoft.com/office/powerpoint/2010/main">
+          <mc:Choice Requires="p14">
             <p:contentPart p14:bwMode="auto" r:id="rId20">
               <p14:nvContentPartPr>
                 <p14:cNvPr id="14" name="Entrada de lápiz 13">
@@ -21204,7 +21250,7 @@
               </p14:xfrm>
             </p:contentPart>
           </mc:Choice>
-          <mc:Fallback>
+          <mc:Fallback xmlns="">
             <p:pic>
               <p:nvPicPr>
                 <p:cNvPr id="14" name="Entrada de lápiz 13">
@@ -21235,8 +21281,8 @@
             </p:pic>
           </mc:Fallback>
         </mc:AlternateContent>
-        <mc:AlternateContent xmlns:mc="http://schemas.openxmlformats.org/markup-compatibility/2006">
-          <mc:Choice xmlns:p14="http://schemas.microsoft.com/office/powerpoint/2010/main" Requires="p14">
+        <mc:AlternateContent xmlns:mc="http://schemas.openxmlformats.org/markup-compatibility/2006" xmlns:p14="http://schemas.microsoft.com/office/powerpoint/2010/main">
+          <mc:Choice Requires="p14">
             <p:contentPart p14:bwMode="auto" r:id="rId22">
               <p14:nvContentPartPr>
                 <p14:cNvPr id="15" name="Entrada de lápiz 14">
@@ -21255,7 +21301,7 @@
               </p14:xfrm>
             </p:contentPart>
           </mc:Choice>
-          <mc:Fallback>
+          <mc:Fallback xmlns="">
             <p:pic>
               <p:nvPicPr>
                 <p:cNvPr id="15" name="Entrada de lápiz 14">
@@ -21286,8 +21332,8 @@
             </p:pic>
           </mc:Fallback>
         </mc:AlternateContent>
-        <mc:AlternateContent xmlns:mc="http://schemas.openxmlformats.org/markup-compatibility/2006">
-          <mc:Choice xmlns:p14="http://schemas.microsoft.com/office/powerpoint/2010/main" Requires="p14">
+        <mc:AlternateContent xmlns:mc="http://schemas.openxmlformats.org/markup-compatibility/2006" xmlns:p14="http://schemas.microsoft.com/office/powerpoint/2010/main">
+          <mc:Choice Requires="p14">
             <p:contentPart p14:bwMode="auto" r:id="rId24">
               <p14:nvContentPartPr>
                 <p14:cNvPr id="17" name="Entrada de lápiz 16">
@@ -21306,7 +21352,7 @@
               </p14:xfrm>
             </p:contentPart>
           </mc:Choice>
-          <mc:Fallback>
+          <mc:Fallback xmlns="">
             <p:pic>
               <p:nvPicPr>
                 <p:cNvPr id="17" name="Entrada de lápiz 16">
@@ -21337,8 +21383,8 @@
             </p:pic>
           </mc:Fallback>
         </mc:AlternateContent>
-        <mc:AlternateContent xmlns:mc="http://schemas.openxmlformats.org/markup-compatibility/2006">
-          <mc:Choice xmlns:p14="http://schemas.microsoft.com/office/powerpoint/2010/main" Requires="p14">
+        <mc:AlternateContent xmlns:mc="http://schemas.openxmlformats.org/markup-compatibility/2006" xmlns:p14="http://schemas.microsoft.com/office/powerpoint/2010/main">
+          <mc:Choice Requires="p14">
             <p:contentPart p14:bwMode="auto" r:id="rId26">
               <p14:nvContentPartPr>
                 <p14:cNvPr id="18" name="Entrada de lápiz 17">
@@ -21357,7 +21403,7 @@
               </p14:xfrm>
             </p:contentPart>
           </mc:Choice>
-          <mc:Fallback>
+          <mc:Fallback xmlns="">
             <p:pic>
               <p:nvPicPr>
                 <p:cNvPr id="18" name="Entrada de lápiz 17">
@@ -21388,8 +21434,8 @@
             </p:pic>
           </mc:Fallback>
         </mc:AlternateContent>
-        <mc:AlternateContent xmlns:mc="http://schemas.openxmlformats.org/markup-compatibility/2006">
-          <mc:Choice xmlns:p14="http://schemas.microsoft.com/office/powerpoint/2010/main" Requires="p14">
+        <mc:AlternateContent xmlns:mc="http://schemas.openxmlformats.org/markup-compatibility/2006" xmlns:p14="http://schemas.microsoft.com/office/powerpoint/2010/main">
+          <mc:Choice Requires="p14">
             <p:contentPart p14:bwMode="auto" r:id="rId28">
               <p14:nvContentPartPr>
                 <p14:cNvPr id="19" name="Entrada de lápiz 18">
@@ -21408,7 +21454,7 @@
               </p14:xfrm>
             </p:contentPart>
           </mc:Choice>
-          <mc:Fallback>
+          <mc:Fallback xmlns="">
             <p:pic>
               <p:nvPicPr>
                 <p:cNvPr id="19" name="Entrada de lápiz 18">
@@ -21439,8 +21485,8 @@
             </p:pic>
           </mc:Fallback>
         </mc:AlternateContent>
-        <mc:AlternateContent xmlns:mc="http://schemas.openxmlformats.org/markup-compatibility/2006">
-          <mc:Choice xmlns:p14="http://schemas.microsoft.com/office/powerpoint/2010/main" Requires="p14">
+        <mc:AlternateContent xmlns:mc="http://schemas.openxmlformats.org/markup-compatibility/2006" xmlns:p14="http://schemas.microsoft.com/office/powerpoint/2010/main">
+          <mc:Choice Requires="p14">
             <p:contentPart p14:bwMode="auto" r:id="rId30">
               <p14:nvContentPartPr>
                 <p14:cNvPr id="20" name="Entrada de lápiz 19">
@@ -21459,7 +21505,7 @@
               </p14:xfrm>
             </p:contentPart>
           </mc:Choice>
-          <mc:Fallback>
+          <mc:Fallback xmlns="">
             <p:pic>
               <p:nvPicPr>
                 <p:cNvPr id="20" name="Entrada de lápiz 19">
@@ -21490,8 +21536,8 @@
             </p:pic>
           </mc:Fallback>
         </mc:AlternateContent>
-        <mc:AlternateContent xmlns:mc="http://schemas.openxmlformats.org/markup-compatibility/2006">
-          <mc:Choice xmlns:p14="http://schemas.microsoft.com/office/powerpoint/2010/main" Requires="p14">
+        <mc:AlternateContent xmlns:mc="http://schemas.openxmlformats.org/markup-compatibility/2006" xmlns:p14="http://schemas.microsoft.com/office/powerpoint/2010/main">
+          <mc:Choice Requires="p14">
             <p:contentPart p14:bwMode="auto" r:id="rId32">
               <p14:nvContentPartPr>
                 <p14:cNvPr id="21" name="Entrada de lápiz 20">
@@ -21510,7 +21556,7 @@
               </p14:xfrm>
             </p:contentPart>
           </mc:Choice>
-          <mc:Fallback>
+          <mc:Fallback xmlns="">
             <p:pic>
               <p:nvPicPr>
                 <p:cNvPr id="21" name="Entrada de lápiz 20">
@@ -21541,8 +21587,8 @@
             </p:pic>
           </mc:Fallback>
         </mc:AlternateContent>
-        <mc:AlternateContent xmlns:mc="http://schemas.openxmlformats.org/markup-compatibility/2006">
-          <mc:Choice xmlns:p14="http://schemas.microsoft.com/office/powerpoint/2010/main" Requires="p14">
+        <mc:AlternateContent xmlns:mc="http://schemas.openxmlformats.org/markup-compatibility/2006" xmlns:p14="http://schemas.microsoft.com/office/powerpoint/2010/main">
+          <mc:Choice Requires="p14">
             <p:contentPart p14:bwMode="auto" r:id="rId34">
               <p14:nvContentPartPr>
                 <p14:cNvPr id="22" name="Entrada de lápiz 21">
@@ -21561,7 +21607,7 @@
               </p14:xfrm>
             </p:contentPart>
           </mc:Choice>
-          <mc:Fallback>
+          <mc:Fallback xmlns="">
             <p:pic>
               <p:nvPicPr>
                 <p:cNvPr id="22" name="Entrada de lápiz 21">
@@ -21592,8 +21638,8 @@
             </p:pic>
           </mc:Fallback>
         </mc:AlternateContent>
-        <mc:AlternateContent xmlns:mc="http://schemas.openxmlformats.org/markup-compatibility/2006">
-          <mc:Choice xmlns:p14="http://schemas.microsoft.com/office/powerpoint/2010/main" Requires="p14">
+        <mc:AlternateContent xmlns:mc="http://schemas.openxmlformats.org/markup-compatibility/2006" xmlns:p14="http://schemas.microsoft.com/office/powerpoint/2010/main">
+          <mc:Choice Requires="p14">
             <p:contentPart p14:bwMode="auto" r:id="rId36">
               <p14:nvContentPartPr>
                 <p14:cNvPr id="24" name="Entrada de lápiz 23">
@@ -21612,7 +21658,7 @@
               </p14:xfrm>
             </p:contentPart>
           </mc:Choice>
-          <mc:Fallback>
+          <mc:Fallback xmlns="">
             <p:pic>
               <p:nvPicPr>
                 <p:cNvPr id="24" name="Entrada de lápiz 23">
@@ -21643,8 +21689,8 @@
             </p:pic>
           </mc:Fallback>
         </mc:AlternateContent>
-        <mc:AlternateContent xmlns:mc="http://schemas.openxmlformats.org/markup-compatibility/2006">
-          <mc:Choice xmlns:p14="http://schemas.microsoft.com/office/powerpoint/2010/main" Requires="p14">
+        <mc:AlternateContent xmlns:mc="http://schemas.openxmlformats.org/markup-compatibility/2006" xmlns:p14="http://schemas.microsoft.com/office/powerpoint/2010/main">
+          <mc:Choice Requires="p14">
             <p:contentPart p14:bwMode="auto" r:id="rId38">
               <p14:nvContentPartPr>
                 <p14:cNvPr id="25" name="Entrada de lápiz 24">
@@ -21663,7 +21709,7 @@
               </p14:xfrm>
             </p:contentPart>
           </mc:Choice>
-          <mc:Fallback>
+          <mc:Fallback xmlns="">
             <p:pic>
               <p:nvPicPr>
                 <p:cNvPr id="25" name="Entrada de lápiz 24">
@@ -21694,8 +21740,8 @@
             </p:pic>
           </mc:Fallback>
         </mc:AlternateContent>
-        <mc:AlternateContent xmlns:mc="http://schemas.openxmlformats.org/markup-compatibility/2006">
-          <mc:Choice xmlns:p14="http://schemas.microsoft.com/office/powerpoint/2010/main" Requires="p14">
+        <mc:AlternateContent xmlns:mc="http://schemas.openxmlformats.org/markup-compatibility/2006" xmlns:p14="http://schemas.microsoft.com/office/powerpoint/2010/main">
+          <mc:Choice Requires="p14">
             <p:contentPart p14:bwMode="auto" r:id="rId40">
               <p14:nvContentPartPr>
                 <p14:cNvPr id="26" name="Entrada de lápiz 25">
@@ -21714,7 +21760,7 @@
               </p14:xfrm>
             </p:contentPart>
           </mc:Choice>
-          <mc:Fallback>
+          <mc:Fallback xmlns="">
             <p:pic>
               <p:nvPicPr>
                 <p:cNvPr id="26" name="Entrada de lápiz 25">
@@ -21745,8 +21791,8 @@
             </p:pic>
           </mc:Fallback>
         </mc:AlternateContent>
-        <mc:AlternateContent xmlns:mc="http://schemas.openxmlformats.org/markup-compatibility/2006">
-          <mc:Choice xmlns:p14="http://schemas.microsoft.com/office/powerpoint/2010/main" Requires="p14">
+        <mc:AlternateContent xmlns:mc="http://schemas.openxmlformats.org/markup-compatibility/2006" xmlns:p14="http://schemas.microsoft.com/office/powerpoint/2010/main">
+          <mc:Choice Requires="p14">
             <p:contentPart p14:bwMode="auto" r:id="rId42">
               <p14:nvContentPartPr>
                 <p14:cNvPr id="31" name="Entrada de lápiz 30">
@@ -21765,7 +21811,7 @@
               </p14:xfrm>
             </p:contentPart>
           </mc:Choice>
-          <mc:Fallback>
+          <mc:Fallback xmlns="">
             <p:pic>
               <p:nvPicPr>
                 <p:cNvPr id="31" name="Entrada de lápiz 30">
@@ -21796,8 +21842,8 @@
             </p:pic>
           </mc:Fallback>
         </mc:AlternateContent>
-        <mc:AlternateContent xmlns:mc="http://schemas.openxmlformats.org/markup-compatibility/2006">
-          <mc:Choice xmlns:p14="http://schemas.microsoft.com/office/powerpoint/2010/main" Requires="p14">
+        <mc:AlternateContent xmlns:mc="http://schemas.openxmlformats.org/markup-compatibility/2006" xmlns:p14="http://schemas.microsoft.com/office/powerpoint/2010/main">
+          <mc:Choice Requires="p14">
             <p:contentPart p14:bwMode="auto" r:id="rId44">
               <p14:nvContentPartPr>
                 <p14:cNvPr id="32" name="Entrada de lápiz 31">
@@ -21816,7 +21862,7 @@
               </p14:xfrm>
             </p:contentPart>
           </mc:Choice>
-          <mc:Fallback>
+          <mc:Fallback xmlns="">
             <p:pic>
               <p:nvPicPr>
                 <p:cNvPr id="32" name="Entrada de lápiz 31">
@@ -21847,8 +21893,8 @@
             </p:pic>
           </mc:Fallback>
         </mc:AlternateContent>
-        <mc:AlternateContent xmlns:mc="http://schemas.openxmlformats.org/markup-compatibility/2006">
-          <mc:Choice xmlns:p14="http://schemas.microsoft.com/office/powerpoint/2010/main" Requires="p14">
+        <mc:AlternateContent xmlns:mc="http://schemas.openxmlformats.org/markup-compatibility/2006" xmlns:p14="http://schemas.microsoft.com/office/powerpoint/2010/main">
+          <mc:Choice Requires="p14">
             <p:contentPart p14:bwMode="auto" r:id="rId46">
               <p14:nvContentPartPr>
                 <p14:cNvPr id="34" name="Entrada de lápiz 33">
@@ -21867,7 +21913,7 @@
               </p14:xfrm>
             </p:contentPart>
           </mc:Choice>
-          <mc:Fallback>
+          <mc:Fallback xmlns="">
             <p:pic>
               <p:nvPicPr>
                 <p:cNvPr id="34" name="Entrada de lápiz 33">
@@ -21898,8 +21944,8 @@
             </p:pic>
           </mc:Fallback>
         </mc:AlternateContent>
-        <mc:AlternateContent xmlns:mc="http://schemas.openxmlformats.org/markup-compatibility/2006">
-          <mc:Choice xmlns:p14="http://schemas.microsoft.com/office/powerpoint/2010/main" Requires="p14">
+        <mc:AlternateContent xmlns:mc="http://schemas.openxmlformats.org/markup-compatibility/2006" xmlns:p14="http://schemas.microsoft.com/office/powerpoint/2010/main">
+          <mc:Choice Requires="p14">
             <p:contentPart p14:bwMode="auto" r:id="rId48">
               <p14:nvContentPartPr>
                 <p14:cNvPr id="35" name="Entrada de lápiz 34">
@@ -21918,7 +21964,7 @@
               </p14:xfrm>
             </p:contentPart>
           </mc:Choice>
-          <mc:Fallback>
+          <mc:Fallback xmlns="">
             <p:pic>
               <p:nvPicPr>
                 <p:cNvPr id="35" name="Entrada de lápiz 34">
@@ -21949,8 +21995,8 @@
             </p:pic>
           </mc:Fallback>
         </mc:AlternateContent>
-        <mc:AlternateContent xmlns:mc="http://schemas.openxmlformats.org/markup-compatibility/2006">
-          <mc:Choice xmlns:p14="http://schemas.microsoft.com/office/powerpoint/2010/main" Requires="p14">
+        <mc:AlternateContent xmlns:mc="http://schemas.openxmlformats.org/markup-compatibility/2006" xmlns:p14="http://schemas.microsoft.com/office/powerpoint/2010/main">
+          <mc:Choice Requires="p14">
             <p:contentPart p14:bwMode="auto" r:id="rId50">
               <p14:nvContentPartPr>
                 <p14:cNvPr id="36" name="Entrada de lápiz 35">
@@ -21969,7 +22015,7 @@
               </p14:xfrm>
             </p:contentPart>
           </mc:Choice>
-          <mc:Fallback>
+          <mc:Fallback xmlns="">
             <p:pic>
               <p:nvPicPr>
                 <p:cNvPr id="36" name="Entrada de lápiz 35">
@@ -22000,8 +22046,8 @@
             </p:pic>
           </mc:Fallback>
         </mc:AlternateContent>
-        <mc:AlternateContent xmlns:mc="http://schemas.openxmlformats.org/markup-compatibility/2006">
-          <mc:Choice xmlns:p14="http://schemas.microsoft.com/office/powerpoint/2010/main" Requires="p14">
+        <mc:AlternateContent xmlns:mc="http://schemas.openxmlformats.org/markup-compatibility/2006" xmlns:p14="http://schemas.microsoft.com/office/powerpoint/2010/main">
+          <mc:Choice Requires="p14">
             <p:contentPart p14:bwMode="auto" r:id="rId52">
               <p14:nvContentPartPr>
                 <p14:cNvPr id="37" name="Entrada de lápiz 36">
@@ -22020,7 +22066,7 @@
               </p14:xfrm>
             </p:contentPart>
           </mc:Choice>
-          <mc:Fallback>
+          <mc:Fallback xmlns="">
             <p:pic>
               <p:nvPicPr>
                 <p:cNvPr id="37" name="Entrada de lápiz 36">
@@ -22051,8 +22097,8 @@
             </p:pic>
           </mc:Fallback>
         </mc:AlternateContent>
-        <mc:AlternateContent xmlns:mc="http://schemas.openxmlformats.org/markup-compatibility/2006">
-          <mc:Choice xmlns:p14="http://schemas.microsoft.com/office/powerpoint/2010/main" Requires="p14">
+        <mc:AlternateContent xmlns:mc="http://schemas.openxmlformats.org/markup-compatibility/2006" xmlns:p14="http://schemas.microsoft.com/office/powerpoint/2010/main">
+          <mc:Choice Requires="p14">
             <p:contentPart p14:bwMode="auto" r:id="rId54">
               <p14:nvContentPartPr>
                 <p14:cNvPr id="38" name="Entrada de lápiz 37">
@@ -22071,7 +22117,7 @@
               </p14:xfrm>
             </p:contentPart>
           </mc:Choice>
-          <mc:Fallback>
+          <mc:Fallback xmlns="">
             <p:pic>
               <p:nvPicPr>
                 <p:cNvPr id="38" name="Entrada de lápiz 37">
@@ -22102,8 +22148,8 @@
             </p:pic>
           </mc:Fallback>
         </mc:AlternateContent>
-        <mc:AlternateContent xmlns:mc="http://schemas.openxmlformats.org/markup-compatibility/2006">
-          <mc:Choice xmlns:p14="http://schemas.microsoft.com/office/powerpoint/2010/main" Requires="p14">
+        <mc:AlternateContent xmlns:mc="http://schemas.openxmlformats.org/markup-compatibility/2006" xmlns:p14="http://schemas.microsoft.com/office/powerpoint/2010/main">
+          <mc:Choice Requires="p14">
             <p:contentPart p14:bwMode="auto" r:id="rId56">
               <p14:nvContentPartPr>
                 <p14:cNvPr id="39" name="Entrada de lápiz 38">
@@ -22122,7 +22168,7 @@
               </p14:xfrm>
             </p:contentPart>
           </mc:Choice>
-          <mc:Fallback>
+          <mc:Fallback xmlns="">
             <p:pic>
               <p:nvPicPr>
                 <p:cNvPr id="39" name="Entrada de lápiz 38">
@@ -22153,8 +22199,8 @@
             </p:pic>
           </mc:Fallback>
         </mc:AlternateContent>
-        <mc:AlternateContent xmlns:mc="http://schemas.openxmlformats.org/markup-compatibility/2006">
-          <mc:Choice xmlns:p14="http://schemas.microsoft.com/office/powerpoint/2010/main" Requires="p14">
+        <mc:AlternateContent xmlns:mc="http://schemas.openxmlformats.org/markup-compatibility/2006" xmlns:p14="http://schemas.microsoft.com/office/powerpoint/2010/main">
+          <mc:Choice Requires="p14">
             <p:contentPart p14:bwMode="auto" r:id="rId58">
               <p14:nvContentPartPr>
                 <p14:cNvPr id="40" name="Entrada de lápiz 39">
@@ -22173,7 +22219,7 @@
               </p14:xfrm>
             </p:contentPart>
           </mc:Choice>
-          <mc:Fallback>
+          <mc:Fallback xmlns="">
             <p:pic>
               <p:nvPicPr>
                 <p:cNvPr id="40" name="Entrada de lápiz 39">
